--- a/auto_EDA.pptx
+++ b/auto_EDA.pptx
@@ -27,7 +27,8 @@
     <p:sldId id="277" r:id="rId21"/>
     <p:sldId id="278" r:id="rId22"/>
     <p:sldId id="281" r:id="rId23"/>
-    <p:sldId id="282" r:id="rId24"/>
+    <p:sldId id="283" r:id="rId24"/>
+    <p:sldId id="282" r:id="rId25"/>
   </p:sldIdLst>
   <p:sldSz cx="9144000" cy="6858000" type="screen4x3"/>
   <p:notesSz cx="6858000" cy="9144000"/>
@@ -323,7 +324,8 @@
           <a:p>
             <a:fld id="{9FA14602-5D20-4F66-8298-0575473F1469}" type="datetimeFigureOut">
               <a:rPr lang="en-SG" smtClean="0"/>
-              <a:t>23/2/2017</a:t>
+              <a:pPr/>
+              <a:t>27/2/2017</a:t>
             </a:fld>
             <a:endParaRPr lang="en-SG"/>
           </a:p>
@@ -365,6 +367,7 @@
           <a:p>
             <a:fld id="{9ED67AF2-95F3-41EA-8AFE-2DB893A8CEA2}" type="slidenum">
               <a:rPr lang="en-SG" smtClean="0"/>
+              <a:pPr/>
               <a:t>‹#›</a:t>
             </a:fld>
             <a:endParaRPr lang="en-SG"/>
@@ -376,6 +379,9 @@
   <p:clrMapOvr>
     <a:masterClrMapping/>
   </p:clrMapOvr>
+  <p:transition spd="med">
+    <p:wedge/>
+  </p:transition>
 </p:sldLayout>
 </file>
 
@@ -488,7 +494,8 @@
           <a:p>
             <a:fld id="{9FA14602-5D20-4F66-8298-0575473F1469}" type="datetimeFigureOut">
               <a:rPr lang="en-SG" smtClean="0"/>
-              <a:t>23/2/2017</a:t>
+              <a:pPr/>
+              <a:t>27/2/2017</a:t>
             </a:fld>
             <a:endParaRPr lang="en-SG"/>
           </a:p>
@@ -530,6 +537,7 @@
           <a:p>
             <a:fld id="{9ED67AF2-95F3-41EA-8AFE-2DB893A8CEA2}" type="slidenum">
               <a:rPr lang="en-SG" smtClean="0"/>
+              <a:pPr/>
               <a:t>‹#›</a:t>
             </a:fld>
             <a:endParaRPr lang="en-SG"/>
@@ -541,6 +549,9 @@
   <p:clrMapOvr>
     <a:masterClrMapping/>
   </p:clrMapOvr>
+  <p:transition spd="med">
+    <p:wedge/>
+  </p:transition>
 </p:sldLayout>
 </file>
 
@@ -663,7 +674,8 @@
           <a:p>
             <a:fld id="{9FA14602-5D20-4F66-8298-0575473F1469}" type="datetimeFigureOut">
               <a:rPr lang="en-SG" smtClean="0"/>
-              <a:t>23/2/2017</a:t>
+              <a:pPr/>
+              <a:t>27/2/2017</a:t>
             </a:fld>
             <a:endParaRPr lang="en-SG"/>
           </a:p>
@@ -705,6 +717,7 @@
           <a:p>
             <a:fld id="{9ED67AF2-95F3-41EA-8AFE-2DB893A8CEA2}" type="slidenum">
               <a:rPr lang="en-SG" smtClean="0"/>
+              <a:pPr/>
               <a:t>‹#›</a:t>
             </a:fld>
             <a:endParaRPr lang="en-SG"/>
@@ -716,6 +729,9 @@
   <p:clrMapOvr>
     <a:masterClrMapping/>
   </p:clrMapOvr>
+  <p:transition spd="med">
+    <p:wedge/>
+  </p:transition>
 </p:sldLayout>
 </file>
 
@@ -828,7 +844,8 @@
           <a:p>
             <a:fld id="{9FA14602-5D20-4F66-8298-0575473F1469}" type="datetimeFigureOut">
               <a:rPr lang="en-SG" smtClean="0"/>
-              <a:t>23/2/2017</a:t>
+              <a:pPr/>
+              <a:t>27/2/2017</a:t>
             </a:fld>
             <a:endParaRPr lang="en-SG"/>
           </a:p>
@@ -870,6 +887,7 @@
           <a:p>
             <a:fld id="{9ED67AF2-95F3-41EA-8AFE-2DB893A8CEA2}" type="slidenum">
               <a:rPr lang="en-SG" smtClean="0"/>
+              <a:pPr/>
               <a:t>‹#›</a:t>
             </a:fld>
             <a:endParaRPr lang="en-SG"/>
@@ -881,6 +899,9 @@
   <p:clrMapOvr>
     <a:masterClrMapping/>
   </p:clrMapOvr>
+  <p:transition spd="med">
+    <p:wedge/>
+  </p:transition>
 </p:sldLayout>
 </file>
 
@@ -1069,7 +1090,8 @@
           <a:p>
             <a:fld id="{9FA14602-5D20-4F66-8298-0575473F1469}" type="datetimeFigureOut">
               <a:rPr lang="en-SG" smtClean="0"/>
-              <a:t>23/2/2017</a:t>
+              <a:pPr/>
+              <a:t>27/2/2017</a:t>
             </a:fld>
             <a:endParaRPr lang="en-SG"/>
           </a:p>
@@ -1111,6 +1133,7 @@
           <a:p>
             <a:fld id="{9ED67AF2-95F3-41EA-8AFE-2DB893A8CEA2}" type="slidenum">
               <a:rPr lang="en-SG" smtClean="0"/>
+              <a:pPr/>
               <a:t>‹#›</a:t>
             </a:fld>
             <a:endParaRPr lang="en-SG"/>
@@ -1122,6 +1145,9 @@
   <p:clrMapOvr>
     <a:masterClrMapping/>
   </p:clrMapOvr>
+  <p:transition spd="med">
+    <p:wedge/>
+  </p:transition>
 </p:sldLayout>
 </file>
 
@@ -1352,7 +1378,8 @@
           <a:p>
             <a:fld id="{9FA14602-5D20-4F66-8298-0575473F1469}" type="datetimeFigureOut">
               <a:rPr lang="en-SG" smtClean="0"/>
-              <a:t>23/2/2017</a:t>
+              <a:pPr/>
+              <a:t>27/2/2017</a:t>
             </a:fld>
             <a:endParaRPr lang="en-SG"/>
           </a:p>
@@ -1394,6 +1421,7 @@
           <a:p>
             <a:fld id="{9ED67AF2-95F3-41EA-8AFE-2DB893A8CEA2}" type="slidenum">
               <a:rPr lang="en-SG" smtClean="0"/>
+              <a:pPr/>
               <a:t>‹#›</a:t>
             </a:fld>
             <a:endParaRPr lang="en-SG"/>
@@ -1405,6 +1433,9 @@
   <p:clrMapOvr>
     <a:masterClrMapping/>
   </p:clrMapOvr>
+  <p:transition spd="med">
+    <p:wedge/>
+  </p:transition>
 </p:sldLayout>
 </file>
 
@@ -1781,7 +1812,8 @@
           <a:p>
             <a:fld id="{9FA14602-5D20-4F66-8298-0575473F1469}" type="datetimeFigureOut">
               <a:rPr lang="en-SG" smtClean="0"/>
-              <a:t>23/2/2017</a:t>
+              <a:pPr/>
+              <a:t>27/2/2017</a:t>
             </a:fld>
             <a:endParaRPr lang="en-SG"/>
           </a:p>
@@ -1823,6 +1855,7 @@
           <a:p>
             <a:fld id="{9ED67AF2-95F3-41EA-8AFE-2DB893A8CEA2}" type="slidenum">
               <a:rPr lang="en-SG" smtClean="0"/>
+              <a:pPr/>
               <a:t>‹#›</a:t>
             </a:fld>
             <a:endParaRPr lang="en-SG"/>
@@ -1834,6 +1867,9 @@
   <p:clrMapOvr>
     <a:masterClrMapping/>
   </p:clrMapOvr>
+  <p:transition spd="med">
+    <p:wedge/>
+  </p:transition>
 </p:sldLayout>
 </file>
 
@@ -1894,7 +1930,8 @@
           <a:p>
             <a:fld id="{9FA14602-5D20-4F66-8298-0575473F1469}" type="datetimeFigureOut">
               <a:rPr lang="en-SG" smtClean="0"/>
-              <a:t>23/2/2017</a:t>
+              <a:pPr/>
+              <a:t>27/2/2017</a:t>
             </a:fld>
             <a:endParaRPr lang="en-SG"/>
           </a:p>
@@ -1936,6 +1973,7 @@
           <a:p>
             <a:fld id="{9ED67AF2-95F3-41EA-8AFE-2DB893A8CEA2}" type="slidenum">
               <a:rPr lang="en-SG" smtClean="0"/>
+              <a:pPr/>
               <a:t>‹#›</a:t>
             </a:fld>
             <a:endParaRPr lang="en-SG"/>
@@ -1947,6 +1985,9 @@
   <p:clrMapOvr>
     <a:masterClrMapping/>
   </p:clrMapOvr>
+  <p:transition spd="med">
+    <p:wedge/>
+  </p:transition>
 </p:sldLayout>
 </file>
 
@@ -1984,7 +2025,8 @@
           <a:p>
             <a:fld id="{9FA14602-5D20-4F66-8298-0575473F1469}" type="datetimeFigureOut">
               <a:rPr lang="en-SG" smtClean="0"/>
-              <a:t>23/2/2017</a:t>
+              <a:pPr/>
+              <a:t>27/2/2017</a:t>
             </a:fld>
             <a:endParaRPr lang="en-SG"/>
           </a:p>
@@ -2026,6 +2068,7 @@
           <a:p>
             <a:fld id="{9ED67AF2-95F3-41EA-8AFE-2DB893A8CEA2}" type="slidenum">
               <a:rPr lang="en-SG" smtClean="0"/>
+              <a:pPr/>
               <a:t>‹#›</a:t>
             </a:fld>
             <a:endParaRPr lang="en-SG"/>
@@ -2037,6 +2080,9 @@
   <p:clrMapOvr>
     <a:masterClrMapping/>
   </p:clrMapOvr>
+  <p:transition spd="med">
+    <p:wedge/>
+  </p:transition>
 </p:sldLayout>
 </file>
 
@@ -2173,7 +2219,8 @@
           <a:p>
             <a:fld id="{9FA14602-5D20-4F66-8298-0575473F1469}" type="datetimeFigureOut">
               <a:rPr lang="en-SG" smtClean="0"/>
-              <a:t>23/2/2017</a:t>
+              <a:pPr/>
+              <a:t>27/2/2017</a:t>
             </a:fld>
             <a:endParaRPr lang="en-SG"/>
           </a:p>
@@ -2215,6 +2262,7 @@
           <a:p>
             <a:fld id="{9ED67AF2-95F3-41EA-8AFE-2DB893A8CEA2}" type="slidenum">
               <a:rPr lang="en-SG" smtClean="0"/>
+              <a:pPr/>
               <a:t>‹#›</a:t>
             </a:fld>
             <a:endParaRPr lang="en-SG"/>
@@ -2283,6 +2331,9 @@
   <p:clrMapOvr>
     <a:masterClrMapping/>
   </p:clrMapOvr>
+  <p:transition spd="med">
+    <p:wedge/>
+  </p:transition>
 </p:sldLayout>
 </file>
 
@@ -2491,7 +2542,8 @@
           <a:p>
             <a:fld id="{9FA14602-5D20-4F66-8298-0575473F1469}" type="datetimeFigureOut">
               <a:rPr lang="en-SG" smtClean="0"/>
-              <a:t>23/2/2017</a:t>
+              <a:pPr/>
+              <a:t>27/2/2017</a:t>
             </a:fld>
             <a:endParaRPr lang="en-SG"/>
           </a:p>
@@ -2514,6 +2566,7 @@
           <a:p>
             <a:fld id="{9ED67AF2-95F3-41EA-8AFE-2DB893A8CEA2}" type="slidenum">
               <a:rPr lang="en-SG" smtClean="0"/>
+              <a:pPr/>
               <a:t>‹#›</a:t>
             </a:fld>
             <a:endParaRPr lang="en-SG"/>
@@ -2544,6 +2597,9 @@
   <p:clrMapOvr>
     <a:masterClrMapping/>
   </p:clrMapOvr>
+  <p:transition spd="med">
+    <p:wedge/>
+  </p:transition>
 </p:sldLayout>
 </file>
 
@@ -2796,6 +2852,7 @@
           <a:p>
             <a:fld id="{9ED67AF2-95F3-41EA-8AFE-2DB893A8CEA2}" type="slidenum">
               <a:rPr lang="en-SG" smtClean="0"/>
+              <a:pPr/>
               <a:t>‹#›</a:t>
             </a:fld>
             <a:endParaRPr lang="en-SG"/>
@@ -2870,7 +2927,8 @@
           <a:p>
             <a:fld id="{9FA14602-5D20-4F66-8298-0575473F1469}" type="datetimeFigureOut">
               <a:rPr lang="en-SG" smtClean="0"/>
-              <a:t>23/2/2017</a:t>
+              <a:pPr/>
+              <a:t>27/2/2017</a:t>
             </a:fld>
             <a:endParaRPr lang="en-SG"/>
           </a:p>
@@ -2892,6 +2950,9 @@
     <p:sldLayoutId id="2147483790" r:id="rId10"/>
     <p:sldLayoutId id="2147483791" r:id="rId11"/>
   </p:sldLayoutIdLst>
+  <p:transition spd="med">
+    <p:wedge/>
+  </p:transition>
   <p:txStyles>
     <p:titleStyle>
       <a:lvl1pPr algn="l" defTabSz="914400" rtl="0" eaLnBrk="1" latinLnBrk="0" hangingPunct="1">
@@ -3255,10 +3316,10 @@
           <p:nvPr/>
         </p:nvPicPr>
         <p:blipFill>
-          <a:blip r:embed="rId2">
+          <a:blip r:embed="rId2" cstate="print">
             <a:extLst>
               <a:ext uri="{28A0092B-C50C-407E-A947-70E740481C1C}">
-                <a14:useLocalDpi xmlns:a14="http://schemas.microsoft.com/office/drawing/2010/main" val="0"/>
+                <a14:useLocalDpi xmlns:a14="http://schemas.microsoft.com/office/drawing/2010/main" xmlns="" val="0"/>
               </a:ext>
             </a:extLst>
           </a:blip>
@@ -3285,10 +3346,10 @@
           <p:nvPr/>
         </p:nvPicPr>
         <p:blipFill>
-          <a:blip r:embed="rId3">
+          <a:blip r:embed="rId3" cstate="print">
             <a:extLst>
               <a:ext uri="{28A0092B-C50C-407E-A947-70E740481C1C}">
-                <a14:useLocalDpi xmlns:a14="http://schemas.microsoft.com/office/drawing/2010/main" val="0"/>
+                <a14:useLocalDpi xmlns:a14="http://schemas.microsoft.com/office/drawing/2010/main" xmlns="" val="0"/>
               </a:ext>
             </a:extLst>
           </a:blip>
@@ -3309,13 +3370,16 @@
     </p:spTree>
     <p:extLst>
       <p:ext uri="{BB962C8B-B14F-4D97-AF65-F5344CB8AC3E}">
-        <p14:creationId xmlns:p14="http://schemas.microsoft.com/office/powerpoint/2010/main" val="2440914619"/>
+        <p14:creationId xmlns:p14="http://schemas.microsoft.com/office/powerpoint/2010/main" xmlns="" val="2440914619"/>
       </p:ext>
     </p:extLst>
   </p:cSld>
   <p:clrMapOvr>
     <a:masterClrMapping/>
   </p:clrMapOvr>
+  <p:transition spd="med">
+    <p:wedge/>
+  </p:transition>
   <p:timing>
     <p:tnLst>
       <p:par>
@@ -3589,10 +3653,10 @@
           <p:nvPr/>
         </p:nvPicPr>
         <p:blipFill>
-          <a:blip r:embed="rId2">
+          <a:blip r:embed="rId2" cstate="print">
             <a:extLst>
               <a:ext uri="{28A0092B-C50C-407E-A947-70E740481C1C}">
-                <a14:useLocalDpi xmlns:a14="http://schemas.microsoft.com/office/drawing/2010/main" val="0"/>
+                <a14:useLocalDpi xmlns:a14="http://schemas.microsoft.com/office/drawing/2010/main" xmlns="" val="0"/>
               </a:ext>
             </a:extLst>
           </a:blip>
@@ -3615,14 +3679,14 @@
           </a:ln>
           <a:extLst>
             <a:ext uri="{909E8E84-426E-40DD-AFC4-6F175D3DCCD1}">
-              <a14:hiddenFill xmlns:a14="http://schemas.microsoft.com/office/drawing/2010/main">
+              <a14:hiddenFill xmlns:a14="http://schemas.microsoft.com/office/drawing/2010/main" xmlns="">
                 <a:solidFill>
                   <a:schemeClr val="accent1"/>
                 </a:solidFill>
               </a14:hiddenFill>
             </a:ext>
             <a:ext uri="{91240B29-F687-4F45-9708-019B960494DF}">
-              <a14:hiddenLine xmlns:a14="http://schemas.microsoft.com/office/drawing/2010/main" w="9525">
+              <a14:hiddenLine xmlns:a14="http://schemas.microsoft.com/office/drawing/2010/main" xmlns="" w="9525">
                 <a:solidFill>
                   <a:schemeClr val="tx1"/>
                 </a:solidFill>
@@ -3643,10 +3707,10 @@
           <p:nvPr/>
         </p:nvPicPr>
         <p:blipFill>
-          <a:blip r:embed="rId3">
+          <a:blip r:embed="rId3" cstate="print">
             <a:extLst>
               <a:ext uri="{28A0092B-C50C-407E-A947-70E740481C1C}">
-                <a14:useLocalDpi xmlns:a14="http://schemas.microsoft.com/office/drawing/2010/main" val="0"/>
+                <a14:useLocalDpi xmlns:a14="http://schemas.microsoft.com/office/drawing/2010/main" xmlns="" val="0"/>
               </a:ext>
             </a:extLst>
           </a:blip>
@@ -3667,13 +3731,16 @@
     </p:spTree>
     <p:extLst>
       <p:ext uri="{BB962C8B-B14F-4D97-AF65-F5344CB8AC3E}">
-        <p14:creationId xmlns:p14="http://schemas.microsoft.com/office/powerpoint/2010/main" val="1249637507"/>
+        <p14:creationId xmlns:p14="http://schemas.microsoft.com/office/powerpoint/2010/main" xmlns="" val="1249637507"/>
       </p:ext>
     </p:extLst>
   </p:cSld>
   <p:clrMapOvr>
     <a:masterClrMapping/>
   </p:clrMapOvr>
+  <p:transition spd="med">
+    <p:wedge/>
+  </p:transition>
   <p:timing>
     <p:tnLst>
       <p:par>
@@ -3933,10 +4000,10 @@
           <p:nvPr/>
         </p:nvPicPr>
         <p:blipFill>
-          <a:blip r:embed="rId2">
+          <a:blip r:embed="rId2" cstate="print">
             <a:extLst>
               <a:ext uri="{28A0092B-C50C-407E-A947-70E740481C1C}">
-                <a14:useLocalDpi xmlns:a14="http://schemas.microsoft.com/office/drawing/2010/main" val="0"/>
+                <a14:useLocalDpi xmlns:a14="http://schemas.microsoft.com/office/drawing/2010/main" xmlns="" val="0"/>
               </a:ext>
             </a:extLst>
           </a:blip>
@@ -3959,14 +4026,14 @@
           </a:ln>
           <a:extLst>
             <a:ext uri="{909E8E84-426E-40DD-AFC4-6F175D3DCCD1}">
-              <a14:hiddenFill xmlns:a14="http://schemas.microsoft.com/office/drawing/2010/main">
+              <a14:hiddenFill xmlns:a14="http://schemas.microsoft.com/office/drawing/2010/main" xmlns="">
                 <a:solidFill>
                   <a:schemeClr val="accent1"/>
                 </a:solidFill>
               </a14:hiddenFill>
             </a:ext>
             <a:ext uri="{91240B29-F687-4F45-9708-019B960494DF}">
-              <a14:hiddenLine xmlns:a14="http://schemas.microsoft.com/office/drawing/2010/main" w="9525">
+              <a14:hiddenLine xmlns:a14="http://schemas.microsoft.com/office/drawing/2010/main" xmlns="" w="9525">
                 <a:solidFill>
                   <a:schemeClr val="tx1"/>
                 </a:solidFill>
@@ -3981,13 +4048,16 @@
     </p:spTree>
     <p:extLst>
       <p:ext uri="{BB962C8B-B14F-4D97-AF65-F5344CB8AC3E}">
-        <p14:creationId xmlns:p14="http://schemas.microsoft.com/office/powerpoint/2010/main" val="3665441724"/>
+        <p14:creationId xmlns:p14="http://schemas.microsoft.com/office/powerpoint/2010/main" xmlns="" val="3665441724"/>
       </p:ext>
     </p:extLst>
   </p:cSld>
   <p:clrMapOvr>
     <a:masterClrMapping/>
   </p:clrMapOvr>
+  <p:transition spd="med">
+    <p:wedge/>
+  </p:transition>
   <p:timing>
     <p:tnLst>
       <p:par>
@@ -4295,10 +4365,10 @@
           <p:nvPr/>
         </p:nvPicPr>
         <p:blipFill>
-          <a:blip r:embed="rId2">
+          <a:blip r:embed="rId2" cstate="print">
             <a:extLst>
               <a:ext uri="{28A0092B-C50C-407E-A947-70E740481C1C}">
-                <a14:useLocalDpi xmlns:a14="http://schemas.microsoft.com/office/drawing/2010/main" val="0"/>
+                <a14:useLocalDpi xmlns:a14="http://schemas.microsoft.com/office/drawing/2010/main" xmlns="" val="0"/>
               </a:ext>
             </a:extLst>
           </a:blip>
@@ -4321,14 +4391,14 @@
           </a:ln>
           <a:extLst>
             <a:ext uri="{909E8E84-426E-40DD-AFC4-6F175D3DCCD1}">
-              <a14:hiddenFill xmlns:a14="http://schemas.microsoft.com/office/drawing/2010/main">
+              <a14:hiddenFill xmlns:a14="http://schemas.microsoft.com/office/drawing/2010/main" xmlns="">
                 <a:solidFill>
                   <a:schemeClr val="accent1"/>
                 </a:solidFill>
               </a14:hiddenFill>
             </a:ext>
             <a:ext uri="{91240B29-F687-4F45-9708-019B960494DF}">
-              <a14:hiddenLine xmlns:a14="http://schemas.microsoft.com/office/drawing/2010/main" w="9525">
+              <a14:hiddenLine xmlns:a14="http://schemas.microsoft.com/office/drawing/2010/main" xmlns="" w="9525">
                 <a:solidFill>
                   <a:schemeClr val="tx1"/>
                 </a:solidFill>
@@ -4343,13 +4413,16 @@
     </p:spTree>
     <p:extLst>
       <p:ext uri="{BB962C8B-B14F-4D97-AF65-F5344CB8AC3E}">
-        <p14:creationId xmlns:p14="http://schemas.microsoft.com/office/powerpoint/2010/main" val="1799068956"/>
+        <p14:creationId xmlns:p14="http://schemas.microsoft.com/office/powerpoint/2010/main" xmlns="" val="1799068956"/>
       </p:ext>
     </p:extLst>
   </p:cSld>
   <p:clrMapOvr>
     <a:masterClrMapping/>
   </p:clrMapOvr>
+  <p:transition spd="med">
+    <p:wedge/>
+  </p:transition>
   <p:timing>
     <p:tnLst>
       <p:par>
@@ -4658,10 +4731,10 @@
           <p:nvPr/>
         </p:nvPicPr>
         <p:blipFill>
-          <a:blip r:embed="rId2">
+          <a:blip r:embed="rId2" cstate="print">
             <a:extLst>
               <a:ext uri="{28A0092B-C50C-407E-A947-70E740481C1C}">
-                <a14:useLocalDpi xmlns:a14="http://schemas.microsoft.com/office/drawing/2010/main" val="0"/>
+                <a14:useLocalDpi xmlns:a14="http://schemas.microsoft.com/office/drawing/2010/main" xmlns="" val="0"/>
               </a:ext>
             </a:extLst>
           </a:blip>
@@ -4684,14 +4757,14 @@
           </a:ln>
           <a:extLst>
             <a:ext uri="{909E8E84-426E-40DD-AFC4-6F175D3DCCD1}">
-              <a14:hiddenFill xmlns:a14="http://schemas.microsoft.com/office/drawing/2010/main">
+              <a14:hiddenFill xmlns:a14="http://schemas.microsoft.com/office/drawing/2010/main" xmlns="">
                 <a:solidFill>
                   <a:schemeClr val="accent1"/>
                 </a:solidFill>
               </a14:hiddenFill>
             </a:ext>
             <a:ext uri="{91240B29-F687-4F45-9708-019B960494DF}">
-              <a14:hiddenLine xmlns:a14="http://schemas.microsoft.com/office/drawing/2010/main" w="9525">
+              <a14:hiddenLine xmlns:a14="http://schemas.microsoft.com/office/drawing/2010/main" xmlns="" w="9525">
                 <a:solidFill>
                   <a:schemeClr val="tx1"/>
                 </a:solidFill>
@@ -4712,10 +4785,10 @@
           <p:nvPr/>
         </p:nvPicPr>
         <p:blipFill>
-          <a:blip r:embed="rId3">
+          <a:blip r:embed="rId3" cstate="print">
             <a:extLst>
               <a:ext uri="{28A0092B-C50C-407E-A947-70E740481C1C}">
-                <a14:useLocalDpi xmlns:a14="http://schemas.microsoft.com/office/drawing/2010/main" val="0"/>
+                <a14:useLocalDpi xmlns:a14="http://schemas.microsoft.com/office/drawing/2010/main" xmlns="" val="0"/>
               </a:ext>
             </a:extLst>
           </a:blip>
@@ -4739,14 +4812,14 @@
           <a:effectLst/>
           <a:extLst>
             <a:ext uri="{909E8E84-426E-40DD-AFC4-6F175D3DCCD1}">
-              <a14:hiddenFill xmlns:a14="http://schemas.microsoft.com/office/drawing/2010/main">
+              <a14:hiddenFill xmlns:a14="http://schemas.microsoft.com/office/drawing/2010/main" xmlns="">
                 <a:solidFill>
                   <a:schemeClr val="accent1"/>
                 </a:solidFill>
               </a14:hiddenFill>
             </a:ext>
             <a:ext uri="{91240B29-F687-4F45-9708-019B960494DF}">
-              <a14:hiddenLine xmlns:a14="http://schemas.microsoft.com/office/drawing/2010/main" w="9525">
+              <a14:hiddenLine xmlns:a14="http://schemas.microsoft.com/office/drawing/2010/main" xmlns="" w="9525">
                 <a:solidFill>
                   <a:schemeClr val="tx1"/>
                 </a:solidFill>
@@ -4756,7 +4829,7 @@
               </a14:hiddenLine>
             </a:ext>
             <a:ext uri="{AF507438-7753-43E0-B8FC-AC1667EBCBE1}">
-              <a14:hiddenEffects xmlns:a14="http://schemas.microsoft.com/office/drawing/2010/main">
+              <a14:hiddenEffects xmlns:a14="http://schemas.microsoft.com/office/drawing/2010/main" xmlns="">
                 <a:effectLst>
                   <a:outerShdw dist="35921" dir="2700000" algn="ctr" rotWithShape="0">
                     <a:schemeClr val="bg2"/>
@@ -4770,13 +4843,16 @@
     </p:spTree>
     <p:extLst>
       <p:ext uri="{BB962C8B-B14F-4D97-AF65-F5344CB8AC3E}">
-        <p14:creationId xmlns:p14="http://schemas.microsoft.com/office/powerpoint/2010/main" val="1283455644"/>
+        <p14:creationId xmlns:p14="http://schemas.microsoft.com/office/powerpoint/2010/main" xmlns="" val="1283455644"/>
       </p:ext>
     </p:extLst>
   </p:cSld>
   <p:clrMapOvr>
     <a:masterClrMapping/>
   </p:clrMapOvr>
+  <p:transition spd="med">
+    <p:wedge/>
+  </p:transition>
   <p:timing>
     <p:tnLst>
       <p:par>
@@ -4938,10 +5014,10 @@
           <p:nvPr/>
         </p:nvPicPr>
         <p:blipFill>
-          <a:blip r:embed="rId2">
+          <a:blip r:embed="rId2" cstate="print">
             <a:extLst>
               <a:ext uri="{BEBA8EAE-BF5A-486C-A8C5-ECC9F3942E4B}">
-                <a14:imgProps xmlns:a14="http://schemas.microsoft.com/office/drawing/2010/main">
+                <a14:imgProps xmlns:a14="http://schemas.microsoft.com/office/drawing/2010/main" xmlns="">
                   <a14:imgLayer r:embed="rId3">
                     <a14:imgEffect>
                       <a14:saturation sat="200000"/>
@@ -4950,7 +5026,7 @@
                 </a14:imgProps>
               </a:ext>
               <a:ext uri="{28A0092B-C50C-407E-A947-70E740481C1C}">
-                <a14:useLocalDpi xmlns:a14="http://schemas.microsoft.com/office/drawing/2010/main" val="0"/>
+                <a14:useLocalDpi xmlns:a14="http://schemas.microsoft.com/office/drawing/2010/main" xmlns="" val="0"/>
               </a:ext>
             </a:extLst>
           </a:blip>
@@ -4973,14 +5049,14 @@
           </a:ln>
           <a:extLst>
             <a:ext uri="{909E8E84-426E-40DD-AFC4-6F175D3DCCD1}">
-              <a14:hiddenFill xmlns:a14="http://schemas.microsoft.com/office/drawing/2010/main">
+              <a14:hiddenFill xmlns:a14="http://schemas.microsoft.com/office/drawing/2010/main" xmlns="">
                 <a:solidFill>
                   <a:schemeClr val="accent1"/>
                 </a:solidFill>
               </a14:hiddenFill>
             </a:ext>
             <a:ext uri="{91240B29-F687-4F45-9708-019B960494DF}">
-              <a14:hiddenLine xmlns:a14="http://schemas.microsoft.com/office/drawing/2010/main" w="9525">
+              <a14:hiddenLine xmlns:a14="http://schemas.microsoft.com/office/drawing/2010/main" xmlns="" w="9525">
                 <a:solidFill>
                   <a:schemeClr val="tx1"/>
                 </a:solidFill>
@@ -4995,13 +5071,16 @@
     </p:spTree>
     <p:extLst>
       <p:ext uri="{BB962C8B-B14F-4D97-AF65-F5344CB8AC3E}">
-        <p14:creationId xmlns:p14="http://schemas.microsoft.com/office/powerpoint/2010/main" val="713722113"/>
+        <p14:creationId xmlns:p14="http://schemas.microsoft.com/office/powerpoint/2010/main" xmlns="" val="713722113"/>
       </p:ext>
     </p:extLst>
   </p:cSld>
   <p:clrMapOvr>
     <a:masterClrMapping/>
   </p:clrMapOvr>
+  <p:transition spd="med">
+    <p:wedge/>
+  </p:transition>
   <p:timing>
     <p:tnLst>
       <p:par>
@@ -5106,13 +5185,16 @@
     </p:spTree>
     <p:extLst>
       <p:ext uri="{BB962C8B-B14F-4D97-AF65-F5344CB8AC3E}">
-        <p14:creationId xmlns:p14="http://schemas.microsoft.com/office/powerpoint/2010/main" val="4231514729"/>
+        <p14:creationId xmlns:p14="http://schemas.microsoft.com/office/powerpoint/2010/main" xmlns="" val="4231514729"/>
       </p:ext>
     </p:extLst>
   </p:cSld>
   <p:clrMapOvr>
     <a:masterClrMapping/>
   </p:clrMapOvr>
+  <p:transition spd="med">
+    <p:wedge/>
+  </p:transition>
   <p:timing>
     <p:tnLst>
       <p:par>
@@ -5499,10 +5581,10 @@
           <p:nvPr/>
         </p:nvPicPr>
         <p:blipFill>
-          <a:blip r:embed="rId2">
+          <a:blip r:embed="rId2" cstate="print">
             <a:extLst>
               <a:ext uri="{28A0092B-C50C-407E-A947-70E740481C1C}">
-                <a14:useLocalDpi xmlns:a14="http://schemas.microsoft.com/office/drawing/2010/main" val="0"/>
+                <a14:useLocalDpi xmlns:a14="http://schemas.microsoft.com/office/drawing/2010/main" xmlns="" val="0"/>
               </a:ext>
             </a:extLst>
           </a:blip>
@@ -5525,14 +5607,14 @@
           </a:ln>
           <a:extLst>
             <a:ext uri="{909E8E84-426E-40DD-AFC4-6F175D3DCCD1}">
-              <a14:hiddenFill xmlns:a14="http://schemas.microsoft.com/office/drawing/2010/main">
+              <a14:hiddenFill xmlns:a14="http://schemas.microsoft.com/office/drawing/2010/main" xmlns="">
                 <a:solidFill>
                   <a:schemeClr val="accent1"/>
                 </a:solidFill>
               </a14:hiddenFill>
             </a:ext>
             <a:ext uri="{91240B29-F687-4F45-9708-019B960494DF}">
-              <a14:hiddenLine xmlns:a14="http://schemas.microsoft.com/office/drawing/2010/main" w="9525">
+              <a14:hiddenLine xmlns:a14="http://schemas.microsoft.com/office/drawing/2010/main" xmlns="" w="9525">
                 <a:solidFill>
                   <a:schemeClr val="tx1"/>
                 </a:solidFill>
@@ -5553,10 +5635,10 @@
           <p:nvPr/>
         </p:nvPicPr>
         <p:blipFill>
-          <a:blip r:embed="rId3">
+          <a:blip r:embed="rId3" cstate="print">
             <a:extLst>
               <a:ext uri="{28A0092B-C50C-407E-A947-70E740481C1C}">
-                <a14:useLocalDpi xmlns:a14="http://schemas.microsoft.com/office/drawing/2010/main" val="0"/>
+                <a14:useLocalDpi xmlns:a14="http://schemas.microsoft.com/office/drawing/2010/main" xmlns="" val="0"/>
               </a:ext>
             </a:extLst>
           </a:blip>
@@ -5577,13 +5659,16 @@
     </p:spTree>
     <p:extLst>
       <p:ext uri="{BB962C8B-B14F-4D97-AF65-F5344CB8AC3E}">
-        <p14:creationId xmlns:p14="http://schemas.microsoft.com/office/powerpoint/2010/main" val="3827198138"/>
+        <p14:creationId xmlns:p14="http://schemas.microsoft.com/office/powerpoint/2010/main" xmlns="" val="3827198138"/>
       </p:ext>
     </p:extLst>
   </p:cSld>
   <p:clrMapOvr>
     <a:masterClrMapping/>
   </p:clrMapOvr>
+  <p:transition spd="med">
+    <p:wedge/>
+  </p:transition>
   <p:timing>
     <p:tnLst>
       <p:par>
@@ -5926,10 +6011,10 @@
           <p:nvPr/>
         </p:nvPicPr>
         <p:blipFill>
-          <a:blip r:embed="rId2">
+          <a:blip r:embed="rId2" cstate="print">
             <a:extLst>
               <a:ext uri="{28A0092B-C50C-407E-A947-70E740481C1C}">
-                <a14:useLocalDpi xmlns:a14="http://schemas.microsoft.com/office/drawing/2010/main" val="0"/>
+                <a14:useLocalDpi xmlns:a14="http://schemas.microsoft.com/office/drawing/2010/main" xmlns="" val="0"/>
               </a:ext>
             </a:extLst>
           </a:blip>
@@ -5952,14 +6037,14 @@
           </a:ln>
           <a:extLst>
             <a:ext uri="{909E8E84-426E-40DD-AFC4-6F175D3DCCD1}">
-              <a14:hiddenFill xmlns:a14="http://schemas.microsoft.com/office/drawing/2010/main">
+              <a14:hiddenFill xmlns:a14="http://schemas.microsoft.com/office/drawing/2010/main" xmlns="">
                 <a:solidFill>
                   <a:schemeClr val="accent1"/>
                 </a:solidFill>
               </a14:hiddenFill>
             </a:ext>
             <a:ext uri="{91240B29-F687-4F45-9708-019B960494DF}">
-              <a14:hiddenLine xmlns:a14="http://schemas.microsoft.com/office/drawing/2010/main" w="9525">
+              <a14:hiddenLine xmlns:a14="http://schemas.microsoft.com/office/drawing/2010/main" xmlns="" w="9525">
                 <a:solidFill>
                   <a:schemeClr val="tx1"/>
                 </a:solidFill>
@@ -5974,13 +6059,16 @@
     </p:spTree>
     <p:extLst>
       <p:ext uri="{BB962C8B-B14F-4D97-AF65-F5344CB8AC3E}">
-        <p14:creationId xmlns:p14="http://schemas.microsoft.com/office/powerpoint/2010/main" val="1918197335"/>
+        <p14:creationId xmlns:p14="http://schemas.microsoft.com/office/powerpoint/2010/main" xmlns="" val="1918197335"/>
       </p:ext>
     </p:extLst>
   </p:cSld>
   <p:clrMapOvr>
     <a:masterClrMapping/>
   </p:clrMapOvr>
+  <p:transition spd="med">
+    <p:wedge/>
+  </p:transition>
   <p:timing>
     <p:tnLst>
       <p:par>
@@ -6314,7 +6402,7 @@
           <p:nvPr>
             <p:extLst>
               <p:ext uri="{D42A27DB-BD31-4B8C-83A1-F6EECF244321}">
-                <p14:modId xmlns:p14="http://schemas.microsoft.com/office/powerpoint/2010/main" val="1565089672"/>
+                <p14:modId xmlns:p14="http://schemas.microsoft.com/office/powerpoint/2010/main" xmlns="" val="1565089672"/>
               </p:ext>
             </p:extLst>
           </p:nvPr>
@@ -6325,40 +6413,9 @@
         </p:xfrm>
         <a:graphic>
           <a:graphicData uri="http://schemas.openxmlformats.org/presentationml/2006/ole">
-            <mc:AlternateContent xmlns:mc="http://schemas.openxmlformats.org/markup-compatibility/2006">
-              <mc:Choice xmlns:v="urn:schemas-microsoft-com:vml" Requires="v">
-                <p:oleObj spid="_x0000_s11274" name="Packager Shell Object" showAsIcon="1" r:id="rId3" imgW="1307520" imgH="647640" progId="Package">
-                  <p:embed/>
-                </p:oleObj>
-              </mc:Choice>
-              <mc:Fallback>
-                <p:oleObj name="Packager Shell Object" showAsIcon="1" r:id="rId3" imgW="1307520" imgH="647640" progId="Package">
-                  <p:embed/>
-                  <p:pic>
-                    <p:nvPicPr>
-                      <p:cNvPr id="0" name=""/>
-                      <p:cNvPicPr/>
-                      <p:nvPr/>
-                    </p:nvPicPr>
-                    <p:blipFill>
-                      <a:blip r:embed="rId4"/>
-                      <a:stretch>
-                        <a:fillRect/>
-                      </a:stretch>
-                    </p:blipFill>
-                    <p:spPr>
-                      <a:xfrm>
-                        <a:off x="1403648" y="2965818"/>
-                        <a:ext cx="1080120" cy="534817"/>
-                      </a:xfrm>
-                      <a:prstGeom prst="rect">
-                        <a:avLst/>
-                      </a:prstGeom>
-                    </p:spPr>
-                  </p:pic>
-                </p:oleObj>
-              </mc:Fallback>
-            </mc:AlternateContent>
+            <p:oleObj spid="_x0000_s11274" name="Packager Shell Object" showAsIcon="1" r:id="rId3" imgW="1307520" imgH="647640" progId="Package">
+              <p:embed/>
+            </p:oleObj>
           </a:graphicData>
         </a:graphic>
       </p:graphicFrame>
@@ -6371,10 +6428,10 @@
           <p:nvPr/>
         </p:nvPicPr>
         <p:blipFill>
-          <a:blip r:embed="rId5">
+          <a:blip r:embed="rId4" cstate="print">
             <a:extLst>
               <a:ext uri="{28A0092B-C50C-407E-A947-70E740481C1C}">
-                <a14:useLocalDpi xmlns:a14="http://schemas.microsoft.com/office/drawing/2010/main" val="0"/>
+                <a14:useLocalDpi xmlns:a14="http://schemas.microsoft.com/office/drawing/2010/main" xmlns="" val="0"/>
               </a:ext>
             </a:extLst>
           </a:blip>
@@ -6398,14 +6455,14 @@
           <a:effectLst/>
           <a:extLst>
             <a:ext uri="{909E8E84-426E-40DD-AFC4-6F175D3DCCD1}">
-              <a14:hiddenFill xmlns:a14="http://schemas.microsoft.com/office/drawing/2010/main">
+              <a14:hiddenFill xmlns:a14="http://schemas.microsoft.com/office/drawing/2010/main" xmlns="">
                 <a:solidFill>
                   <a:schemeClr val="accent1"/>
                 </a:solidFill>
               </a14:hiddenFill>
             </a:ext>
             <a:ext uri="{91240B29-F687-4F45-9708-019B960494DF}">
-              <a14:hiddenLine xmlns:a14="http://schemas.microsoft.com/office/drawing/2010/main" w="9525">
+              <a14:hiddenLine xmlns:a14="http://schemas.microsoft.com/office/drawing/2010/main" xmlns="" w="9525">
                 <a:solidFill>
                   <a:schemeClr val="tx1"/>
                 </a:solidFill>
@@ -6415,7 +6472,7 @@
               </a14:hiddenLine>
             </a:ext>
             <a:ext uri="{AF507438-7753-43E0-B8FC-AC1667EBCBE1}">
-              <a14:hiddenEffects xmlns:a14="http://schemas.microsoft.com/office/drawing/2010/main">
+              <a14:hiddenEffects xmlns:a14="http://schemas.microsoft.com/office/drawing/2010/main" xmlns="">
                 <a:effectLst>
                   <a:outerShdw dist="35921" dir="2700000" algn="ctr" rotWithShape="0">
                     <a:schemeClr val="bg2"/>
@@ -6429,13 +6486,16 @@
     </p:spTree>
     <p:extLst>
       <p:ext uri="{BB962C8B-B14F-4D97-AF65-F5344CB8AC3E}">
-        <p14:creationId xmlns:p14="http://schemas.microsoft.com/office/powerpoint/2010/main" val="4273493489"/>
+        <p14:creationId xmlns:p14="http://schemas.microsoft.com/office/powerpoint/2010/main" xmlns="" val="4273493489"/>
       </p:ext>
     </p:extLst>
   </p:cSld>
   <p:clrMapOvr>
     <a:masterClrMapping/>
   </p:clrMapOvr>
+  <p:transition spd="med">
+    <p:wedge/>
+  </p:transition>
   <p:timing>
     <p:tnLst>
       <p:par>
@@ -6787,7 +6847,7 @@
           <p:nvPr>
             <p:extLst>
               <p:ext uri="{D42A27DB-BD31-4B8C-83A1-F6EECF244321}">
-                <p14:modId xmlns:p14="http://schemas.microsoft.com/office/powerpoint/2010/main" val="2178961357"/>
+                <p14:modId xmlns:p14="http://schemas.microsoft.com/office/powerpoint/2010/main" xmlns="" val="2178961357"/>
               </p:ext>
             </p:extLst>
           </p:nvPr>
@@ -6798,53 +6858,25 @@
         </p:xfrm>
         <a:graphic>
           <a:graphicData uri="http://schemas.openxmlformats.org/presentationml/2006/ole">
-            <mc:AlternateContent xmlns:mc="http://schemas.openxmlformats.org/markup-compatibility/2006">
-              <mc:Choice xmlns:v="urn:schemas-microsoft-com:vml" Requires="v">
-                <p:oleObj spid="_x0000_s14343" name="Document" showAsIcon="1" r:id="rId4" imgW="914400" imgH="714240" progId="Word.Document.12">
-                  <p:embed/>
-                </p:oleObj>
-              </mc:Choice>
-              <mc:Fallback>
-                <p:oleObj name="Document" showAsIcon="1" r:id="rId4" imgW="914400" imgH="714240" progId="Word.Document.12">
-                  <p:embed/>
-                  <p:pic>
-                    <p:nvPicPr>
-                      <p:cNvPr id="0" name=""/>
-                      <p:cNvPicPr/>
-                      <p:nvPr/>
-                    </p:nvPicPr>
-                    <p:blipFill>
-                      <a:blip r:embed="rId5"/>
-                      <a:stretch>
-                        <a:fillRect/>
-                      </a:stretch>
-                    </p:blipFill>
-                    <p:spPr>
-                      <a:xfrm>
-                        <a:off x="1475656" y="2636912"/>
-                        <a:ext cx="914400" cy="714375"/>
-                      </a:xfrm>
-                      <a:prstGeom prst="rect">
-                        <a:avLst/>
-                      </a:prstGeom>
-                    </p:spPr>
-                  </p:pic>
-                </p:oleObj>
-              </mc:Fallback>
-            </mc:AlternateContent>
+            <p:oleObj spid="_x0000_s14343" name="Document" showAsIcon="1" r:id="rId3" imgW="914400" imgH="714240" progId="Word.Document.12">
+              <p:embed/>
+            </p:oleObj>
           </a:graphicData>
         </a:graphic>
       </p:graphicFrame>
     </p:spTree>
     <p:extLst>
       <p:ext uri="{BB962C8B-B14F-4D97-AF65-F5344CB8AC3E}">
-        <p14:creationId xmlns:p14="http://schemas.microsoft.com/office/powerpoint/2010/main" val="1898196911"/>
+        <p14:creationId xmlns:p14="http://schemas.microsoft.com/office/powerpoint/2010/main" xmlns="" val="1898196911"/>
       </p:ext>
     </p:extLst>
   </p:cSld>
   <p:clrMapOvr>
     <a:masterClrMapping/>
   </p:clrMapOvr>
+  <p:transition spd="med">
+    <p:wedge/>
+  </p:transition>
   <p:timing>
     <p:tnLst>
       <p:par>
@@ -6992,10 +7024,10 @@
           <p:nvPr/>
         </p:nvPicPr>
         <p:blipFill>
-          <a:blip r:embed="rId2">
+          <a:blip r:embed="rId2" cstate="print">
             <a:extLst>
               <a:ext uri="{28A0092B-C50C-407E-A947-70E740481C1C}">
-                <a14:useLocalDpi xmlns:a14="http://schemas.microsoft.com/office/drawing/2010/main" val="0"/>
+                <a14:useLocalDpi xmlns:a14="http://schemas.microsoft.com/office/drawing/2010/main" xmlns="" val="0"/>
               </a:ext>
             </a:extLst>
           </a:blip>
@@ -7016,13 +7048,16 @@
     </p:spTree>
     <p:extLst>
       <p:ext uri="{BB962C8B-B14F-4D97-AF65-F5344CB8AC3E}">
-        <p14:creationId xmlns:p14="http://schemas.microsoft.com/office/powerpoint/2010/main" val="4044958452"/>
+        <p14:creationId xmlns:p14="http://schemas.microsoft.com/office/powerpoint/2010/main" xmlns="" val="4044958452"/>
       </p:ext>
     </p:extLst>
   </p:cSld>
   <p:clrMapOvr>
     <a:masterClrMapping/>
   </p:clrMapOvr>
+  <p:transition spd="med">
+    <p:wedge/>
+  </p:transition>
   <p:timing>
     <p:tnLst>
       <p:par>
@@ -7377,7 +7412,7 @@
           <p:nvPr>
             <p:extLst>
               <p:ext uri="{D42A27DB-BD31-4B8C-83A1-F6EECF244321}">
-                <p14:modId xmlns:p14="http://schemas.microsoft.com/office/powerpoint/2010/main" val="3298746550"/>
+                <p14:modId xmlns:p14="http://schemas.microsoft.com/office/powerpoint/2010/main" xmlns="" val="3298746550"/>
               </p:ext>
             </p:extLst>
           </p:nvPr>
@@ -7388,53 +7423,25 @@
         </p:xfrm>
         <a:graphic>
           <a:graphicData uri="http://schemas.openxmlformats.org/presentationml/2006/ole">
-            <mc:AlternateContent xmlns:mc="http://schemas.openxmlformats.org/markup-compatibility/2006">
-              <mc:Choice xmlns:v="urn:schemas-microsoft-com:vml" Requires="v">
-                <p:oleObj spid="_x0000_s15365" name="Document" showAsIcon="1" r:id="rId4" imgW="914400" imgH="714240" progId="Word.Document.12">
-                  <p:embed/>
-                </p:oleObj>
-              </mc:Choice>
-              <mc:Fallback>
-                <p:oleObj name="Document" showAsIcon="1" r:id="rId4" imgW="914400" imgH="714240" progId="Word.Document.12">
-                  <p:embed/>
-                  <p:pic>
-                    <p:nvPicPr>
-                      <p:cNvPr id="0" name=""/>
-                      <p:cNvPicPr/>
-                      <p:nvPr/>
-                    </p:nvPicPr>
-                    <p:blipFill>
-                      <a:blip r:embed="rId5"/>
-                      <a:stretch>
-                        <a:fillRect/>
-                      </a:stretch>
-                    </p:blipFill>
-                    <p:spPr>
-                      <a:xfrm>
-                        <a:off x="1331640" y="2564904"/>
-                        <a:ext cx="914400" cy="714375"/>
-                      </a:xfrm>
-                      <a:prstGeom prst="rect">
-                        <a:avLst/>
-                      </a:prstGeom>
-                    </p:spPr>
-                  </p:pic>
-                </p:oleObj>
-              </mc:Fallback>
-            </mc:AlternateContent>
+            <p:oleObj spid="_x0000_s15365" name="Document" showAsIcon="1" r:id="rId3" imgW="914400" imgH="714240" progId="Word.Document.12">
+              <p:embed/>
+            </p:oleObj>
           </a:graphicData>
         </a:graphic>
       </p:graphicFrame>
     </p:spTree>
     <p:extLst>
       <p:ext uri="{BB962C8B-B14F-4D97-AF65-F5344CB8AC3E}">
-        <p14:creationId xmlns:p14="http://schemas.microsoft.com/office/powerpoint/2010/main" val="2876775159"/>
+        <p14:creationId xmlns:p14="http://schemas.microsoft.com/office/powerpoint/2010/main" xmlns="" val="2876775159"/>
       </p:ext>
     </p:extLst>
   </p:cSld>
   <p:clrMapOvr>
     <a:masterClrMapping/>
   </p:clrMapOvr>
+  <p:transition spd="med">
+    <p:wedge/>
+  </p:transition>
   <p:timing>
     <p:tnLst>
       <p:par>
@@ -7783,10 +7790,10 @@
           <p:nvPr/>
         </p:nvPicPr>
         <p:blipFill>
-          <a:blip r:embed="rId2">
+          <a:blip r:embed="rId2" cstate="print">
             <a:extLst>
               <a:ext uri="{28A0092B-C50C-407E-A947-70E740481C1C}">
-                <a14:useLocalDpi xmlns:a14="http://schemas.microsoft.com/office/drawing/2010/main" val="0"/>
+                <a14:useLocalDpi xmlns:a14="http://schemas.microsoft.com/office/drawing/2010/main" xmlns="" val="0"/>
               </a:ext>
             </a:extLst>
           </a:blip>
@@ -7809,14 +7816,14 @@
           </a:ln>
           <a:extLst>
             <a:ext uri="{909E8E84-426E-40DD-AFC4-6F175D3DCCD1}">
-              <a14:hiddenFill xmlns:a14="http://schemas.microsoft.com/office/drawing/2010/main">
+              <a14:hiddenFill xmlns:a14="http://schemas.microsoft.com/office/drawing/2010/main" xmlns="">
                 <a:solidFill>
                   <a:schemeClr val="accent1"/>
                 </a:solidFill>
               </a14:hiddenFill>
             </a:ext>
             <a:ext uri="{91240B29-F687-4F45-9708-019B960494DF}">
-              <a14:hiddenLine xmlns:a14="http://schemas.microsoft.com/office/drawing/2010/main" w="9525">
+              <a14:hiddenLine xmlns:a14="http://schemas.microsoft.com/office/drawing/2010/main" xmlns="" w="9525">
                 <a:solidFill>
                   <a:schemeClr val="tx1"/>
                 </a:solidFill>
@@ -7831,13 +7838,16 @@
     </p:spTree>
     <p:extLst>
       <p:ext uri="{BB962C8B-B14F-4D97-AF65-F5344CB8AC3E}">
-        <p14:creationId xmlns:p14="http://schemas.microsoft.com/office/powerpoint/2010/main" val="2934718447"/>
+        <p14:creationId xmlns:p14="http://schemas.microsoft.com/office/powerpoint/2010/main" xmlns="" val="2934718447"/>
       </p:ext>
     </p:extLst>
   </p:cSld>
   <p:clrMapOvr>
     <a:masterClrMapping/>
   </p:clrMapOvr>
+  <p:transition spd="med">
+    <p:wedge/>
+  </p:transition>
   <p:timing>
     <p:tnLst>
       <p:par>
@@ -7897,10 +7907,10 @@
           <p:nvPr/>
         </p:nvPicPr>
         <p:blipFill>
-          <a:blip r:embed="rId2">
+          <a:blip r:embed="rId2" cstate="print">
             <a:extLst>
               <a:ext uri="{28A0092B-C50C-407E-A947-70E740481C1C}">
-                <a14:useLocalDpi xmlns:a14="http://schemas.microsoft.com/office/drawing/2010/main" val="0"/>
+                <a14:useLocalDpi xmlns:a14="http://schemas.microsoft.com/office/drawing/2010/main" xmlns="" val="0"/>
               </a:ext>
             </a:extLst>
           </a:blip>
@@ -7923,14 +7933,14 @@
           </a:ln>
           <a:extLst>
             <a:ext uri="{909E8E84-426E-40DD-AFC4-6F175D3DCCD1}">
-              <a14:hiddenFill xmlns:a14="http://schemas.microsoft.com/office/drawing/2010/main">
+              <a14:hiddenFill xmlns:a14="http://schemas.microsoft.com/office/drawing/2010/main" xmlns="">
                 <a:solidFill>
                   <a:schemeClr val="accent1"/>
                 </a:solidFill>
               </a14:hiddenFill>
             </a:ext>
             <a:ext uri="{91240B29-F687-4F45-9708-019B960494DF}">
-              <a14:hiddenLine xmlns:a14="http://schemas.microsoft.com/office/drawing/2010/main" w="9525">
+              <a14:hiddenLine xmlns:a14="http://schemas.microsoft.com/office/drawing/2010/main" xmlns="" w="9525">
                 <a:solidFill>
                   <a:schemeClr val="tx1"/>
                 </a:solidFill>
@@ -7945,17 +7955,163 @@
     </p:spTree>
     <p:extLst>
       <p:ext uri="{BB962C8B-B14F-4D97-AF65-F5344CB8AC3E}">
-        <p14:creationId xmlns:p14="http://schemas.microsoft.com/office/powerpoint/2010/main" val="2851777815"/>
+        <p14:creationId xmlns:p14="http://schemas.microsoft.com/office/powerpoint/2010/main" xmlns="" val="2851777815"/>
       </p:ext>
     </p:extLst>
   </p:cSld>
   <p:clrMapOvr>
     <a:masterClrMapping/>
   </p:clrMapOvr>
+  <p:transition spd="med">
+    <p:wedge/>
+  </p:transition>
+  <p:timing>
+    <p:tnLst>
+      <p:par>
+        <p:cTn id="1" dur="indefinite" restart="never" nodeType="tmRoot"/>
+      </p:par>
+    </p:tnLst>
+  </p:timing>
 </p:sld>
 </file>
 
 <file path=ppt/slides/slide23.xml><?xml version="1.0" encoding="utf-8"?>
+<p:sld xmlns:a="http://schemas.openxmlformats.org/drawingml/2006/main" xmlns:r="http://schemas.openxmlformats.org/officeDocument/2006/relationships" xmlns:p="http://schemas.openxmlformats.org/presentationml/2006/main">
+  <p:cSld>
+    <p:spTree>
+      <p:nvGrpSpPr>
+        <p:cNvPr id="1" name=""/>
+        <p:cNvGrpSpPr/>
+        <p:nvPr/>
+      </p:nvGrpSpPr>
+      <p:grpSpPr>
+        <a:xfrm>
+          <a:off x="0" y="0"/>
+          <a:ext cx="0" cy="0"/>
+          <a:chOff x="0" y="0"/>
+          <a:chExt cx="0" cy="0"/>
+        </a:xfrm>
+      </p:grpSpPr>
+      <p:sp>
+        <p:nvSpPr>
+          <p:cNvPr id="2" name="Title 1"/>
+          <p:cNvSpPr>
+            <a:spLocks noGrp="1"/>
+          </p:cNvSpPr>
+          <p:nvPr>
+            <p:ph type="title"/>
+          </p:nvPr>
+        </p:nvSpPr>
+        <p:spPr/>
+        <p:txBody>
+          <a:bodyPr/>
+          <a:lstStyle/>
+          <a:p>
+            <a:r>
+              <a:rPr lang="en-US" dirty="0" smtClean="0"/>
+              <a:t>Continued…</a:t>
+            </a:r>
+            <a:endParaRPr lang="en-IN" dirty="0"/>
+          </a:p>
+        </p:txBody>
+      </p:sp>
+      <p:sp>
+        <p:nvSpPr>
+          <p:cNvPr id="3" name="Content Placeholder 2"/>
+          <p:cNvSpPr>
+            <a:spLocks noGrp="1"/>
+          </p:cNvSpPr>
+          <p:nvPr>
+            <p:ph idx="1"/>
+          </p:nvPr>
+        </p:nvSpPr>
+        <p:spPr/>
+        <p:txBody>
+          <a:bodyPr/>
+          <a:lstStyle/>
+          <a:p>
+            <a:r>
+              <a:rPr lang="en-IN" dirty="0" smtClean="0"/>
+              <a:t>Code:</a:t>
+            </a:r>
+          </a:p>
+          <a:p>
+            <a:pPr>
+              <a:buNone/>
+            </a:pPr>
+            <a:r>
+              <a:rPr lang="en-IN" sz="1200" dirty="0" smtClean="0">
+                <a:hlinkClick r:id="rId2"/>
+              </a:rPr>
+              <a:t>https://nbviewer.jupyter.org/github/brad678/Automobile_EDA-project/blob/master/auto.ipynb</a:t>
+            </a:r>
+            <a:endParaRPr lang="en-IN" sz="1200" dirty="0" smtClean="0"/>
+          </a:p>
+          <a:p>
+            <a:pPr>
+              <a:buNone/>
+            </a:pPr>
+            <a:endParaRPr lang="en-IN" sz="1200" dirty="0" smtClean="0"/>
+          </a:p>
+          <a:p>
+            <a:endParaRPr lang="en-IN" dirty="0" smtClean="0"/>
+          </a:p>
+          <a:p>
+            <a:endParaRPr lang="en-IN" dirty="0" smtClean="0"/>
+          </a:p>
+          <a:p>
+            <a:r>
+              <a:rPr lang="en-IN" dirty="0" smtClean="0"/>
+              <a:t>Video:</a:t>
+            </a:r>
+          </a:p>
+          <a:p>
+            <a:pPr>
+              <a:buNone/>
+            </a:pPr>
+            <a:r>
+              <a:rPr lang="en-IN" sz="1200" dirty="0" smtClean="0">
+                <a:hlinkClick r:id="rId2"/>
+              </a:rPr>
+              <a:t>https://app.hyfy.io/v/ab2w9GAIJu/?p=1</a:t>
+            </a:r>
+          </a:p>
+          <a:p>
+            <a:pPr>
+              <a:buNone/>
+            </a:pPr>
+            <a:r>
+              <a:rPr lang="en-IN" sz="1200" dirty="0" smtClean="0"/>
+              <a:t> </a:t>
+            </a:r>
+          </a:p>
+          <a:p>
+            <a:pPr>
+              <a:buNone/>
+            </a:pPr>
+            <a:endParaRPr lang="en-IN" sz="1200" dirty="0"/>
+          </a:p>
+        </p:txBody>
+      </p:sp>
+    </p:spTree>
+  </p:cSld>
+  <p:clrMapOvr>
+    <a:masterClrMapping/>
+  </p:clrMapOvr>
+  <p:transition spd="med">
+    <p:wedge/>
+  </p:transition>
+  <p:timing>
+    <p:tnLst>
+      <p:par>
+        <p:cTn id="1" dur="indefinite" restart="never" nodeType="tmRoot"/>
+      </p:par>
+    </p:tnLst>
+  </p:timing>
+</p:sld>
+</file>
+
+<file path=ppt/slides/slide24.xml><?xml version="1.0" encoding="utf-8"?>
 <p:sld xmlns:a="http://schemas.openxmlformats.org/drawingml/2006/main" xmlns:r="http://schemas.openxmlformats.org/officeDocument/2006/relationships" xmlns:p="http://schemas.openxmlformats.org/presentationml/2006/main">
   <p:cSld>
     <p:spTree>
@@ -7998,13 +8154,16 @@
     </p:spTree>
     <p:extLst>
       <p:ext uri="{BB962C8B-B14F-4D97-AF65-F5344CB8AC3E}">
-        <p14:creationId xmlns:p14="http://schemas.microsoft.com/office/powerpoint/2010/main" val="906720422"/>
+        <p14:creationId xmlns:p14="http://schemas.microsoft.com/office/powerpoint/2010/main" xmlns="" val="906720422"/>
       </p:ext>
     </p:extLst>
   </p:cSld>
   <p:clrMapOvr>
     <a:masterClrMapping/>
   </p:clrMapOvr>
+  <p:transition spd="med">
+    <p:wedge/>
+  </p:transition>
   <p:timing>
     <p:tnLst>
       <p:par>
@@ -8144,10 +8303,10 @@
           <p:nvPr/>
         </p:nvPicPr>
         <p:blipFill>
-          <a:blip r:embed="rId2">
+          <a:blip r:embed="rId2" cstate="print">
             <a:extLst>
               <a:ext uri="{28A0092B-C50C-407E-A947-70E740481C1C}">
-                <a14:useLocalDpi xmlns:a14="http://schemas.microsoft.com/office/drawing/2010/main" val="0"/>
+                <a14:useLocalDpi xmlns:a14="http://schemas.microsoft.com/office/drawing/2010/main" xmlns="" val="0"/>
               </a:ext>
             </a:extLst>
           </a:blip>
@@ -8168,13 +8327,16 @@
     </p:spTree>
     <p:extLst>
       <p:ext uri="{BB962C8B-B14F-4D97-AF65-F5344CB8AC3E}">
-        <p14:creationId xmlns:p14="http://schemas.microsoft.com/office/powerpoint/2010/main" val="1682145601"/>
+        <p14:creationId xmlns:p14="http://schemas.microsoft.com/office/powerpoint/2010/main" xmlns="" val="1682145601"/>
       </p:ext>
     </p:extLst>
   </p:cSld>
   <p:clrMapOvr>
     <a:masterClrMapping/>
   </p:clrMapOvr>
+  <p:transition spd="med">
+    <p:wedge/>
+  </p:transition>
   <p:timing>
     <p:tnLst>
       <p:par>
@@ -8290,7 +8452,7 @@
           <p:nvPr>
             <p:extLst>
               <p:ext uri="{D42A27DB-BD31-4B8C-83A1-F6EECF244321}">
-                <p14:modId xmlns:p14="http://schemas.microsoft.com/office/powerpoint/2010/main" val="1465899110"/>
+                <p14:modId xmlns:p14="http://schemas.microsoft.com/office/powerpoint/2010/main" xmlns="" val="1465899110"/>
               </p:ext>
             </p:extLst>
           </p:nvPr>
@@ -9126,10 +9288,10 @@
           <p:nvPr/>
         </p:nvPicPr>
         <p:blipFill>
-          <a:blip r:embed="rId2">
+          <a:blip r:embed="rId2" cstate="print">
             <a:extLst>
               <a:ext uri="{28A0092B-C50C-407E-A947-70E740481C1C}">
-                <a14:useLocalDpi xmlns:a14="http://schemas.microsoft.com/office/drawing/2010/main" val="0"/>
+                <a14:useLocalDpi xmlns:a14="http://schemas.microsoft.com/office/drawing/2010/main" xmlns="" val="0"/>
               </a:ext>
             </a:extLst>
           </a:blip>
@@ -9150,13 +9312,16 @@
     </p:spTree>
     <p:extLst>
       <p:ext uri="{BB962C8B-B14F-4D97-AF65-F5344CB8AC3E}">
-        <p14:creationId xmlns:p14="http://schemas.microsoft.com/office/powerpoint/2010/main" val="1325711227"/>
+        <p14:creationId xmlns:p14="http://schemas.microsoft.com/office/powerpoint/2010/main" xmlns="" val="1325711227"/>
       </p:ext>
     </p:extLst>
   </p:cSld>
   <p:clrMapOvr>
     <a:masterClrMapping/>
   </p:clrMapOvr>
+  <p:transition spd="med">
+    <p:wedge/>
+  </p:transition>
   <p:timing>
     <p:tnLst>
       <p:par>
@@ -9651,13 +9816,16 @@
     </p:spTree>
     <p:extLst>
       <p:ext uri="{BB962C8B-B14F-4D97-AF65-F5344CB8AC3E}">
-        <p14:creationId xmlns:p14="http://schemas.microsoft.com/office/powerpoint/2010/main" val="4107631383"/>
+        <p14:creationId xmlns:p14="http://schemas.microsoft.com/office/powerpoint/2010/main" xmlns="" val="4107631383"/>
       </p:ext>
     </p:extLst>
   </p:cSld>
   <p:clrMapOvr>
     <a:masterClrMapping/>
   </p:clrMapOvr>
+  <p:transition spd="med">
+    <p:wedge/>
+  </p:transition>
   <p:timing>
     <p:tnLst>
       <p:par>
@@ -9895,10 +10063,10 @@
           <p:nvPr/>
         </p:nvPicPr>
         <p:blipFill>
-          <a:blip r:embed="rId2">
+          <a:blip r:embed="rId2" cstate="print">
             <a:extLst>
               <a:ext uri="{28A0092B-C50C-407E-A947-70E740481C1C}">
-                <a14:useLocalDpi xmlns:a14="http://schemas.microsoft.com/office/drawing/2010/main" val="0"/>
+                <a14:useLocalDpi xmlns:a14="http://schemas.microsoft.com/office/drawing/2010/main" xmlns="" val="0"/>
               </a:ext>
             </a:extLst>
           </a:blip>
@@ -9919,13 +10087,16 @@
     </p:spTree>
     <p:extLst>
       <p:ext uri="{BB962C8B-B14F-4D97-AF65-F5344CB8AC3E}">
-        <p14:creationId xmlns:p14="http://schemas.microsoft.com/office/powerpoint/2010/main" val="3651734606"/>
+        <p14:creationId xmlns:p14="http://schemas.microsoft.com/office/powerpoint/2010/main" xmlns="" val="3651734606"/>
       </p:ext>
     </p:extLst>
   </p:cSld>
   <p:clrMapOvr>
     <a:masterClrMapping/>
   </p:clrMapOvr>
+  <p:transition spd="med">
+    <p:wedge/>
+  </p:transition>
   <p:timing>
     <p:tnLst>
       <p:par>
@@ -10129,10 +10300,10 @@
           <p:nvPr/>
         </p:nvPicPr>
         <p:blipFill>
-          <a:blip r:embed="rId2">
+          <a:blip r:embed="rId2" cstate="print">
             <a:extLst>
               <a:ext uri="{28A0092B-C50C-407E-A947-70E740481C1C}">
-                <a14:useLocalDpi xmlns:a14="http://schemas.microsoft.com/office/drawing/2010/main" val="0"/>
+                <a14:useLocalDpi xmlns:a14="http://schemas.microsoft.com/office/drawing/2010/main" xmlns="" val="0"/>
               </a:ext>
             </a:extLst>
           </a:blip>
@@ -10170,10 +10341,10 @@
           <p:nvPr/>
         </p:nvPicPr>
         <p:blipFill>
-          <a:blip r:embed="rId3">
+          <a:blip r:embed="rId3" cstate="print">
             <a:extLst>
               <a:ext uri="{28A0092B-C50C-407E-A947-70E740481C1C}">
-                <a14:useLocalDpi xmlns:a14="http://schemas.microsoft.com/office/drawing/2010/main" val="0"/>
+                <a14:useLocalDpi xmlns:a14="http://schemas.microsoft.com/office/drawing/2010/main" xmlns="" val="0"/>
               </a:ext>
             </a:extLst>
           </a:blip>
@@ -10194,13 +10365,16 @@
     </p:spTree>
     <p:extLst>
       <p:ext uri="{BB962C8B-B14F-4D97-AF65-F5344CB8AC3E}">
-        <p14:creationId xmlns:p14="http://schemas.microsoft.com/office/powerpoint/2010/main" val="158318378"/>
+        <p14:creationId xmlns:p14="http://schemas.microsoft.com/office/powerpoint/2010/main" xmlns="" val="158318378"/>
       </p:ext>
     </p:extLst>
   </p:cSld>
   <p:clrMapOvr>
     <a:masterClrMapping/>
   </p:clrMapOvr>
+  <p:transition spd="med">
+    <p:wedge/>
+  </p:transition>
   <p:timing>
     <p:tnLst>
       <p:par>
@@ -10371,10 +10545,10 @@
           <p:nvPr/>
         </p:nvPicPr>
         <p:blipFill>
-          <a:blip r:embed="rId2">
+          <a:blip r:embed="rId2" cstate="print">
             <a:extLst>
               <a:ext uri="{28A0092B-C50C-407E-A947-70E740481C1C}">
-                <a14:useLocalDpi xmlns:a14="http://schemas.microsoft.com/office/drawing/2010/main" val="0"/>
+                <a14:useLocalDpi xmlns:a14="http://schemas.microsoft.com/office/drawing/2010/main" xmlns="" val="0"/>
               </a:ext>
             </a:extLst>
           </a:blip>
@@ -10410,10 +10584,10 @@
           <p:nvPr/>
         </p:nvPicPr>
         <p:blipFill>
-          <a:blip r:embed="rId3">
+          <a:blip r:embed="rId3" cstate="print">
             <a:extLst>
               <a:ext uri="{28A0092B-C50C-407E-A947-70E740481C1C}">
-                <a14:useLocalDpi xmlns:a14="http://schemas.microsoft.com/office/drawing/2010/main" val="0"/>
+                <a14:useLocalDpi xmlns:a14="http://schemas.microsoft.com/office/drawing/2010/main" xmlns="" val="0"/>
               </a:ext>
             </a:extLst>
           </a:blip>
@@ -10464,13 +10638,16 @@
     </p:spTree>
     <p:extLst>
       <p:ext uri="{BB962C8B-B14F-4D97-AF65-F5344CB8AC3E}">
-        <p14:creationId xmlns:p14="http://schemas.microsoft.com/office/powerpoint/2010/main" val="1715740660"/>
+        <p14:creationId xmlns:p14="http://schemas.microsoft.com/office/powerpoint/2010/main" xmlns="" val="1715740660"/>
       </p:ext>
     </p:extLst>
   </p:cSld>
   <p:clrMapOvr>
     <a:masterClrMapping/>
   </p:clrMapOvr>
+  <p:transition spd="med">
+    <p:wedge/>
+  </p:transition>
   <p:timing>
     <p:tnLst>
       <p:par>
@@ -10735,10 +10912,10 @@
           <p:nvPr/>
         </p:nvPicPr>
         <p:blipFill>
-          <a:blip r:embed="rId2">
+          <a:blip r:embed="rId2" cstate="print">
             <a:extLst>
               <a:ext uri="{28A0092B-C50C-407E-A947-70E740481C1C}">
-                <a14:useLocalDpi xmlns:a14="http://schemas.microsoft.com/office/drawing/2010/main" val="0"/>
+                <a14:useLocalDpi xmlns:a14="http://schemas.microsoft.com/office/drawing/2010/main" xmlns="" val="0"/>
               </a:ext>
             </a:extLst>
           </a:blip>
@@ -10764,7 +10941,7 @@
           </a:ln>
           <a:extLst>
             <a:ext uri="{909E8E84-426E-40DD-AFC4-6F175D3DCCD1}">
-              <a14:hiddenFill xmlns:a14="http://schemas.microsoft.com/office/drawing/2010/main">
+              <a14:hiddenFill xmlns:a14="http://schemas.microsoft.com/office/drawing/2010/main" xmlns="">
                 <a:solidFill>
                   <a:schemeClr val="accent1"/>
                 </a:solidFill>
@@ -10782,10 +10959,10 @@
           <p:nvPr/>
         </p:nvPicPr>
         <p:blipFill>
-          <a:blip r:embed="rId3">
+          <a:blip r:embed="rId3" cstate="print">
             <a:extLst>
               <a:ext uri="{28A0092B-C50C-407E-A947-70E740481C1C}">
-                <a14:useLocalDpi xmlns:a14="http://schemas.microsoft.com/office/drawing/2010/main" val="0"/>
+                <a14:useLocalDpi xmlns:a14="http://schemas.microsoft.com/office/drawing/2010/main" xmlns="" val="0"/>
               </a:ext>
             </a:extLst>
           </a:blip>
@@ -10806,13 +10983,16 @@
     </p:spTree>
     <p:extLst>
       <p:ext uri="{BB962C8B-B14F-4D97-AF65-F5344CB8AC3E}">
-        <p14:creationId xmlns:p14="http://schemas.microsoft.com/office/powerpoint/2010/main" val="3032825664"/>
+        <p14:creationId xmlns:p14="http://schemas.microsoft.com/office/powerpoint/2010/main" xmlns="" val="3032825664"/>
       </p:ext>
     </p:extLst>
   </p:cSld>
   <p:clrMapOvr>
     <a:masterClrMapping/>
   </p:clrMapOvr>
+  <p:transition spd="med">
+    <p:wedge/>
+  </p:transition>
   <p:timing>
     <p:tnLst>
       <p:par>

--- a/auto_EDA.pptx
+++ b/auto_EDA.pptx
@@ -6,29 +6,28 @@
   </p:sldMasterIdLst>
   <p:sldIdLst>
     <p:sldId id="256" r:id="rId2"/>
-    <p:sldId id="257" r:id="rId3"/>
-    <p:sldId id="258" r:id="rId4"/>
-    <p:sldId id="259" r:id="rId5"/>
-    <p:sldId id="260" r:id="rId6"/>
-    <p:sldId id="261" r:id="rId7"/>
-    <p:sldId id="262" r:id="rId8"/>
-    <p:sldId id="263" r:id="rId9"/>
-    <p:sldId id="265" r:id="rId10"/>
-    <p:sldId id="266" r:id="rId11"/>
-    <p:sldId id="267" r:id="rId12"/>
-    <p:sldId id="269" r:id="rId13"/>
-    <p:sldId id="270" r:id="rId14"/>
-    <p:sldId id="271" r:id="rId15"/>
-    <p:sldId id="272" r:id="rId16"/>
-    <p:sldId id="273" r:id="rId17"/>
-    <p:sldId id="274" r:id="rId18"/>
-    <p:sldId id="275" r:id="rId19"/>
-    <p:sldId id="276" r:id="rId20"/>
-    <p:sldId id="277" r:id="rId21"/>
-    <p:sldId id="278" r:id="rId22"/>
-    <p:sldId id="281" r:id="rId23"/>
-    <p:sldId id="283" r:id="rId24"/>
-    <p:sldId id="282" r:id="rId25"/>
+    <p:sldId id="258" r:id="rId3"/>
+    <p:sldId id="259" r:id="rId4"/>
+    <p:sldId id="260" r:id="rId5"/>
+    <p:sldId id="261" r:id="rId6"/>
+    <p:sldId id="262" r:id="rId7"/>
+    <p:sldId id="263" r:id="rId8"/>
+    <p:sldId id="265" r:id="rId9"/>
+    <p:sldId id="266" r:id="rId10"/>
+    <p:sldId id="267" r:id="rId11"/>
+    <p:sldId id="269" r:id="rId12"/>
+    <p:sldId id="270" r:id="rId13"/>
+    <p:sldId id="271" r:id="rId14"/>
+    <p:sldId id="272" r:id="rId15"/>
+    <p:sldId id="273" r:id="rId16"/>
+    <p:sldId id="274" r:id="rId17"/>
+    <p:sldId id="275" r:id="rId18"/>
+    <p:sldId id="276" r:id="rId19"/>
+    <p:sldId id="277" r:id="rId20"/>
+    <p:sldId id="278" r:id="rId21"/>
+    <p:sldId id="281" r:id="rId22"/>
+    <p:sldId id="283" r:id="rId23"/>
+    <p:sldId id="282" r:id="rId24"/>
   </p:sldIdLst>
   <p:sldSz cx="9144000" cy="6858000" type="screen4x3"/>
   <p:notesSz cx="6858000" cy="9144000"/>
@@ -325,7 +324,7 @@
             <a:fld id="{9FA14602-5D20-4F66-8298-0575473F1469}" type="datetimeFigureOut">
               <a:rPr lang="en-SG" smtClean="0"/>
               <a:pPr/>
-              <a:t>27/2/2017</a:t>
+              <a:t>22/4/2017</a:t>
             </a:fld>
             <a:endParaRPr lang="en-SG"/>
           </a:p>
@@ -495,7 +494,7 @@
             <a:fld id="{9FA14602-5D20-4F66-8298-0575473F1469}" type="datetimeFigureOut">
               <a:rPr lang="en-SG" smtClean="0"/>
               <a:pPr/>
-              <a:t>27/2/2017</a:t>
+              <a:t>22/4/2017</a:t>
             </a:fld>
             <a:endParaRPr lang="en-SG"/>
           </a:p>
@@ -675,7 +674,7 @@
             <a:fld id="{9FA14602-5D20-4F66-8298-0575473F1469}" type="datetimeFigureOut">
               <a:rPr lang="en-SG" smtClean="0"/>
               <a:pPr/>
-              <a:t>27/2/2017</a:t>
+              <a:t>22/4/2017</a:t>
             </a:fld>
             <a:endParaRPr lang="en-SG"/>
           </a:p>
@@ -845,7 +844,7 @@
             <a:fld id="{9FA14602-5D20-4F66-8298-0575473F1469}" type="datetimeFigureOut">
               <a:rPr lang="en-SG" smtClean="0"/>
               <a:pPr/>
-              <a:t>27/2/2017</a:t>
+              <a:t>22/4/2017</a:t>
             </a:fld>
             <a:endParaRPr lang="en-SG"/>
           </a:p>
@@ -1091,7 +1090,7 @@
             <a:fld id="{9FA14602-5D20-4F66-8298-0575473F1469}" type="datetimeFigureOut">
               <a:rPr lang="en-SG" smtClean="0"/>
               <a:pPr/>
-              <a:t>27/2/2017</a:t>
+              <a:t>22/4/2017</a:t>
             </a:fld>
             <a:endParaRPr lang="en-SG"/>
           </a:p>
@@ -1379,7 +1378,7 @@
             <a:fld id="{9FA14602-5D20-4F66-8298-0575473F1469}" type="datetimeFigureOut">
               <a:rPr lang="en-SG" smtClean="0"/>
               <a:pPr/>
-              <a:t>27/2/2017</a:t>
+              <a:t>22/4/2017</a:t>
             </a:fld>
             <a:endParaRPr lang="en-SG"/>
           </a:p>
@@ -1813,7 +1812,7 @@
             <a:fld id="{9FA14602-5D20-4F66-8298-0575473F1469}" type="datetimeFigureOut">
               <a:rPr lang="en-SG" smtClean="0"/>
               <a:pPr/>
-              <a:t>27/2/2017</a:t>
+              <a:t>22/4/2017</a:t>
             </a:fld>
             <a:endParaRPr lang="en-SG"/>
           </a:p>
@@ -1931,7 +1930,7 @@
             <a:fld id="{9FA14602-5D20-4F66-8298-0575473F1469}" type="datetimeFigureOut">
               <a:rPr lang="en-SG" smtClean="0"/>
               <a:pPr/>
-              <a:t>27/2/2017</a:t>
+              <a:t>22/4/2017</a:t>
             </a:fld>
             <a:endParaRPr lang="en-SG"/>
           </a:p>
@@ -2026,7 +2025,7 @@
             <a:fld id="{9FA14602-5D20-4F66-8298-0575473F1469}" type="datetimeFigureOut">
               <a:rPr lang="en-SG" smtClean="0"/>
               <a:pPr/>
-              <a:t>27/2/2017</a:t>
+              <a:t>22/4/2017</a:t>
             </a:fld>
             <a:endParaRPr lang="en-SG"/>
           </a:p>
@@ -2220,7 +2219,7 @@
             <a:fld id="{9FA14602-5D20-4F66-8298-0575473F1469}" type="datetimeFigureOut">
               <a:rPr lang="en-SG" smtClean="0"/>
               <a:pPr/>
-              <a:t>27/2/2017</a:t>
+              <a:t>22/4/2017</a:t>
             </a:fld>
             <a:endParaRPr lang="en-SG"/>
           </a:p>
@@ -2543,7 +2542,7 @@
             <a:fld id="{9FA14602-5D20-4F66-8298-0575473F1469}" type="datetimeFigureOut">
               <a:rPr lang="en-SG" smtClean="0"/>
               <a:pPr/>
-              <a:t>27/2/2017</a:t>
+              <a:t>22/4/2017</a:t>
             </a:fld>
             <a:endParaRPr lang="en-SG"/>
           </a:p>
@@ -2928,7 +2927,7 @@
             <a:fld id="{9FA14602-5D20-4F66-8298-0575473F1469}" type="datetimeFigureOut">
               <a:rPr lang="en-SG" smtClean="0"/>
               <a:pPr/>
-              <a:t>27/2/2017</a:t>
+              <a:t>22/4/2017</a:t>
             </a:fld>
             <a:endParaRPr lang="en-SG"/>
           </a:p>
@@ -3301,7 +3300,7 @@
           <a:p>
             <a:r>
               <a:rPr lang="en-US" dirty="0" smtClean="0"/>
-              <a:t>Jan’17 Batch – Group 7</a:t>
+              <a:t> </a:t>
             </a:r>
             <a:endParaRPr lang="en-SG" dirty="0"/>
           </a:p>
@@ -3319,7 +3318,7 @@
           <a:blip r:embed="rId2" cstate="print">
             <a:extLst>
               <a:ext uri="{28A0092B-C50C-407E-A947-70E740481C1C}">
-                <a14:useLocalDpi xmlns:a14="http://schemas.microsoft.com/office/drawing/2010/main" xmlns="" val="0"/>
+                <a14:useLocalDpi xmlns="" xmlns:a14="http://schemas.microsoft.com/office/drawing/2010/main" val="0"/>
               </a:ext>
             </a:extLst>
           </a:blip>
@@ -3349,7 +3348,7 @@
           <a:blip r:embed="rId3" cstate="print">
             <a:extLst>
               <a:ext uri="{28A0092B-C50C-407E-A947-70E740481C1C}">
-                <a14:useLocalDpi xmlns:a14="http://schemas.microsoft.com/office/drawing/2010/main" xmlns="" val="0"/>
+                <a14:useLocalDpi xmlns="" xmlns:a14="http://schemas.microsoft.com/office/drawing/2010/main" val="0"/>
               </a:ext>
             </a:extLst>
           </a:blip>
@@ -3370,7 +3369,7 @@
     </p:spTree>
     <p:extLst>
       <p:ext uri="{BB962C8B-B14F-4D97-AF65-F5344CB8AC3E}">
-        <p14:creationId xmlns:p14="http://schemas.microsoft.com/office/powerpoint/2010/main" xmlns="" val="2440914619"/>
+        <p14:creationId xmlns="" xmlns:p14="http://schemas.microsoft.com/office/powerpoint/2010/main" val="2440914619"/>
       </p:ext>
     </p:extLst>
   </p:cSld>
@@ -3438,14 +3437,18 @@
             </a:br>
             <a:r>
               <a:rPr lang="en-SG" sz="3200" dirty="0" smtClean="0"/>
-              <a:t>Q2: Is </a:t>
-            </a:r>
-            <a:r>
-              <a:rPr lang="en-SG" sz="3200" dirty="0"/>
-              <a:t>risk rating impacting the buying ?</a:t>
+              <a:t>Q3: does</a:t>
+            </a:r>
+            <a:r>
+              <a:rPr lang="en-US" sz="3200" dirty="0" smtClean="0"/>
+              <a:t> </a:t>
+            </a:r>
+            <a:r>
+              <a:rPr lang="en-US" sz="3200" dirty="0"/>
+              <a:t>fuel type play a role in car purchase?</a:t>
             </a:r>
             <a:br>
-              <a:rPr lang="en-SG" sz="3200" dirty="0"/>
+              <a:rPr lang="en-US" sz="3200" dirty="0"/>
             </a:br>
             <a:r>
               <a:rPr lang="en-SG" sz="3200" dirty="0"/>
@@ -3495,19 +3498,11 @@
             </a:r>
             <a:r>
               <a:rPr lang="en-US" sz="1200" b="1" i="1" dirty="0" smtClean="0"/>
-              <a:t>histogram</a:t>
+              <a:t>pie chart</a:t>
             </a:r>
             <a:r>
               <a:rPr lang="en-US" sz="1200" dirty="0" smtClean="0"/>
-              <a:t> that gives the </a:t>
-            </a:r>
-            <a:r>
-              <a:rPr lang="en-US" sz="1200" b="1" i="1" dirty="0" smtClean="0"/>
-              <a:t>“cumulative”</a:t>
-            </a:r>
-            <a:r>
-              <a:rPr lang="en-US" sz="1200" dirty="0" smtClean="0"/>
-              <a:t> risk rating of vehicles </a:t>
+              <a:t> that gives info related to the proportions of different fuel types used by vehicles.</a:t>
             </a:r>
           </a:p>
           <a:p>
@@ -3623,17 +3618,7 @@
             </a:pPr>
             <a:r>
               <a:rPr lang="en-US" sz="1200" dirty="0" smtClean="0"/>
-              <a:t>We can find that the  count of vehicles that are risky are far more than safe.</a:t>
-            </a:r>
-          </a:p>
-          <a:p>
-            <a:pPr lvl="2">
-              <a:buFont typeface="Wingdings" panose="05000000000000000000" pitchFamily="2" charset="2"/>
-              <a:buChar char="Ø"/>
-            </a:pPr>
-            <a:r>
-              <a:rPr lang="en-US" sz="1200" dirty="0" smtClean="0"/>
-              <a:t>We can infer that risk is not a key factor impacting the customer buying.</a:t>
+              <a:t>We can infer that  the customers are quite keen on purchasing gas cars.</a:t>
             </a:r>
           </a:p>
           <a:p>
@@ -3646,7 +3631,7 @@
       </p:sp>
       <p:pic>
         <p:nvPicPr>
-          <p:cNvPr id="4098" name="Picture 2"/>
+          <p:cNvPr id="5122" name="Picture 2"/>
           <p:cNvPicPr>
             <a:picLocks noChangeAspect="1" noChangeArrowheads="1"/>
           </p:cNvPicPr>
@@ -3656,7 +3641,7 @@
           <a:blip r:embed="rId2" cstate="print">
             <a:extLst>
               <a:ext uri="{28A0092B-C50C-407E-A947-70E740481C1C}">
-                <a14:useLocalDpi xmlns:a14="http://schemas.microsoft.com/office/drawing/2010/main" xmlns="" val="0"/>
+                <a14:useLocalDpi xmlns="" xmlns:a14="http://schemas.microsoft.com/office/drawing/2010/main" val="0"/>
               </a:ext>
             </a:extLst>
           </a:blip>
@@ -3667,8 +3652,8 @@
         </p:blipFill>
         <p:spPr bwMode="auto">
           <a:xfrm>
-            <a:off x="1527126" y="2564904"/>
-            <a:ext cx="3359646" cy="2737727"/>
+            <a:off x="1907704" y="2492896"/>
+            <a:ext cx="4419600" cy="2933700"/>
           </a:xfrm>
           <a:prstGeom prst="rect">
             <a:avLst/>
@@ -3679,14 +3664,14 @@
           </a:ln>
           <a:extLst>
             <a:ext uri="{909E8E84-426E-40DD-AFC4-6F175D3DCCD1}">
-              <a14:hiddenFill xmlns:a14="http://schemas.microsoft.com/office/drawing/2010/main" xmlns="">
+              <a14:hiddenFill xmlns="" xmlns:a14="http://schemas.microsoft.com/office/drawing/2010/main">
                 <a:solidFill>
                   <a:schemeClr val="accent1"/>
                 </a:solidFill>
               </a14:hiddenFill>
             </a:ext>
             <a:ext uri="{91240B29-F687-4F45-9708-019B960494DF}">
-              <a14:hiddenLine xmlns:a14="http://schemas.microsoft.com/office/drawing/2010/main" xmlns="" w="9525">
+              <a14:hiddenLine xmlns="" xmlns:a14="http://schemas.microsoft.com/office/drawing/2010/main" w="9525">
                 <a:solidFill>
                   <a:schemeClr val="tx1"/>
                 </a:solidFill>
@@ -3698,40 +3683,10 @@
           </a:extLst>
         </p:spPr>
       </p:pic>
-      <p:pic>
-        <p:nvPicPr>
-          <p:cNvPr id="5" name="Picture 4"/>
-          <p:cNvPicPr>
-            <a:picLocks noChangeAspect="1"/>
-          </p:cNvPicPr>
-          <p:nvPr/>
-        </p:nvPicPr>
-        <p:blipFill>
-          <a:blip r:embed="rId3" cstate="print">
-            <a:extLst>
-              <a:ext uri="{28A0092B-C50C-407E-A947-70E740481C1C}">
-                <a14:useLocalDpi xmlns:a14="http://schemas.microsoft.com/office/drawing/2010/main" xmlns="" val="0"/>
-              </a:ext>
-            </a:extLst>
-          </a:blip>
-          <a:stretch>
-            <a:fillRect/>
-          </a:stretch>
-        </p:blipFill>
-        <p:spPr>
-          <a:xfrm>
-            <a:off x="7020272" y="908720"/>
-            <a:ext cx="931945" cy="1292871"/>
-          </a:xfrm>
-          <a:prstGeom prst="rect">
-            <a:avLst/>
-          </a:prstGeom>
-        </p:spPr>
-      </p:pic>
     </p:spTree>
     <p:extLst>
       <p:ext uri="{BB962C8B-B14F-4D97-AF65-F5344CB8AC3E}">
-        <p14:creationId xmlns:p14="http://schemas.microsoft.com/office/powerpoint/2010/main" xmlns="" val="1249637507"/>
+        <p14:creationId xmlns="" xmlns:p14="http://schemas.microsoft.com/office/powerpoint/2010/main" val="3665441724"/>
       </p:ext>
     </p:extLst>
   </p:cSld>
@@ -3799,15 +3754,15 @@
             </a:br>
             <a:r>
               <a:rPr lang="en-SG" sz="3200" dirty="0" smtClean="0"/>
-              <a:t>Q3: does</a:t>
+              <a:t>Q4: Is mileage better in cities or highway</a:t>
             </a:r>
             <a:r>
               <a:rPr lang="en-US" sz="3200" dirty="0" smtClean="0"/>
-              <a:t> </a:t>
+              <a:t>?</a:t>
             </a:r>
             <a:r>
               <a:rPr lang="en-US" sz="3200" dirty="0"/>
-              <a:t>fuel type play a role in car purchase?</a:t>
+              <a:t/>
             </a:r>
             <a:br>
               <a:rPr lang="en-US" sz="3200" dirty="0"/>
@@ -3836,7 +3791,7 @@
         <p:spPr/>
         <p:txBody>
           <a:bodyPr>
-            <a:normAutofit/>
+            <a:normAutofit lnSpcReduction="10000"/>
           </a:bodyPr>
           <a:lstStyle/>
           <a:p>
@@ -3860,11 +3815,11 @@
             </a:r>
             <a:r>
               <a:rPr lang="en-US" sz="1200" b="1" i="1" dirty="0" smtClean="0"/>
-              <a:t>pie chart</a:t>
+              <a:t>box plot</a:t>
             </a:r>
             <a:r>
               <a:rPr lang="en-US" sz="1200" dirty="0" smtClean="0"/>
-              <a:t> that gives info related to the proportions of different fuel types used by vehicles.</a:t>
+              <a:t> that tells how mileages  differ in cities and highways and the way the data is distributed.</a:t>
             </a:r>
           </a:p>
           <a:p>
@@ -3979,9 +3934,57 @@
               <a:buChar char="Ø"/>
             </a:pPr>
             <a:r>
+              <a:rPr lang="en-SG" sz="1200" dirty="0"/>
+              <a:t>Can infer that highway mpg is more than city </a:t>
+            </a:r>
+            <a:r>
+              <a:rPr lang="en-SG" sz="1200" dirty="0" smtClean="0"/>
+              <a:t>mpg</a:t>
+            </a:r>
+          </a:p>
+          <a:p>
+            <a:pPr lvl="2">
+              <a:buFont typeface="Wingdings" panose="05000000000000000000" pitchFamily="2" charset="2"/>
+              <a:buChar char="Ø"/>
+            </a:pPr>
+            <a:r>
+              <a:rPr lang="en-SG" sz="1200" dirty="0"/>
+              <a:t>There are no </a:t>
+            </a:r>
+            <a:r>
+              <a:rPr lang="en-SG" sz="1200" dirty="0" smtClean="0"/>
+              <a:t>outliers (that is no extreme cases of mpg)</a:t>
+            </a:r>
+            <a:endParaRPr lang="en-SG" sz="1200" dirty="0"/>
+          </a:p>
+          <a:p>
+            <a:pPr lvl="2">
+              <a:buFont typeface="Wingdings" panose="05000000000000000000" pitchFamily="2" charset="2"/>
+              <a:buChar char="Ø"/>
+            </a:pPr>
+            <a:r>
+              <a:rPr lang="en-SG" sz="1200" dirty="0"/>
+              <a:t>Data is well spread out in city mpg compared to highway </a:t>
+            </a:r>
+            <a:r>
+              <a:rPr lang="en-SG" sz="1200" dirty="0" smtClean="0"/>
+              <a:t>mpg</a:t>
+            </a:r>
+            <a:r>
               <a:rPr lang="en-US" sz="1200" dirty="0" smtClean="0"/>
-              <a:t>We can infer that  the customers are quite keen on purchasing gas cars.</a:t>
-            </a:r>
+              <a:t> </a:t>
+            </a:r>
+          </a:p>
+          <a:p>
+            <a:pPr lvl="2">
+              <a:buFont typeface="Wingdings" panose="05000000000000000000" pitchFamily="2" charset="2"/>
+              <a:buChar char="Ø"/>
+            </a:pPr>
+            <a:r>
+              <a:rPr lang="en-SG" sz="1200" dirty="0"/>
+              <a:t>City mpg seems to be more normally distributed than highway mpg</a:t>
+            </a:r>
+            <a:endParaRPr lang="en-US" sz="1200" dirty="0" smtClean="0"/>
           </a:p>
           <a:p>
             <a:pPr marL="457200" lvl="1" indent="0">
@@ -3993,7 +3996,7 @@
       </p:sp>
       <p:pic>
         <p:nvPicPr>
-          <p:cNvPr id="5122" name="Picture 2"/>
+          <p:cNvPr id="6146" name="Picture 2"/>
           <p:cNvPicPr>
             <a:picLocks noChangeAspect="1" noChangeArrowheads="1"/>
           </p:cNvPicPr>
@@ -4003,7 +4006,7 @@
           <a:blip r:embed="rId2" cstate="print">
             <a:extLst>
               <a:ext uri="{28A0092B-C50C-407E-A947-70E740481C1C}">
-                <a14:useLocalDpi xmlns:a14="http://schemas.microsoft.com/office/drawing/2010/main" xmlns="" val="0"/>
+                <a14:useLocalDpi xmlns="" xmlns:a14="http://schemas.microsoft.com/office/drawing/2010/main" val="0"/>
               </a:ext>
             </a:extLst>
           </a:blip>
@@ -4014,8 +4017,8 @@
         </p:blipFill>
         <p:spPr bwMode="auto">
           <a:xfrm>
-            <a:off x="1907704" y="2492896"/>
-            <a:ext cx="4419600" cy="2933700"/>
+            <a:off x="2100264" y="2492896"/>
+            <a:ext cx="3788372" cy="2693467"/>
           </a:xfrm>
           <a:prstGeom prst="rect">
             <a:avLst/>
@@ -4026,14 +4029,14 @@
           </a:ln>
           <a:extLst>
             <a:ext uri="{909E8E84-426E-40DD-AFC4-6F175D3DCCD1}">
-              <a14:hiddenFill xmlns:a14="http://schemas.microsoft.com/office/drawing/2010/main" xmlns="">
+              <a14:hiddenFill xmlns="" xmlns:a14="http://schemas.microsoft.com/office/drawing/2010/main">
                 <a:solidFill>
                   <a:schemeClr val="accent1"/>
                 </a:solidFill>
               </a14:hiddenFill>
             </a:ext>
             <a:ext uri="{91240B29-F687-4F45-9708-019B960494DF}">
-              <a14:hiddenLine xmlns:a14="http://schemas.microsoft.com/office/drawing/2010/main" xmlns="" w="9525">
+              <a14:hiddenLine xmlns="" xmlns:a14="http://schemas.microsoft.com/office/drawing/2010/main" w="9525">
                 <a:solidFill>
                   <a:schemeClr val="tx1"/>
                 </a:solidFill>
@@ -4048,7 +4051,7 @@
     </p:spTree>
     <p:extLst>
       <p:ext uri="{BB962C8B-B14F-4D97-AF65-F5344CB8AC3E}">
-        <p14:creationId xmlns:p14="http://schemas.microsoft.com/office/powerpoint/2010/main" xmlns="" val="3665441724"/>
+        <p14:creationId xmlns="" xmlns:p14="http://schemas.microsoft.com/office/powerpoint/2010/main" val="1799068956"/>
       </p:ext>
     </p:extLst>
   </p:cSld>
@@ -4109,26 +4112,20 @@
           <a:p>
             <a:r>
               <a:rPr lang="en-SG" sz="3200" dirty="0" smtClean="0"/>
-              <a:t/>
-            </a:r>
-            <a:br>
-              <a:rPr lang="en-SG" sz="3200" dirty="0" smtClean="0"/>
-            </a:br>
-            <a:r>
-              <a:rPr lang="en-SG" sz="3200" dirty="0" smtClean="0"/>
-              <a:t>Q4: Is mileage better in cities or highway</a:t>
+              <a:t>Q5: </a:t>
             </a:r>
             <a:r>
               <a:rPr lang="en-US" sz="3200" dirty="0" smtClean="0"/>
-              <a:t>?</a:t>
+              <a:t>Which </a:t>
             </a:r>
             <a:r>
               <a:rPr lang="en-US" sz="3200" dirty="0"/>
-              <a:t/>
-            </a:r>
-            <a:br>
-              <a:rPr lang="en-US" sz="3200" dirty="0"/>
-            </a:br>
+              <a:t>body style is </a:t>
+            </a:r>
+            <a:r>
+              <a:rPr lang="en-US" sz="3200" dirty="0" smtClean="0"/>
+              <a:t>preferred</a:t>
+            </a:r>
             <a:r>
               <a:rPr lang="en-SG" sz="3200" dirty="0"/>
               <a:t/>
@@ -4153,7 +4150,7 @@
         <p:spPr/>
         <p:txBody>
           <a:bodyPr>
-            <a:normAutofit lnSpcReduction="10000"/>
+            <a:normAutofit/>
           </a:bodyPr>
           <a:lstStyle/>
           <a:p>
@@ -4176,13 +4173,40 @@
               <a:t>To plot a </a:t>
             </a:r>
             <a:r>
+              <a:rPr lang="en-US" sz="1200" b="1" i="1" dirty="0"/>
+              <a:t>S</a:t>
+            </a:r>
+            <a:r>
               <a:rPr lang="en-US" sz="1200" b="1" i="1" dirty="0" smtClean="0"/>
-              <a:t>box plot</a:t>
+              <a:t>warmplot</a:t>
             </a:r>
             <a:r>
               <a:rPr lang="en-US" sz="1200" dirty="0" smtClean="0"/>
-              <a:t> that tells how mileages  differ in cities and highways and the way the data is distributed.</a:t>
-            </a:r>
+              <a:t> to find the buying patterns of customers based on body style and price.</a:t>
+            </a:r>
+          </a:p>
+          <a:p>
+            <a:pPr lvl="2">
+              <a:buFont typeface="Wingdings" panose="05000000000000000000" pitchFamily="2" charset="2"/>
+              <a:buChar char="Ø"/>
+            </a:pPr>
+            <a:r>
+              <a:rPr lang="en-US" sz="1200" dirty="0" smtClean="0"/>
+              <a:t>Here </a:t>
+            </a:r>
+            <a:r>
+              <a:rPr lang="en-US" sz="1200" b="1" i="1" dirty="0"/>
+              <a:t>Swarmplot </a:t>
+            </a:r>
+            <a:r>
+              <a:rPr lang="en-US" sz="1200" dirty="0"/>
+              <a:t>is used as it enables to plot categorical data </a:t>
+            </a:r>
+            <a:r>
+              <a:rPr lang="en-US" sz="1200" dirty="0" smtClean="0"/>
+              <a:t>and avoids overlapping points to get the actual feel of data.</a:t>
+            </a:r>
+            <a:endParaRPr lang="en-US" sz="1200" dirty="0"/>
           </a:p>
           <a:p>
             <a:pPr lvl="1">
@@ -4284,69 +4308,49 @@
               <a:buFont typeface="Arial" panose="020B0604020202020204" pitchFamily="34" charset="0"/>
               <a:buChar char="•"/>
             </a:pPr>
-            <a:r>
-              <a:rPr lang="en-SG" sz="1200" b="1" dirty="0" smtClean="0"/>
-              <a:t>Findings:</a:t>
-            </a:r>
+            <a:endParaRPr lang="en-SG" sz="1200" b="1" dirty="0" smtClean="0"/>
+          </a:p>
+          <a:p>
+            <a:pPr lvl="1">
+              <a:buFont typeface="Arial" panose="020B0604020202020204" pitchFamily="34" charset="0"/>
+              <a:buChar char="•"/>
+            </a:pPr>
             <a:endParaRPr lang="en-SG" sz="1200" b="1" dirty="0"/>
           </a:p>
           <a:p>
-            <a:pPr lvl="2">
-              <a:buFont typeface="Wingdings" panose="05000000000000000000" pitchFamily="2" charset="2"/>
-              <a:buChar char="Ø"/>
-            </a:pPr>
-            <a:r>
-              <a:rPr lang="en-SG" sz="1200" dirty="0"/>
-              <a:t>Can infer that highway mpg is more than city </a:t>
-            </a:r>
-            <a:r>
-              <a:rPr lang="en-SG" sz="1200" dirty="0" smtClean="0"/>
-              <a:t>mpg</a:t>
-            </a:r>
-          </a:p>
-          <a:p>
-            <a:pPr lvl="2">
-              <a:buFont typeface="Wingdings" panose="05000000000000000000" pitchFamily="2" charset="2"/>
-              <a:buChar char="Ø"/>
-            </a:pPr>
-            <a:r>
-              <a:rPr lang="en-SG" sz="1200" dirty="0"/>
-              <a:t>There are no </a:t>
-            </a:r>
-            <a:r>
-              <a:rPr lang="en-SG" sz="1200" dirty="0" smtClean="0"/>
-              <a:t>outliers (that is no extreme cases of mpg)</a:t>
-            </a:r>
-            <a:endParaRPr lang="en-SG" sz="1200" dirty="0"/>
-          </a:p>
-          <a:p>
-            <a:pPr lvl="2">
-              <a:buFont typeface="Wingdings" panose="05000000000000000000" pitchFamily="2" charset="2"/>
-              <a:buChar char="Ø"/>
-            </a:pPr>
-            <a:r>
-              <a:rPr lang="en-SG" sz="1200" dirty="0"/>
-              <a:t>Data is well spread out in city mpg compared to highway </a:t>
-            </a:r>
-            <a:r>
-              <a:rPr lang="en-SG" sz="1200" dirty="0" smtClean="0"/>
-              <a:t>mpg</a:t>
-            </a:r>
-            <a:r>
-              <a:rPr lang="en-US" sz="1200" dirty="0" smtClean="0"/>
-              <a:t> </a:t>
-            </a:r>
-          </a:p>
-          <a:p>
-            <a:pPr lvl="2">
-              <a:buFont typeface="Wingdings" panose="05000000000000000000" pitchFamily="2" charset="2"/>
-              <a:buChar char="Ø"/>
-            </a:pPr>
-            <a:r>
-              <a:rPr lang="en-SG" sz="1200" dirty="0"/>
-              <a:t>City mpg seems to be more normally distributed than highway mpg</a:t>
-            </a:r>
-            <a:endParaRPr lang="en-US" sz="1200" dirty="0" smtClean="0"/>
+            <a:pPr lvl="1">
+              <a:buFont typeface="Arial" panose="020B0604020202020204" pitchFamily="34" charset="0"/>
+              <a:buChar char="•"/>
+            </a:pPr>
+            <a:endParaRPr lang="en-SG" sz="1200" b="1" dirty="0" smtClean="0"/>
+          </a:p>
+          <a:p>
+            <a:pPr lvl="1">
+              <a:buFont typeface="Arial" panose="020B0604020202020204" pitchFamily="34" charset="0"/>
+              <a:buChar char="•"/>
+            </a:pPr>
+            <a:endParaRPr lang="en-SG" sz="1200" b="1" dirty="0"/>
+          </a:p>
+          <a:p>
+            <a:pPr lvl="1">
+              <a:buFont typeface="Arial" panose="020B0604020202020204" pitchFamily="34" charset="0"/>
+              <a:buChar char="•"/>
+            </a:pPr>
+            <a:endParaRPr lang="en-SG" sz="1200" b="1" dirty="0" smtClean="0"/>
+          </a:p>
+          <a:p>
+            <a:pPr lvl="1">
+              <a:buFont typeface="Arial" panose="020B0604020202020204" pitchFamily="34" charset="0"/>
+              <a:buChar char="•"/>
+            </a:pPr>
+            <a:endParaRPr lang="en-SG" sz="1200" b="1" dirty="0"/>
+          </a:p>
+          <a:p>
+            <a:pPr lvl="1">
+              <a:buFont typeface="Arial" panose="020B0604020202020204" pitchFamily="34" charset="0"/>
+              <a:buChar char="•"/>
+            </a:pPr>
+            <a:endParaRPr lang="en-SG" sz="1200" b="1" dirty="0" smtClean="0"/>
           </a:p>
           <a:p>
             <a:pPr marL="457200" lvl="1" indent="0">
@@ -4358,7 +4362,7 @@
       </p:sp>
       <p:pic>
         <p:nvPicPr>
-          <p:cNvPr id="6146" name="Picture 2"/>
+          <p:cNvPr id="7170" name="Picture 2"/>
           <p:cNvPicPr>
             <a:picLocks noChangeAspect="1" noChangeArrowheads="1"/>
           </p:cNvPicPr>
@@ -4368,7 +4372,7 @@
           <a:blip r:embed="rId2" cstate="print">
             <a:extLst>
               <a:ext uri="{28A0092B-C50C-407E-A947-70E740481C1C}">
-                <a14:useLocalDpi xmlns:a14="http://schemas.microsoft.com/office/drawing/2010/main" xmlns="" val="0"/>
+                <a14:useLocalDpi xmlns="" xmlns:a14="http://schemas.microsoft.com/office/drawing/2010/main" val="0"/>
               </a:ext>
             </a:extLst>
           </a:blip>
@@ -4379,8 +4383,8 @@
         </p:blipFill>
         <p:spPr bwMode="auto">
           <a:xfrm>
-            <a:off x="2100264" y="2492896"/>
-            <a:ext cx="3788372" cy="2693467"/>
+            <a:off x="2411760" y="2492896"/>
+            <a:ext cx="3108483" cy="4365104"/>
           </a:xfrm>
           <a:prstGeom prst="rect">
             <a:avLst/>
@@ -4391,14 +4395,14 @@
           </a:ln>
           <a:extLst>
             <a:ext uri="{909E8E84-426E-40DD-AFC4-6F175D3DCCD1}">
-              <a14:hiddenFill xmlns:a14="http://schemas.microsoft.com/office/drawing/2010/main" xmlns="">
+              <a14:hiddenFill xmlns="" xmlns:a14="http://schemas.microsoft.com/office/drawing/2010/main">
                 <a:solidFill>
                   <a:schemeClr val="accent1"/>
                 </a:solidFill>
               </a14:hiddenFill>
             </a:ext>
             <a:ext uri="{91240B29-F687-4F45-9708-019B960494DF}">
-              <a14:hiddenLine xmlns:a14="http://schemas.microsoft.com/office/drawing/2010/main" xmlns="" w="9525">
+              <a14:hiddenLine xmlns="" xmlns:a14="http://schemas.microsoft.com/office/drawing/2010/main" w="9525">
                 <a:solidFill>
                   <a:schemeClr val="tx1"/>
                 </a:solidFill>
@@ -4410,10 +4414,74 @@
           </a:extLst>
         </p:spPr>
       </p:pic>
+      <p:pic>
+        <p:nvPicPr>
+          <p:cNvPr id="13315" name="Picture 3"/>
+          <p:cNvPicPr>
+            <a:picLocks noChangeAspect="1" noChangeArrowheads="1"/>
+          </p:cNvPicPr>
+          <p:nvPr/>
+        </p:nvPicPr>
+        <p:blipFill>
+          <a:blip r:embed="rId3" cstate="print">
+            <a:extLst>
+              <a:ext uri="{28A0092B-C50C-407E-A947-70E740481C1C}">
+                <a14:useLocalDpi xmlns="" xmlns:a14="http://schemas.microsoft.com/office/drawing/2010/main" val="0"/>
+              </a:ext>
+            </a:extLst>
+          </a:blip>
+          <a:srcRect/>
+          <a:stretch>
+            <a:fillRect/>
+          </a:stretch>
+        </p:blipFill>
+        <p:spPr bwMode="auto">
+          <a:xfrm>
+            <a:off x="6948264" y="548680"/>
+            <a:ext cx="1368152" cy="830247"/>
+          </a:xfrm>
+          <a:prstGeom prst="rect">
+            <a:avLst/>
+          </a:prstGeom>
+          <a:noFill/>
+          <a:ln>
+            <a:noFill/>
+          </a:ln>
+          <a:effectLst/>
+          <a:extLst>
+            <a:ext uri="{909E8E84-426E-40DD-AFC4-6F175D3DCCD1}">
+              <a14:hiddenFill xmlns="" xmlns:a14="http://schemas.microsoft.com/office/drawing/2010/main">
+                <a:solidFill>
+                  <a:schemeClr val="accent1"/>
+                </a:solidFill>
+              </a14:hiddenFill>
+            </a:ext>
+            <a:ext uri="{91240B29-F687-4F45-9708-019B960494DF}">
+              <a14:hiddenLine xmlns="" xmlns:a14="http://schemas.microsoft.com/office/drawing/2010/main" w="9525">
+                <a:solidFill>
+                  <a:schemeClr val="tx1"/>
+                </a:solidFill>
+                <a:miter lim="800000"/>
+                <a:headEnd/>
+                <a:tailEnd/>
+              </a14:hiddenLine>
+            </a:ext>
+            <a:ext uri="{AF507438-7753-43E0-B8FC-AC1667EBCBE1}">
+              <a14:hiddenEffects xmlns="" xmlns:a14="http://schemas.microsoft.com/office/drawing/2010/main">
+                <a:effectLst>
+                  <a:outerShdw dist="35921" dir="2700000" algn="ctr" rotWithShape="0">
+                    <a:schemeClr val="bg2"/>
+                  </a:outerShdw>
+                </a:effectLst>
+              </a14:hiddenEffects>
+            </a:ext>
+          </a:extLst>
+        </p:spPr>
+      </p:pic>
     </p:spTree>
     <p:extLst>
       <p:ext uri="{BB962C8B-B14F-4D97-AF65-F5344CB8AC3E}">
-        <p14:creationId xmlns:p14="http://schemas.microsoft.com/office/powerpoint/2010/main" xmlns="" val="1799068956"/>
+        <p14:creationId xmlns="" xmlns:p14="http://schemas.microsoft.com/office/powerpoint/2010/main" val="1283455644"/>
       </p:ext>
     </p:extLst>
   </p:cSld>
@@ -4460,41 +4528,17 @@
             <p:ph type="title"/>
           </p:nvPr>
         </p:nvSpPr>
-        <p:spPr>
-          <a:xfrm>
-            <a:off x="467544" y="188640"/>
-            <a:ext cx="8219256" cy="1228998"/>
-          </a:xfrm>
-        </p:spPr>
+        <p:spPr/>
         <p:txBody>
           <a:bodyPr>
-            <a:noAutofit/>
+            <a:normAutofit/>
           </a:bodyPr>
           <a:lstStyle/>
           <a:p>
             <a:r>
-              <a:rPr lang="en-SG" sz="3200" dirty="0" smtClean="0"/>
-              <a:t>Q5: </a:t>
-            </a:r>
-            <a:r>
               <a:rPr lang="en-US" sz="3200" dirty="0" smtClean="0"/>
-              <a:t>Which </a:t>
-            </a:r>
-            <a:r>
-              <a:rPr lang="en-US" sz="3200" dirty="0"/>
-              <a:t>body style is </a:t>
-            </a:r>
-            <a:r>
-              <a:rPr lang="en-US" sz="3200" dirty="0" smtClean="0"/>
-              <a:t>preferred</a:t>
-            </a:r>
-            <a:r>
-              <a:rPr lang="en-SG" sz="3200" dirty="0"/>
-              <a:t/>
-            </a:r>
-            <a:br>
-              <a:rPr lang="en-SG" sz="3200" dirty="0"/>
-            </a:br>
+              <a:t>Continued….</a:t>
+            </a:r>
             <a:endParaRPr lang="en-SG" sz="3200" dirty="0"/>
           </a:p>
         </p:txBody>
@@ -4511,9 +4555,7 @@
         </p:nvSpPr>
         <p:spPr/>
         <p:txBody>
-          <a:bodyPr>
-            <a:normAutofit/>
-          </a:bodyPr>
+          <a:bodyPr/>
           <a:lstStyle/>
           <a:p>
             <a:pPr lvl="1">
@@ -4521,8 +4563,8 @@
               <a:buChar char="•"/>
             </a:pPr>
             <a:r>
-              <a:rPr lang="en-SG" sz="1200" b="1" dirty="0" smtClean="0"/>
-              <a:t>Approach:</a:t>
+              <a:rPr lang="en-SG" sz="1200" b="1" dirty="0"/>
+              <a:t>Findings:</a:t>
             </a:r>
           </a:p>
           <a:p>
@@ -4531,20 +4573,8 @@
               <a:buChar char="Ø"/>
             </a:pPr>
             <a:r>
-              <a:rPr lang="en-US" sz="1200" dirty="0" smtClean="0"/>
-              <a:t>To plot a </a:t>
-            </a:r>
-            <a:r>
-              <a:rPr lang="en-US" sz="1200" b="1" i="1" dirty="0"/>
-              <a:t>S</a:t>
-            </a:r>
-            <a:r>
-              <a:rPr lang="en-US" sz="1200" b="1" i="1" dirty="0" smtClean="0"/>
-              <a:t>warmplot</a:t>
-            </a:r>
-            <a:r>
-              <a:rPr lang="en-US" sz="1200" dirty="0" smtClean="0"/>
-              <a:t> to find the buying patterns of customers based on body style and price.</a:t>
+              <a:rPr lang="en-SG" sz="1200" dirty="0"/>
+              <a:t>Sedan seems to be more popular choice with a wide range of price</a:t>
             </a:r>
           </a:p>
           <a:p>
@@ -4553,178 +4583,69 @@
               <a:buChar char="Ø"/>
             </a:pPr>
             <a:r>
-              <a:rPr lang="en-US" sz="1200" dirty="0" smtClean="0"/>
-              <a:t>Here </a:t>
-            </a:r>
-            <a:r>
-              <a:rPr lang="en-US" sz="1200" b="1" i="1" dirty="0"/>
-              <a:t>Swarmplot </a:t>
-            </a:r>
-            <a:r>
-              <a:rPr lang="en-US" sz="1200" dirty="0"/>
-              <a:t>is used as it enables to plot categorical data </a:t>
-            </a:r>
-            <a:r>
-              <a:rPr lang="en-US" sz="1200" dirty="0" smtClean="0"/>
-              <a:t>and avoids overlapping points to get the actual feel of data.</a:t>
-            </a:r>
-            <a:endParaRPr lang="en-US" sz="1200" dirty="0"/>
+              <a:rPr lang="en-SG" sz="1200" dirty="0"/>
+              <a:t>Hatchback and wagon price range is similar. Hatchback seems popular among these 2. You can fold down the rear seats in nearly all hatchbacks, allowing for significantly more cargo </a:t>
+            </a:r>
+            <a:r>
+              <a:rPr lang="en-SG" sz="1200" dirty="0" smtClean="0"/>
+              <a:t>space.</a:t>
+            </a:r>
+            <a:endParaRPr lang="en-SG" sz="1200" dirty="0"/>
+          </a:p>
+          <a:p>
+            <a:pPr lvl="2">
+              <a:buFont typeface="Wingdings" panose="05000000000000000000" pitchFamily="2" charset="2"/>
+              <a:buChar char="Ø"/>
+            </a:pPr>
+            <a:r>
+              <a:rPr lang="en-SG" sz="1200" dirty="0"/>
+              <a:t>Not many people are </a:t>
+            </a:r>
+            <a:r>
+              <a:rPr lang="en-SG" sz="1200" dirty="0" smtClean="0"/>
+              <a:t>preferring </a:t>
+            </a:r>
+            <a:r>
+              <a:rPr lang="en-SG" sz="1200" dirty="0"/>
+              <a:t>convertible and hardtop. These seem to be sports variety with limited </a:t>
+            </a:r>
+            <a:r>
+              <a:rPr lang="en-SG" sz="1200" dirty="0" smtClean="0"/>
+              <a:t>customers.</a:t>
+            </a:r>
+          </a:p>
+          <a:p>
+            <a:pPr marL="457200" lvl="1" indent="0">
+              <a:buNone/>
+            </a:pPr>
+            <a:r>
+              <a:rPr lang="en-US" sz="1200" b="1" dirty="0"/>
+              <a:t>	</a:t>
+            </a:r>
+            <a:endParaRPr lang="en-US" sz="1200" b="1" dirty="0" smtClean="0"/>
           </a:p>
           <a:p>
             <a:pPr lvl="1">
               <a:buFont typeface="Arial" panose="020B0604020202020204" pitchFamily="34" charset="0"/>
               <a:buChar char="•"/>
             </a:pPr>
-            <a:endParaRPr lang="en-SG" sz="1200" b="1" dirty="0" smtClean="0"/>
+            <a:r>
+              <a:rPr lang="en-US" sz="1200" dirty="0" smtClean="0"/>
+              <a:t>To confirm the second point, we would like to do additional hypothesis of body style against wheel base.</a:t>
+            </a:r>
           </a:p>
           <a:p>
             <a:pPr lvl="1">
               <a:buFont typeface="Arial" panose="020B0604020202020204" pitchFamily="34" charset="0"/>
               <a:buChar char="•"/>
             </a:pPr>
-            <a:r>
-              <a:rPr lang="en-SG" sz="1200" b="1" dirty="0" smtClean="0"/>
-              <a:t>Visualizations:</a:t>
-            </a:r>
-          </a:p>
-          <a:p>
-            <a:pPr marL="457200" lvl="1" indent="0">
-              <a:buNone/>
-            </a:pPr>
-            <a:endParaRPr lang="en-US" sz="1200" b="1" dirty="0" smtClean="0"/>
-          </a:p>
-          <a:p>
-            <a:pPr marL="457200" lvl="1" indent="0">
-              <a:buNone/>
-            </a:pPr>
-            <a:endParaRPr lang="en-US" sz="1200" b="1" dirty="0"/>
-          </a:p>
-          <a:p>
-            <a:pPr marL="457200" lvl="1" indent="0">
-              <a:buNone/>
-            </a:pPr>
-            <a:endParaRPr lang="en-US" sz="1200" b="1" dirty="0"/>
-          </a:p>
-          <a:p>
-            <a:pPr marL="457200" lvl="1" indent="0">
-              <a:buNone/>
-            </a:pPr>
-            <a:endParaRPr lang="en-US" sz="1200" b="1" dirty="0" smtClean="0"/>
-          </a:p>
-          <a:p>
-            <a:pPr marL="457200" lvl="1" indent="0">
-              <a:buNone/>
-            </a:pPr>
-            <a:endParaRPr lang="en-US" sz="1200" b="1" dirty="0"/>
-          </a:p>
-          <a:p>
-            <a:pPr marL="457200" lvl="1" indent="0">
-              <a:buNone/>
-            </a:pPr>
-            <a:endParaRPr lang="en-US" sz="1200" b="1" dirty="0" smtClean="0"/>
-          </a:p>
-          <a:p>
-            <a:pPr marL="457200" lvl="1" indent="0">
-              <a:buNone/>
-            </a:pPr>
-            <a:endParaRPr lang="en-US" sz="1200" b="1" dirty="0"/>
-          </a:p>
-          <a:p>
-            <a:pPr marL="457200" lvl="1" indent="0">
-              <a:buNone/>
-            </a:pPr>
-            <a:endParaRPr lang="en-US" sz="1200" b="1" dirty="0" smtClean="0"/>
-          </a:p>
-          <a:p>
-            <a:pPr marL="457200" lvl="1" indent="0">
-              <a:buNone/>
-            </a:pPr>
-            <a:endParaRPr lang="en-US" sz="1200" b="1" dirty="0"/>
-          </a:p>
-          <a:p>
-            <a:pPr marL="457200" lvl="1" indent="0">
-              <a:buNone/>
-            </a:pPr>
-            <a:endParaRPr lang="en-US" sz="1200" b="1" dirty="0" smtClean="0"/>
-          </a:p>
-          <a:p>
-            <a:pPr marL="457200" lvl="1" indent="0">
-              <a:buNone/>
-            </a:pPr>
-            <a:endParaRPr lang="en-US" sz="1200" b="1" dirty="0"/>
-          </a:p>
-          <a:p>
-            <a:pPr marL="457200" lvl="1" indent="0">
-              <a:buNone/>
-            </a:pPr>
-            <a:endParaRPr lang="en-US" sz="1200" b="1" dirty="0" smtClean="0"/>
-          </a:p>
-          <a:p>
-            <a:pPr marL="457200" lvl="1" indent="0">
-              <a:buNone/>
-            </a:pPr>
-            <a:endParaRPr lang="en-US" sz="1200" b="1" dirty="0" smtClean="0"/>
-          </a:p>
-          <a:p>
-            <a:pPr lvl="1">
-              <a:buFont typeface="Arial" panose="020B0604020202020204" pitchFamily="34" charset="0"/>
-              <a:buChar char="•"/>
-            </a:pPr>
-            <a:endParaRPr lang="en-SG" sz="1200" b="1" dirty="0" smtClean="0"/>
-          </a:p>
-          <a:p>
-            <a:pPr lvl="1">
-              <a:buFont typeface="Arial" panose="020B0604020202020204" pitchFamily="34" charset="0"/>
-              <a:buChar char="•"/>
-            </a:pPr>
-            <a:endParaRPr lang="en-SG" sz="1200" b="1" dirty="0"/>
-          </a:p>
-          <a:p>
-            <a:pPr lvl="1">
-              <a:buFont typeface="Arial" panose="020B0604020202020204" pitchFamily="34" charset="0"/>
-              <a:buChar char="•"/>
-            </a:pPr>
-            <a:endParaRPr lang="en-SG" sz="1200" b="1" dirty="0" smtClean="0"/>
-          </a:p>
-          <a:p>
-            <a:pPr lvl="1">
-              <a:buFont typeface="Arial" panose="020B0604020202020204" pitchFamily="34" charset="0"/>
-              <a:buChar char="•"/>
-            </a:pPr>
-            <a:endParaRPr lang="en-SG" sz="1200" b="1" dirty="0"/>
-          </a:p>
-          <a:p>
-            <a:pPr lvl="1">
-              <a:buFont typeface="Arial" panose="020B0604020202020204" pitchFamily="34" charset="0"/>
-              <a:buChar char="•"/>
-            </a:pPr>
-            <a:endParaRPr lang="en-SG" sz="1200" b="1" dirty="0" smtClean="0"/>
-          </a:p>
-          <a:p>
-            <a:pPr lvl="1">
-              <a:buFont typeface="Arial" panose="020B0604020202020204" pitchFamily="34" charset="0"/>
-              <a:buChar char="•"/>
-            </a:pPr>
-            <a:endParaRPr lang="en-SG" sz="1200" b="1" dirty="0"/>
-          </a:p>
-          <a:p>
-            <a:pPr lvl="1">
-              <a:buFont typeface="Arial" panose="020B0604020202020204" pitchFamily="34" charset="0"/>
-              <a:buChar char="•"/>
-            </a:pPr>
-            <a:endParaRPr lang="en-SG" sz="1200" b="1" dirty="0" smtClean="0"/>
-          </a:p>
-          <a:p>
-            <a:pPr marL="457200" lvl="1" indent="0">
-              <a:buNone/>
-            </a:pPr>
-            <a:endParaRPr lang="en-SG" sz="1200" b="1" dirty="0"/>
+            <a:endParaRPr lang="en-SG" sz="1200" dirty="0"/>
           </a:p>
         </p:txBody>
       </p:sp>
       <p:pic>
         <p:nvPicPr>
-          <p:cNvPr id="7170" name="Picture 2"/>
+          <p:cNvPr id="8194" name="Picture 2"/>
           <p:cNvPicPr>
             <a:picLocks noChangeAspect="1" noChangeArrowheads="1"/>
           </p:cNvPicPr>
@@ -4733,8 +4654,17 @@
         <p:blipFill>
           <a:blip r:embed="rId2" cstate="print">
             <a:extLst>
+              <a:ext uri="{BEBA8EAE-BF5A-486C-A8C5-ECC9F3942E4B}">
+                <a14:imgProps xmlns="" xmlns:a14="http://schemas.microsoft.com/office/drawing/2010/main">
+                  <a14:imgLayer r:embed="rId3">
+                    <a14:imgEffect>
+                      <a14:saturation sat="200000"/>
+                    </a14:imgEffect>
+                  </a14:imgLayer>
+                </a14:imgProps>
+              </a:ext>
               <a:ext uri="{28A0092B-C50C-407E-A947-70E740481C1C}">
-                <a14:useLocalDpi xmlns:a14="http://schemas.microsoft.com/office/drawing/2010/main" xmlns="" val="0"/>
+                <a14:useLocalDpi xmlns="" xmlns:a14="http://schemas.microsoft.com/office/drawing/2010/main" val="0"/>
               </a:ext>
             </a:extLst>
           </a:blip>
@@ -4745,8 +4675,8 @@
         </p:blipFill>
         <p:spPr bwMode="auto">
           <a:xfrm>
-            <a:off x="2411760" y="2492896"/>
-            <a:ext cx="3108483" cy="4365104"/>
+            <a:off x="3006662" y="3356992"/>
+            <a:ext cx="2012875" cy="3334937"/>
           </a:xfrm>
           <a:prstGeom prst="rect">
             <a:avLst/>
@@ -4757,14 +4687,14 @@
           </a:ln>
           <a:extLst>
             <a:ext uri="{909E8E84-426E-40DD-AFC4-6F175D3DCCD1}">
-              <a14:hiddenFill xmlns:a14="http://schemas.microsoft.com/office/drawing/2010/main" xmlns="">
+              <a14:hiddenFill xmlns="" xmlns:a14="http://schemas.microsoft.com/office/drawing/2010/main">
                 <a:solidFill>
                   <a:schemeClr val="accent1"/>
                 </a:solidFill>
               </a14:hiddenFill>
             </a:ext>
             <a:ext uri="{91240B29-F687-4F45-9708-019B960494DF}">
-              <a14:hiddenLine xmlns:a14="http://schemas.microsoft.com/office/drawing/2010/main" xmlns="" w="9525">
+              <a14:hiddenLine xmlns="" xmlns:a14="http://schemas.microsoft.com/office/drawing/2010/main" w="9525">
                 <a:solidFill>
                   <a:schemeClr val="tx1"/>
                 </a:solidFill>
@@ -4776,74 +4706,10 @@
           </a:extLst>
         </p:spPr>
       </p:pic>
-      <p:pic>
-        <p:nvPicPr>
-          <p:cNvPr id="13315" name="Picture 3"/>
-          <p:cNvPicPr>
-            <a:picLocks noChangeAspect="1" noChangeArrowheads="1"/>
-          </p:cNvPicPr>
-          <p:nvPr/>
-        </p:nvPicPr>
-        <p:blipFill>
-          <a:blip r:embed="rId3" cstate="print">
-            <a:extLst>
-              <a:ext uri="{28A0092B-C50C-407E-A947-70E740481C1C}">
-                <a14:useLocalDpi xmlns:a14="http://schemas.microsoft.com/office/drawing/2010/main" xmlns="" val="0"/>
-              </a:ext>
-            </a:extLst>
-          </a:blip>
-          <a:srcRect/>
-          <a:stretch>
-            <a:fillRect/>
-          </a:stretch>
-        </p:blipFill>
-        <p:spPr bwMode="auto">
-          <a:xfrm>
-            <a:off x="6948264" y="548680"/>
-            <a:ext cx="1368152" cy="830247"/>
-          </a:xfrm>
-          <a:prstGeom prst="rect">
-            <a:avLst/>
-          </a:prstGeom>
-          <a:noFill/>
-          <a:ln>
-            <a:noFill/>
-          </a:ln>
-          <a:effectLst/>
-          <a:extLst>
-            <a:ext uri="{909E8E84-426E-40DD-AFC4-6F175D3DCCD1}">
-              <a14:hiddenFill xmlns:a14="http://schemas.microsoft.com/office/drawing/2010/main" xmlns="">
-                <a:solidFill>
-                  <a:schemeClr val="accent1"/>
-                </a:solidFill>
-              </a14:hiddenFill>
-            </a:ext>
-            <a:ext uri="{91240B29-F687-4F45-9708-019B960494DF}">
-              <a14:hiddenLine xmlns:a14="http://schemas.microsoft.com/office/drawing/2010/main" xmlns="" w="9525">
-                <a:solidFill>
-                  <a:schemeClr val="tx1"/>
-                </a:solidFill>
-                <a:miter lim="800000"/>
-                <a:headEnd/>
-                <a:tailEnd/>
-              </a14:hiddenLine>
-            </a:ext>
-            <a:ext uri="{AF507438-7753-43E0-B8FC-AC1667EBCBE1}">
-              <a14:hiddenEffects xmlns:a14="http://schemas.microsoft.com/office/drawing/2010/main" xmlns="">
-                <a:effectLst>
-                  <a:outerShdw dist="35921" dir="2700000" algn="ctr" rotWithShape="0">
-                    <a:schemeClr val="bg2"/>
-                  </a:outerShdw>
-                </a:effectLst>
-              </a14:hiddenEffects>
-            </a:ext>
-          </a:extLst>
-        </p:spPr>
-      </p:pic>
     </p:spTree>
     <p:extLst>
       <p:ext uri="{BB962C8B-B14F-4D97-AF65-F5344CB8AC3E}">
-        <p14:creationId xmlns:p14="http://schemas.microsoft.com/office/powerpoint/2010/main" xmlns="" val="1283455644"/>
+        <p14:creationId xmlns="" xmlns:p14="http://schemas.microsoft.com/office/powerpoint/2010/main" val="713722113"/>
       </p:ext>
     </p:extLst>
   </p:cSld>
@@ -4892,14 +4758,12 @@
         </p:nvSpPr>
         <p:spPr/>
         <p:txBody>
-          <a:bodyPr>
-            <a:normAutofit/>
-          </a:bodyPr>
+          <a:bodyPr/>
           <a:lstStyle/>
           <a:p>
             <a:r>
               <a:rPr lang="en-US" sz="3200" dirty="0" smtClean="0"/>
-              <a:t>Continued….</a:t>
+              <a:t>Continued…</a:t>
             </a:r>
             <a:endParaRPr lang="en-SG" sz="3200" dirty="0"/>
           </a:p>
@@ -4917,7 +4781,9 @@
         </p:nvSpPr>
         <p:spPr/>
         <p:txBody>
-          <a:bodyPr/>
+          <a:bodyPr>
+            <a:normAutofit/>
+          </a:bodyPr>
           <a:lstStyle/>
           <a:p>
             <a:pPr lvl="1">
@@ -4936,142 +4802,28 @@
             </a:pPr>
             <a:r>
               <a:rPr lang="en-SG" sz="1200" dirty="0"/>
-              <a:t>Sedan seems to be more popular choice with a wide range of price</a:t>
-            </a:r>
-          </a:p>
-          <a:p>
-            <a:pPr lvl="2">
-              <a:buFont typeface="Wingdings" panose="05000000000000000000" pitchFamily="2" charset="2"/>
-              <a:buChar char="Ø"/>
-            </a:pPr>
+              <a:t>Can confirm above understanding that even though hatchback and wagon have similar wheel base, the design of hatchbacks allow for </a:t>
+            </a:r>
+            <a:r>
+              <a:rPr lang="en-SG" sz="1200" dirty="0" smtClean="0"/>
+              <a:t>flexibility </a:t>
+            </a:r>
             <a:r>
               <a:rPr lang="en-SG" sz="1200" dirty="0"/>
-              <a:t>Hatchback and wagon price range is similar. Hatchback seems popular among these 2. You can fold down the rear seats in nearly all hatchbacks, allowing for significantly more cargo </a:t>
+              <a:t>in space and hence is more </a:t>
             </a:r>
             <a:r>
               <a:rPr lang="en-SG" sz="1200" dirty="0" smtClean="0"/>
-              <a:t>space.</a:t>
-            </a:r>
-            <a:endParaRPr lang="en-SG" sz="1200" dirty="0"/>
-          </a:p>
-          <a:p>
-            <a:pPr lvl="2">
-              <a:buFont typeface="Wingdings" panose="05000000000000000000" pitchFamily="2" charset="2"/>
-              <a:buChar char="Ø"/>
-            </a:pPr>
-            <a:r>
-              <a:rPr lang="en-SG" sz="1200" dirty="0"/>
-              <a:t>Not many people are </a:t>
-            </a:r>
-            <a:r>
-              <a:rPr lang="en-SG" sz="1200" dirty="0" smtClean="0"/>
-              <a:t>preferring </a:t>
-            </a:r>
-            <a:r>
-              <a:rPr lang="en-SG" sz="1200" dirty="0"/>
-              <a:t>convertible and hardtop. These seem to be sports variety with limited </a:t>
-            </a:r>
-            <a:r>
-              <a:rPr lang="en-SG" sz="1200" dirty="0" smtClean="0"/>
-              <a:t>customers.</a:t>
-            </a:r>
-          </a:p>
-          <a:p>
-            <a:pPr marL="457200" lvl="1" indent="0">
-              <a:buNone/>
-            </a:pPr>
-            <a:r>
-              <a:rPr lang="en-US" sz="1200" b="1" dirty="0"/>
-              <a:t>	</a:t>
-            </a:r>
-            <a:endParaRPr lang="en-US" sz="1200" b="1" dirty="0" smtClean="0"/>
-          </a:p>
-          <a:p>
-            <a:pPr lvl="1">
-              <a:buFont typeface="Arial" panose="020B0604020202020204" pitchFamily="34" charset="0"/>
-              <a:buChar char="•"/>
-            </a:pPr>
-            <a:r>
-              <a:rPr lang="en-US" sz="1200" dirty="0" smtClean="0"/>
-              <a:t>To confirm the second point, we would like to do additional hypothesis of body style against wheel base.</a:t>
-            </a:r>
-          </a:p>
-          <a:p>
-            <a:pPr lvl="1">
-              <a:buFont typeface="Arial" panose="020B0604020202020204" pitchFamily="34" charset="0"/>
-              <a:buChar char="•"/>
-            </a:pPr>
+              <a:t>preferred</a:t>
+            </a:r>
             <a:endParaRPr lang="en-SG" sz="1200" dirty="0"/>
           </a:p>
         </p:txBody>
       </p:sp>
-      <p:pic>
-        <p:nvPicPr>
-          <p:cNvPr id="8194" name="Picture 2"/>
-          <p:cNvPicPr>
-            <a:picLocks noChangeAspect="1" noChangeArrowheads="1"/>
-          </p:cNvPicPr>
-          <p:nvPr/>
-        </p:nvPicPr>
-        <p:blipFill>
-          <a:blip r:embed="rId2" cstate="print">
-            <a:extLst>
-              <a:ext uri="{BEBA8EAE-BF5A-486C-A8C5-ECC9F3942E4B}">
-                <a14:imgProps xmlns:a14="http://schemas.microsoft.com/office/drawing/2010/main" xmlns="">
-                  <a14:imgLayer r:embed="rId3">
-                    <a14:imgEffect>
-                      <a14:saturation sat="200000"/>
-                    </a14:imgEffect>
-                  </a14:imgLayer>
-                </a14:imgProps>
-              </a:ext>
-              <a:ext uri="{28A0092B-C50C-407E-A947-70E740481C1C}">
-                <a14:useLocalDpi xmlns:a14="http://schemas.microsoft.com/office/drawing/2010/main" xmlns="" val="0"/>
-              </a:ext>
-            </a:extLst>
-          </a:blip>
-          <a:srcRect/>
-          <a:stretch>
-            <a:fillRect/>
-          </a:stretch>
-        </p:blipFill>
-        <p:spPr bwMode="auto">
-          <a:xfrm>
-            <a:off x="3006662" y="3356992"/>
-            <a:ext cx="2012875" cy="3334937"/>
-          </a:xfrm>
-          <a:prstGeom prst="rect">
-            <a:avLst/>
-          </a:prstGeom>
-          <a:noFill/>
-          <a:ln>
-            <a:noFill/>
-          </a:ln>
-          <a:extLst>
-            <a:ext uri="{909E8E84-426E-40DD-AFC4-6F175D3DCCD1}">
-              <a14:hiddenFill xmlns:a14="http://schemas.microsoft.com/office/drawing/2010/main" xmlns="">
-                <a:solidFill>
-                  <a:schemeClr val="accent1"/>
-                </a:solidFill>
-              </a14:hiddenFill>
-            </a:ext>
-            <a:ext uri="{91240B29-F687-4F45-9708-019B960494DF}">
-              <a14:hiddenLine xmlns:a14="http://schemas.microsoft.com/office/drawing/2010/main" xmlns="" w="9525">
-                <a:solidFill>
-                  <a:schemeClr val="tx1"/>
-                </a:solidFill>
-                <a:miter lim="800000"/>
-                <a:headEnd/>
-                <a:tailEnd/>
-              </a14:hiddenLine>
-            </a:ext>
-          </a:extLst>
-        </p:spPr>
-      </p:pic>
     </p:spTree>
     <p:extLst>
       <p:ext uri="{BB962C8B-B14F-4D97-AF65-F5344CB8AC3E}">
-        <p14:creationId xmlns:p14="http://schemas.microsoft.com/office/powerpoint/2010/main" xmlns="" val="713722113"/>
+        <p14:creationId xmlns="" xmlns:p14="http://schemas.microsoft.com/office/powerpoint/2010/main" val="4231514729"/>
       </p:ext>
     </p:extLst>
   </p:cSld>
@@ -5118,15 +4870,50 @@
             <p:ph type="title"/>
           </p:nvPr>
         </p:nvSpPr>
-        <p:spPr/>
+        <p:spPr>
+          <a:xfrm>
+            <a:off x="467544" y="188640"/>
+            <a:ext cx="8219256" cy="1228998"/>
+          </a:xfrm>
+        </p:spPr>
         <p:txBody>
-          <a:bodyPr/>
+          <a:bodyPr>
+            <a:noAutofit/>
+          </a:bodyPr>
           <a:lstStyle/>
           <a:p>
             <a:r>
+              <a:rPr lang="en-SG" sz="3200" dirty="0" smtClean="0"/>
+              <a:t/>
+            </a:r>
+            <a:br>
+              <a:rPr lang="en-SG" sz="3200" dirty="0" smtClean="0"/>
+            </a:br>
+            <a:r>
+              <a:rPr lang="en-SG" sz="3200" dirty="0" smtClean="0"/>
+              <a:t/>
+            </a:r>
+            <a:br>
+              <a:rPr lang="en-SG" sz="3200" dirty="0" smtClean="0"/>
+            </a:br>
+            <a:r>
+              <a:rPr lang="en-SG" sz="3200" dirty="0" smtClean="0"/>
+              <a:t>Q6: Which cars are safe ?</a:t>
+            </a:r>
+            <a:br>
+              <a:rPr lang="en-SG" sz="3200" dirty="0" smtClean="0"/>
+            </a:br>
+            <a:r>
               <a:rPr lang="en-US" sz="3200" dirty="0" smtClean="0"/>
-              <a:t>Continued…</a:t>
-            </a:r>
+              <a:t> </a:t>
+            </a:r>
+            <a:r>
+              <a:rPr lang="en-SG" sz="3200" dirty="0"/>
+              <a:t/>
+            </a:r>
+            <a:br>
+              <a:rPr lang="en-SG" sz="3200" dirty="0"/>
+            </a:br>
             <a:endParaRPr lang="en-SG" sz="3200" dirty="0"/>
           </a:p>
         </p:txBody>
@@ -5153,8 +4940,8 @@
               <a:buChar char="•"/>
             </a:pPr>
             <a:r>
-              <a:rPr lang="en-SG" sz="1200" b="1" dirty="0"/>
-              <a:t>Findings:</a:t>
+              <a:rPr lang="en-SG" sz="1200" b="1" dirty="0" smtClean="0"/>
+              <a:t>Approach:</a:t>
             </a:r>
           </a:p>
           <a:p>
@@ -5163,29 +4950,354 @@
               <a:buChar char="Ø"/>
             </a:pPr>
             <a:r>
+              <a:rPr lang="en-US" sz="1200" dirty="0" smtClean="0"/>
+              <a:t>To </a:t>
+            </a:r>
+            <a:r>
+              <a:rPr lang="en-US" sz="1200" dirty="0"/>
+              <a:t>plot a </a:t>
+            </a:r>
+            <a:r>
+              <a:rPr lang="en-US" sz="1200" b="1" i="1" dirty="0" smtClean="0"/>
+              <a:t>Swarmplot</a:t>
+            </a:r>
+            <a:r>
+              <a:rPr lang="en-US" sz="1200" dirty="0" smtClean="0"/>
+              <a:t> </a:t>
+            </a:r>
+            <a:r>
+              <a:rPr lang="en-US" sz="1200" dirty="0"/>
+              <a:t>to risk ratings of vehicles for various make.</a:t>
+            </a:r>
+          </a:p>
+          <a:p>
+            <a:pPr lvl="2">
+              <a:buFont typeface="Wingdings" panose="05000000000000000000" pitchFamily="2" charset="2"/>
+              <a:buChar char="Ø"/>
+            </a:pPr>
+            <a:r>
+              <a:rPr lang="en-US" sz="1200" dirty="0"/>
+              <a:t>Here </a:t>
+            </a:r>
+            <a:r>
+              <a:rPr lang="en-US" sz="1200" b="1" i="1" dirty="0" smtClean="0"/>
+              <a:t>Swarmplot </a:t>
+            </a:r>
+            <a:r>
+              <a:rPr lang="en-US" sz="1200" dirty="0"/>
+              <a:t>is used as it enables to plot categorical </a:t>
+            </a:r>
+            <a:r>
+              <a:rPr lang="en-US" sz="1200" dirty="0" smtClean="0"/>
+              <a:t>data</a:t>
+            </a:r>
+            <a:r>
+              <a:rPr lang="en-US" sz="1200" dirty="0"/>
+              <a:t> and avoids overlapping points to get the actual feel of data.</a:t>
+            </a:r>
+          </a:p>
+          <a:p>
+            <a:pPr lvl="1">
+              <a:buFont typeface="Arial" panose="020B0604020202020204" pitchFamily="34" charset="0"/>
+              <a:buChar char="•"/>
+            </a:pPr>
+            <a:endParaRPr lang="en-SG" sz="1200" b="1" dirty="0" smtClean="0"/>
+          </a:p>
+          <a:p>
+            <a:pPr lvl="1">
+              <a:buFont typeface="Arial" panose="020B0604020202020204" pitchFamily="34" charset="0"/>
+              <a:buChar char="•"/>
+            </a:pPr>
+            <a:r>
+              <a:rPr lang="en-SG" sz="1200" b="1" dirty="0" smtClean="0"/>
+              <a:t>Visualizations:</a:t>
+            </a:r>
+          </a:p>
+          <a:p>
+            <a:pPr marL="457200" lvl="1" indent="0">
+              <a:buNone/>
+            </a:pPr>
+            <a:endParaRPr lang="en-US" sz="1200" b="1" dirty="0"/>
+          </a:p>
+          <a:p>
+            <a:pPr marL="457200" lvl="1" indent="0">
+              <a:buNone/>
+            </a:pPr>
+            <a:endParaRPr lang="en-US" sz="1200" b="1" dirty="0"/>
+          </a:p>
+          <a:p>
+            <a:pPr marL="457200" lvl="1" indent="0">
+              <a:buNone/>
+            </a:pPr>
+            <a:endParaRPr lang="en-US" sz="1200" b="1" dirty="0" smtClean="0"/>
+          </a:p>
+          <a:p>
+            <a:pPr marL="457200" lvl="1" indent="0">
+              <a:buNone/>
+            </a:pPr>
+            <a:endParaRPr lang="en-US" sz="1200" b="1" dirty="0"/>
+          </a:p>
+          <a:p>
+            <a:pPr marL="457200" lvl="1" indent="0">
+              <a:buNone/>
+            </a:pPr>
+            <a:endParaRPr lang="en-US" sz="1200" b="1" dirty="0" smtClean="0"/>
+          </a:p>
+          <a:p>
+            <a:pPr marL="457200" lvl="1" indent="0">
+              <a:buNone/>
+            </a:pPr>
+            <a:endParaRPr lang="en-US" sz="1200" b="1" dirty="0"/>
+          </a:p>
+          <a:p>
+            <a:pPr marL="457200" lvl="1" indent="0">
+              <a:buNone/>
+            </a:pPr>
+            <a:endParaRPr lang="en-US" sz="1200" b="1" dirty="0" smtClean="0"/>
+          </a:p>
+          <a:p>
+            <a:pPr marL="457200" lvl="1" indent="0">
+              <a:buNone/>
+            </a:pPr>
+            <a:endParaRPr lang="en-US" sz="1200" b="1" dirty="0"/>
+          </a:p>
+          <a:p>
+            <a:pPr marL="457200" lvl="1" indent="0">
+              <a:buNone/>
+            </a:pPr>
+            <a:endParaRPr lang="en-US" sz="1200" b="1" dirty="0" smtClean="0"/>
+          </a:p>
+          <a:p>
+            <a:pPr marL="457200" lvl="1" indent="0">
+              <a:buNone/>
+            </a:pPr>
+            <a:endParaRPr lang="en-US" sz="1200" b="1" dirty="0"/>
+          </a:p>
+          <a:p>
+            <a:pPr marL="457200" lvl="1" indent="0">
+              <a:buNone/>
+            </a:pPr>
+            <a:endParaRPr lang="en-SG" sz="1200" b="1" dirty="0" smtClean="0"/>
+          </a:p>
+          <a:p>
+            <a:pPr lvl="1">
+              <a:buFont typeface="Arial" panose="020B0604020202020204" pitchFamily="34" charset="0"/>
+              <a:buChar char="•"/>
+            </a:pPr>
+            <a:endParaRPr lang="en-SG" sz="1200" b="1" dirty="0" smtClean="0"/>
+          </a:p>
+          <a:p>
+            <a:pPr lvl="1">
+              <a:buFont typeface="Arial" panose="020B0604020202020204" pitchFamily="34" charset="0"/>
+              <a:buChar char="•"/>
+            </a:pPr>
+            <a:r>
+              <a:rPr lang="en-SG" sz="1200" b="1" dirty="0" smtClean="0"/>
+              <a:t>Findings:</a:t>
+            </a:r>
+            <a:endParaRPr lang="en-SG" sz="1200" b="1" dirty="0"/>
+          </a:p>
+          <a:p>
+            <a:pPr lvl="2">
+              <a:buFont typeface="Wingdings" panose="05000000000000000000" pitchFamily="2" charset="2"/>
+              <a:buChar char="Ø"/>
+            </a:pPr>
+            <a:r>
               <a:rPr lang="en-SG" sz="1200" dirty="0"/>
-              <a:t>Can confirm above understanding that even though hatchback and wagon have similar wheel base, the design of hatchbacks allow for </a:t>
+              <a:t>Safe cars are </a:t>
             </a:r>
             <a:r>
               <a:rPr lang="en-SG" sz="1200" dirty="0" smtClean="0"/>
-              <a:t>flexibility </a:t>
+              <a:t>Volvo </a:t>
             </a:r>
             <a:r>
               <a:rPr lang="en-SG" sz="1200" dirty="0"/>
-              <a:t>in space and hence is more </a:t>
+              <a:t>(</a:t>
             </a:r>
             <a:r>
               <a:rPr lang="en-SG" sz="1200" dirty="0" smtClean="0"/>
-              <a:t>preferred</a:t>
+              <a:t>safest with 11 cars) followed </a:t>
+            </a:r>
+            <a:r>
+              <a:rPr lang="en-SG" sz="1200" dirty="0"/>
+              <a:t>by </a:t>
+            </a:r>
+            <a:r>
+              <a:rPr lang="en-SG" sz="1200" dirty="0" smtClean="0"/>
+              <a:t>Peugot (11 cars) and Jaguar (3 cars)</a:t>
             </a:r>
             <a:endParaRPr lang="en-SG" sz="1200" dirty="0"/>
+          </a:p>
+          <a:p>
+            <a:pPr lvl="2">
+              <a:buFont typeface="Wingdings" panose="05000000000000000000" pitchFamily="2" charset="2"/>
+              <a:buChar char="Ø"/>
+            </a:pPr>
+            <a:r>
+              <a:rPr lang="en-SG" sz="1200" dirty="0"/>
+              <a:t>Risky car are </a:t>
+            </a:r>
+            <a:r>
+              <a:rPr lang="en-SG" sz="1200" dirty="0" smtClean="0"/>
+              <a:t>Porsche (4 cars) and Saab (3 cars each for risk rating of 2 and 3)</a:t>
+            </a:r>
+            <a:r>
+              <a:rPr lang="en-US" sz="1200" dirty="0" smtClean="0"/>
+              <a:t> </a:t>
+            </a:r>
+            <a:endParaRPr lang="en-US" sz="1200" dirty="0"/>
+          </a:p>
+          <a:p>
+            <a:pPr marL="457200" lvl="1" indent="0">
+              <a:buNone/>
+            </a:pPr>
+            <a:endParaRPr lang="en-US" sz="1200" b="1" dirty="0" smtClean="0"/>
+          </a:p>
+          <a:p>
+            <a:pPr lvl="1">
+              <a:buFont typeface="Arial" panose="020B0604020202020204" pitchFamily="34" charset="0"/>
+              <a:buChar char="•"/>
+            </a:pPr>
+            <a:endParaRPr lang="en-SG" sz="1200" b="1" dirty="0" smtClean="0"/>
+          </a:p>
+          <a:p>
+            <a:pPr lvl="1">
+              <a:buFont typeface="Arial" panose="020B0604020202020204" pitchFamily="34" charset="0"/>
+              <a:buChar char="•"/>
+            </a:pPr>
+            <a:endParaRPr lang="en-SG" sz="1200" b="1" dirty="0"/>
+          </a:p>
+          <a:p>
+            <a:pPr lvl="1">
+              <a:buFont typeface="Arial" panose="020B0604020202020204" pitchFamily="34" charset="0"/>
+              <a:buChar char="•"/>
+            </a:pPr>
+            <a:endParaRPr lang="en-SG" sz="1200" b="1" dirty="0" smtClean="0"/>
+          </a:p>
+          <a:p>
+            <a:pPr lvl="1">
+              <a:buFont typeface="Arial" panose="020B0604020202020204" pitchFamily="34" charset="0"/>
+              <a:buChar char="•"/>
+            </a:pPr>
+            <a:endParaRPr lang="en-SG" sz="1200" b="1" dirty="0"/>
+          </a:p>
+          <a:p>
+            <a:pPr lvl="1">
+              <a:buFont typeface="Arial" panose="020B0604020202020204" pitchFamily="34" charset="0"/>
+              <a:buChar char="•"/>
+            </a:pPr>
+            <a:endParaRPr lang="en-SG" sz="1200" b="1" dirty="0" smtClean="0"/>
+          </a:p>
+          <a:p>
+            <a:pPr lvl="1">
+              <a:buFont typeface="Arial" panose="020B0604020202020204" pitchFamily="34" charset="0"/>
+              <a:buChar char="•"/>
+            </a:pPr>
+            <a:endParaRPr lang="en-SG" sz="1200" b="1" dirty="0"/>
+          </a:p>
+          <a:p>
+            <a:pPr lvl="1">
+              <a:buFont typeface="Arial" panose="020B0604020202020204" pitchFamily="34" charset="0"/>
+              <a:buChar char="•"/>
+            </a:pPr>
+            <a:endParaRPr lang="en-SG" sz="1200" b="1" dirty="0" smtClean="0"/>
+          </a:p>
+          <a:p>
+            <a:pPr marL="457200" lvl="1" indent="0">
+              <a:buNone/>
+            </a:pPr>
+            <a:endParaRPr lang="en-SG" sz="1200" b="1" dirty="0"/>
           </a:p>
         </p:txBody>
       </p:sp>
+      <p:pic>
+        <p:nvPicPr>
+          <p:cNvPr id="12290" name="Picture 2"/>
+          <p:cNvPicPr>
+            <a:picLocks noChangeAspect="1" noChangeArrowheads="1"/>
+          </p:cNvPicPr>
+          <p:nvPr/>
+        </p:nvPicPr>
+        <p:blipFill>
+          <a:blip r:embed="rId2" cstate="print">
+            <a:extLst>
+              <a:ext uri="{28A0092B-C50C-407E-A947-70E740481C1C}">
+                <a14:useLocalDpi xmlns="" xmlns:a14="http://schemas.microsoft.com/office/drawing/2010/main" val="0"/>
+              </a:ext>
+            </a:extLst>
+          </a:blip>
+          <a:srcRect/>
+          <a:stretch>
+            <a:fillRect/>
+          </a:stretch>
+        </p:blipFill>
+        <p:spPr bwMode="auto">
+          <a:xfrm>
+            <a:off x="-85725" y="3006849"/>
+            <a:ext cx="9229725" cy="2495550"/>
+          </a:xfrm>
+          <a:prstGeom prst="rect">
+            <a:avLst/>
+          </a:prstGeom>
+          <a:noFill/>
+          <a:ln>
+            <a:noFill/>
+          </a:ln>
+          <a:extLst>
+            <a:ext uri="{909E8E84-426E-40DD-AFC4-6F175D3DCCD1}">
+              <a14:hiddenFill xmlns="" xmlns:a14="http://schemas.microsoft.com/office/drawing/2010/main">
+                <a:solidFill>
+                  <a:schemeClr val="accent1"/>
+                </a:solidFill>
+              </a14:hiddenFill>
+            </a:ext>
+            <a:ext uri="{91240B29-F687-4F45-9708-019B960494DF}">
+              <a14:hiddenLine xmlns="" xmlns:a14="http://schemas.microsoft.com/office/drawing/2010/main" w="9525">
+                <a:solidFill>
+                  <a:schemeClr val="tx1"/>
+                </a:solidFill>
+                <a:miter lim="800000"/>
+                <a:headEnd/>
+                <a:tailEnd/>
+              </a14:hiddenLine>
+            </a:ext>
+          </a:extLst>
+        </p:spPr>
+      </p:pic>
+      <p:pic>
+        <p:nvPicPr>
+          <p:cNvPr id="4" name="Picture 3"/>
+          <p:cNvPicPr>
+            <a:picLocks noChangeAspect="1"/>
+          </p:cNvPicPr>
+          <p:nvPr/>
+        </p:nvPicPr>
+        <p:blipFill>
+          <a:blip r:embed="rId3" cstate="print">
+            <a:extLst>
+              <a:ext uri="{28A0092B-C50C-407E-A947-70E740481C1C}">
+                <a14:useLocalDpi xmlns="" xmlns:a14="http://schemas.microsoft.com/office/drawing/2010/main" val="0"/>
+              </a:ext>
+            </a:extLst>
+          </a:blip>
+          <a:stretch>
+            <a:fillRect/>
+          </a:stretch>
+        </p:blipFill>
+        <p:spPr>
+          <a:xfrm>
+            <a:off x="6300192" y="260648"/>
+            <a:ext cx="2016224" cy="1172702"/>
+          </a:xfrm>
+          <a:prstGeom prst="rect">
+            <a:avLst/>
+          </a:prstGeom>
+        </p:spPr>
+      </p:pic>
     </p:spTree>
     <p:extLst>
       <p:ext uri="{BB962C8B-B14F-4D97-AF65-F5344CB8AC3E}">
-        <p14:creationId xmlns:p14="http://schemas.microsoft.com/office/powerpoint/2010/main" xmlns="" val="4231514729"/>
+        <p14:creationId xmlns="" xmlns:p14="http://schemas.microsoft.com/office/powerpoint/2010/main" val="3827198138"/>
       </p:ext>
     </p:extLst>
   </p:cSld>
@@ -5253,22 +5365,19 @@
             </a:br>
             <a:r>
               <a:rPr lang="en-SG" sz="3200" dirty="0" smtClean="0"/>
-              <a:t/>
+              <a:t>Q7: F</a:t>
+            </a:r>
+            <a:r>
+              <a:rPr lang="en-US" sz="3200" dirty="0" smtClean="0"/>
+              <a:t>or </a:t>
+            </a:r>
+            <a:r>
+              <a:rPr lang="en-US" sz="3200" dirty="0"/>
+              <a:t>same mileage cars, which fuel type cars are costlier ?</a:t>
             </a:r>
             <a:br>
-              <a:rPr lang="en-SG" sz="3200" dirty="0" smtClean="0"/>
+              <a:rPr lang="en-US" sz="3200" dirty="0"/>
             </a:br>
-            <a:r>
-              <a:rPr lang="en-SG" sz="3200" dirty="0" smtClean="0"/>
-              <a:t>Q6: Which cars are safe ?</a:t>
-            </a:r>
-            <a:br>
-              <a:rPr lang="en-SG" sz="3200" dirty="0" smtClean="0"/>
-            </a:br>
-            <a:r>
-              <a:rPr lang="en-US" sz="3200" dirty="0" smtClean="0"/>
-              <a:t> </a:t>
-            </a:r>
             <a:r>
               <a:rPr lang="en-SG" sz="3200" dirty="0"/>
               <a:t/>
@@ -5313,24 +5422,123 @@
             </a:pPr>
             <a:r>
               <a:rPr lang="en-US" sz="1200" dirty="0" smtClean="0"/>
-              <a:t>To </a:t>
-            </a:r>
-            <a:r>
-              <a:rPr lang="en-US" sz="1200" dirty="0"/>
-              <a:t>plot a </a:t>
+              <a:t>To plot the </a:t>
             </a:r>
             <a:r>
               <a:rPr lang="en-US" sz="1200" b="1" i="1" dirty="0" smtClean="0"/>
-              <a:t>Swarmplot</a:t>
+              <a:t>bar plot</a:t>
             </a:r>
             <a:r>
               <a:rPr lang="en-US" sz="1200" dirty="0" smtClean="0"/>
-              <a:t> </a:t>
-            </a:r>
-            <a:r>
-              <a:rPr lang="en-US" sz="1200" dirty="0"/>
-              <a:t>to risk ratings of vehicles for various make.</a:t>
-            </a:r>
+              <a:t> of fuel type, price and city mpg </a:t>
+            </a:r>
+          </a:p>
+          <a:p>
+            <a:pPr lvl="1">
+              <a:buFont typeface="Arial" panose="020B0604020202020204" pitchFamily="34" charset="0"/>
+              <a:buChar char="•"/>
+            </a:pPr>
+            <a:endParaRPr lang="en-SG" sz="1200" b="1" dirty="0" smtClean="0"/>
+          </a:p>
+          <a:p>
+            <a:pPr lvl="1">
+              <a:buFont typeface="Arial" panose="020B0604020202020204" pitchFamily="34" charset="0"/>
+              <a:buChar char="•"/>
+            </a:pPr>
+            <a:r>
+              <a:rPr lang="en-SG" sz="1200" b="1" dirty="0" smtClean="0"/>
+              <a:t>Visualizations:</a:t>
+            </a:r>
+          </a:p>
+          <a:p>
+            <a:pPr marL="457200" lvl="1" indent="0">
+              <a:buNone/>
+            </a:pPr>
+            <a:endParaRPr lang="en-US" sz="1200" b="1" dirty="0" smtClean="0"/>
+          </a:p>
+          <a:p>
+            <a:pPr marL="457200" lvl="1" indent="0">
+              <a:buNone/>
+            </a:pPr>
+            <a:endParaRPr lang="en-US" sz="1200" b="1" dirty="0"/>
+          </a:p>
+          <a:p>
+            <a:pPr marL="457200" lvl="1" indent="0">
+              <a:buNone/>
+            </a:pPr>
+            <a:endParaRPr lang="en-US" sz="1200" b="1" dirty="0"/>
+          </a:p>
+          <a:p>
+            <a:pPr marL="457200" lvl="1" indent="0">
+              <a:buNone/>
+            </a:pPr>
+            <a:endParaRPr lang="en-US" sz="1200" b="1" dirty="0" smtClean="0"/>
+          </a:p>
+          <a:p>
+            <a:pPr marL="457200" lvl="1" indent="0">
+              <a:buNone/>
+            </a:pPr>
+            <a:endParaRPr lang="en-US" sz="1200" b="1" dirty="0"/>
+          </a:p>
+          <a:p>
+            <a:pPr marL="457200" lvl="1" indent="0">
+              <a:buNone/>
+            </a:pPr>
+            <a:endParaRPr lang="en-US" sz="1200" b="1" dirty="0" smtClean="0"/>
+          </a:p>
+          <a:p>
+            <a:pPr marL="457200" lvl="1" indent="0">
+              <a:buNone/>
+            </a:pPr>
+            <a:endParaRPr lang="en-US" sz="1200" b="1" dirty="0"/>
+          </a:p>
+          <a:p>
+            <a:pPr marL="457200" lvl="1" indent="0">
+              <a:buNone/>
+            </a:pPr>
+            <a:endParaRPr lang="en-US" sz="1200" b="1" dirty="0" smtClean="0"/>
+          </a:p>
+          <a:p>
+            <a:pPr marL="457200" lvl="1" indent="0">
+              <a:buNone/>
+            </a:pPr>
+            <a:endParaRPr lang="en-US" sz="1200" b="1" dirty="0"/>
+          </a:p>
+          <a:p>
+            <a:pPr marL="457200" lvl="1" indent="0">
+              <a:buNone/>
+            </a:pPr>
+            <a:endParaRPr lang="en-US" sz="1200" b="1" dirty="0" smtClean="0"/>
+          </a:p>
+          <a:p>
+            <a:pPr marL="457200" lvl="1" indent="0">
+              <a:buNone/>
+            </a:pPr>
+            <a:endParaRPr lang="en-US" sz="1200" b="1" dirty="0"/>
+          </a:p>
+          <a:p>
+            <a:pPr marL="457200" lvl="1" indent="0">
+              <a:buNone/>
+            </a:pPr>
+            <a:endParaRPr lang="en-SG" sz="1200" b="1" dirty="0" smtClean="0"/>
+          </a:p>
+          <a:p>
+            <a:pPr lvl="1">
+              <a:buFont typeface="Arial" panose="020B0604020202020204" pitchFamily="34" charset="0"/>
+              <a:buChar char="•"/>
+            </a:pPr>
+            <a:endParaRPr lang="en-SG" sz="1200" b="1" dirty="0" smtClean="0"/>
+          </a:p>
+          <a:p>
+            <a:pPr lvl="1">
+              <a:buFont typeface="Arial" panose="020B0604020202020204" pitchFamily="34" charset="0"/>
+              <a:buChar char="•"/>
+            </a:pPr>
+            <a:r>
+              <a:rPr lang="en-SG" sz="1200" b="1" dirty="0" smtClean="0"/>
+              <a:t>Findings:</a:t>
+            </a:r>
+            <a:endParaRPr lang="en-SG" sz="1200" b="1" dirty="0"/>
           </a:p>
           <a:p>
             <a:pPr lvl="2">
@@ -5338,126 +5546,17 @@
               <a:buChar char="Ø"/>
             </a:pPr>
             <a:r>
-              <a:rPr lang="en-US" sz="1200" dirty="0"/>
-              <a:t>Here </a:t>
-            </a:r>
-            <a:r>
-              <a:rPr lang="en-US" sz="1200" b="1" i="1" dirty="0" smtClean="0"/>
-              <a:t>Swarmplot </a:t>
-            </a:r>
-            <a:r>
-              <a:rPr lang="en-US" sz="1200" dirty="0"/>
-              <a:t>is used as it enables to plot categorical </a:t>
-            </a:r>
-            <a:r>
-              <a:rPr lang="en-US" sz="1200" dirty="0" smtClean="0"/>
-              <a:t>data</a:t>
-            </a:r>
-            <a:r>
-              <a:rPr lang="en-US" sz="1200" dirty="0"/>
-              <a:t> and avoids overlapping points to get the actual feel of data.</a:t>
-            </a:r>
-          </a:p>
-          <a:p>
-            <a:pPr lvl="1">
-              <a:buFont typeface="Arial" panose="020B0604020202020204" pitchFamily="34" charset="0"/>
-              <a:buChar char="•"/>
-            </a:pPr>
-            <a:endParaRPr lang="en-SG" sz="1200" b="1" dirty="0" smtClean="0"/>
-          </a:p>
-          <a:p>
-            <a:pPr lvl="1">
-              <a:buFont typeface="Arial" panose="020B0604020202020204" pitchFamily="34" charset="0"/>
-              <a:buChar char="•"/>
-            </a:pPr>
-            <a:r>
-              <a:rPr lang="en-SG" sz="1200" b="1" dirty="0" smtClean="0"/>
-              <a:t>Visualizations:</a:t>
-            </a:r>
-          </a:p>
-          <a:p>
-            <a:pPr marL="457200" lvl="1" indent="0">
-              <a:buNone/>
-            </a:pPr>
-            <a:endParaRPr lang="en-US" sz="1200" b="1" dirty="0"/>
-          </a:p>
-          <a:p>
-            <a:pPr marL="457200" lvl="1" indent="0">
-              <a:buNone/>
-            </a:pPr>
-            <a:endParaRPr lang="en-US" sz="1200" b="1" dirty="0"/>
-          </a:p>
-          <a:p>
-            <a:pPr marL="457200" lvl="1" indent="0">
-              <a:buNone/>
-            </a:pPr>
-            <a:endParaRPr lang="en-US" sz="1200" b="1" dirty="0" smtClean="0"/>
-          </a:p>
-          <a:p>
-            <a:pPr marL="457200" lvl="1" indent="0">
-              <a:buNone/>
-            </a:pPr>
-            <a:endParaRPr lang="en-US" sz="1200" b="1" dirty="0"/>
-          </a:p>
-          <a:p>
-            <a:pPr marL="457200" lvl="1" indent="0">
-              <a:buNone/>
-            </a:pPr>
-            <a:endParaRPr lang="en-US" sz="1200" b="1" dirty="0" smtClean="0"/>
-          </a:p>
-          <a:p>
-            <a:pPr marL="457200" lvl="1" indent="0">
-              <a:buNone/>
-            </a:pPr>
-            <a:endParaRPr lang="en-US" sz="1200" b="1" dirty="0"/>
-          </a:p>
-          <a:p>
-            <a:pPr marL="457200" lvl="1" indent="0">
-              <a:buNone/>
-            </a:pPr>
-            <a:endParaRPr lang="en-US" sz="1200" b="1" dirty="0" smtClean="0"/>
-          </a:p>
-          <a:p>
-            <a:pPr marL="457200" lvl="1" indent="0">
-              <a:buNone/>
-            </a:pPr>
-            <a:endParaRPr lang="en-US" sz="1200" b="1" dirty="0"/>
-          </a:p>
-          <a:p>
-            <a:pPr marL="457200" lvl="1" indent="0">
-              <a:buNone/>
-            </a:pPr>
-            <a:endParaRPr lang="en-US" sz="1200" b="1" dirty="0" smtClean="0"/>
-          </a:p>
-          <a:p>
-            <a:pPr marL="457200" lvl="1" indent="0">
-              <a:buNone/>
-            </a:pPr>
-            <a:endParaRPr lang="en-US" sz="1200" b="1" dirty="0"/>
-          </a:p>
-          <a:p>
-            <a:pPr marL="457200" lvl="1" indent="0">
-              <a:buNone/>
-            </a:pPr>
-            <a:endParaRPr lang="en-SG" sz="1200" b="1" dirty="0" smtClean="0"/>
-          </a:p>
-          <a:p>
-            <a:pPr lvl="1">
-              <a:buFont typeface="Arial" panose="020B0604020202020204" pitchFamily="34" charset="0"/>
-              <a:buChar char="•"/>
-            </a:pPr>
-            <a:endParaRPr lang="en-SG" sz="1200" b="1" dirty="0" smtClean="0"/>
-          </a:p>
-          <a:p>
-            <a:pPr lvl="1">
-              <a:buFont typeface="Arial" panose="020B0604020202020204" pitchFamily="34" charset="0"/>
-              <a:buChar char="•"/>
-            </a:pPr>
-            <a:r>
-              <a:rPr lang="en-SG" sz="1200" b="1" dirty="0" smtClean="0"/>
-              <a:t>Findings:</a:t>
-            </a:r>
-            <a:endParaRPr lang="en-SG" sz="1200" b="1" dirty="0"/>
+              <a:rPr lang="en-SG" sz="1200" dirty="0"/>
+              <a:t>For </a:t>
+            </a:r>
+            <a:r>
+              <a:rPr lang="en-SG" sz="1200" dirty="0" smtClean="0"/>
+              <a:t>high priced </a:t>
+            </a:r>
+            <a:r>
+              <a:rPr lang="en-SG" sz="1200" dirty="0"/>
+              <a:t>vehicles, gas is preferred</a:t>
+            </a:r>
           </a:p>
           <a:p>
             <a:pPr lvl="2">
@@ -5466,42 +5565,11 @@
             </a:pPr>
             <a:r>
               <a:rPr lang="en-SG" sz="1200" dirty="0"/>
-              <a:t>Safe cars are </a:t>
+              <a:t>For different fuel type cars giving same mileage, diesel vehicles are more costlier than gas </a:t>
             </a:r>
             <a:r>
               <a:rPr lang="en-SG" sz="1200" dirty="0" smtClean="0"/>
-              <a:t>Volvo </a:t>
-            </a:r>
-            <a:r>
-              <a:rPr lang="en-SG" sz="1200" dirty="0"/>
-              <a:t>(</a:t>
-            </a:r>
-            <a:r>
-              <a:rPr lang="en-SG" sz="1200" dirty="0" smtClean="0"/>
-              <a:t>safest with 11 cars) followed </a:t>
-            </a:r>
-            <a:r>
-              <a:rPr lang="en-SG" sz="1200" dirty="0"/>
-              <a:t>by </a:t>
-            </a:r>
-            <a:r>
-              <a:rPr lang="en-SG" sz="1200" dirty="0" smtClean="0"/>
-              <a:t>Peugot (11 cars) and Jaguar (3 cars)</a:t>
-            </a:r>
-            <a:endParaRPr lang="en-SG" sz="1200" dirty="0"/>
-          </a:p>
-          <a:p>
-            <a:pPr lvl="2">
-              <a:buFont typeface="Wingdings" panose="05000000000000000000" pitchFamily="2" charset="2"/>
-              <a:buChar char="Ø"/>
-            </a:pPr>
-            <a:r>
-              <a:rPr lang="en-SG" sz="1200" dirty="0"/>
-              <a:t>Risky car are </a:t>
-            </a:r>
-            <a:r>
-              <a:rPr lang="en-SG" sz="1200" dirty="0" smtClean="0"/>
-              <a:t>Porsche (4 cars) and Saab (3 cars each for risk rating of 2 and 3)</a:t>
+              <a:t>vehicles </a:t>
             </a:r>
             <a:r>
               <a:rPr lang="en-US" sz="1200" dirty="0" smtClean="0"/>
@@ -5574,7 +5642,7 @@
       </p:sp>
       <p:pic>
         <p:nvPicPr>
-          <p:cNvPr id="12290" name="Picture 2"/>
+          <p:cNvPr id="10242" name="Picture 2"/>
           <p:cNvPicPr>
             <a:picLocks noChangeAspect="1" noChangeArrowheads="1"/>
           </p:cNvPicPr>
@@ -5584,7 +5652,7 @@
           <a:blip r:embed="rId2" cstate="print">
             <a:extLst>
               <a:ext uri="{28A0092B-C50C-407E-A947-70E740481C1C}">
-                <a14:useLocalDpi xmlns:a14="http://schemas.microsoft.com/office/drawing/2010/main" xmlns="" val="0"/>
+                <a14:useLocalDpi xmlns="" xmlns:a14="http://schemas.microsoft.com/office/drawing/2010/main" val="0"/>
               </a:ext>
             </a:extLst>
           </a:blip>
@@ -5595,8 +5663,8 @@
         </p:blipFill>
         <p:spPr bwMode="auto">
           <a:xfrm>
-            <a:off x="-85725" y="3006849"/>
-            <a:ext cx="9229725" cy="2495550"/>
+            <a:off x="2195736" y="2636912"/>
+            <a:ext cx="5976664" cy="2912538"/>
           </a:xfrm>
           <a:prstGeom prst="rect">
             <a:avLst/>
@@ -5607,14 +5675,14 @@
           </a:ln>
           <a:extLst>
             <a:ext uri="{909E8E84-426E-40DD-AFC4-6F175D3DCCD1}">
-              <a14:hiddenFill xmlns:a14="http://schemas.microsoft.com/office/drawing/2010/main" xmlns="">
+              <a14:hiddenFill xmlns="" xmlns:a14="http://schemas.microsoft.com/office/drawing/2010/main">
                 <a:solidFill>
                   <a:schemeClr val="accent1"/>
                 </a:solidFill>
               </a14:hiddenFill>
             </a:ext>
             <a:ext uri="{91240B29-F687-4F45-9708-019B960494DF}">
-              <a14:hiddenLine xmlns:a14="http://schemas.microsoft.com/office/drawing/2010/main" xmlns="" w="9525">
+              <a14:hiddenLine xmlns="" xmlns:a14="http://schemas.microsoft.com/office/drawing/2010/main" w="9525">
                 <a:solidFill>
                   <a:schemeClr val="tx1"/>
                 </a:solidFill>
@@ -5626,40 +5694,10 @@
           </a:extLst>
         </p:spPr>
       </p:pic>
-      <p:pic>
-        <p:nvPicPr>
-          <p:cNvPr id="4" name="Picture 3"/>
-          <p:cNvPicPr>
-            <a:picLocks noChangeAspect="1"/>
-          </p:cNvPicPr>
-          <p:nvPr/>
-        </p:nvPicPr>
-        <p:blipFill>
-          <a:blip r:embed="rId3" cstate="print">
-            <a:extLst>
-              <a:ext uri="{28A0092B-C50C-407E-A947-70E740481C1C}">
-                <a14:useLocalDpi xmlns:a14="http://schemas.microsoft.com/office/drawing/2010/main" xmlns="" val="0"/>
-              </a:ext>
-            </a:extLst>
-          </a:blip>
-          <a:stretch>
-            <a:fillRect/>
-          </a:stretch>
-        </p:blipFill>
-        <p:spPr>
-          <a:xfrm>
-            <a:off x="6300192" y="260648"/>
-            <a:ext cx="2016224" cy="1172702"/>
-          </a:xfrm>
-          <a:prstGeom prst="rect">
-            <a:avLst/>
-          </a:prstGeom>
-        </p:spPr>
-      </p:pic>
     </p:spTree>
     <p:extLst>
       <p:ext uri="{BB962C8B-B14F-4D97-AF65-F5344CB8AC3E}">
-        <p14:creationId xmlns:p14="http://schemas.microsoft.com/office/powerpoint/2010/main" xmlns="" val="3827198138"/>
+        <p14:creationId xmlns="" xmlns:p14="http://schemas.microsoft.com/office/powerpoint/2010/main" val="1918197335"/>
       </p:ext>
     </p:extLst>
   </p:cSld>
@@ -5727,15 +5765,18 @@
             </a:br>
             <a:r>
               <a:rPr lang="en-SG" sz="3200" dirty="0" smtClean="0"/>
-              <a:t>Q7: F</a:t>
-            </a:r>
-            <a:r>
-              <a:rPr lang="en-US" sz="3200" dirty="0" smtClean="0"/>
-              <a:t>or </a:t>
+              <a:t>Q8: </a:t>
             </a:r>
             <a:r>
               <a:rPr lang="en-US" sz="3200" dirty="0"/>
-              <a:t>same mileage cars, which fuel type cars are costlier ?</a:t>
+              <a:t>Which drive wheels is preferred and why ?</a:t>
+            </a:r>
+            <a:br>
+              <a:rPr lang="en-US" sz="3200" dirty="0"/>
+            </a:br>
+            <a:r>
+              <a:rPr lang="en-US" sz="3200" dirty="0"/>
+              <a:t/>
             </a:r>
             <a:br>
               <a:rPr lang="en-US" sz="3200" dirty="0"/>
@@ -5784,7 +5825,7 @@
             </a:pPr>
             <a:r>
               <a:rPr lang="en-US" sz="1200" dirty="0" smtClean="0"/>
-              <a:t>To plot the </a:t>
+              <a:t>To plot a horizontal </a:t>
             </a:r>
             <a:r>
               <a:rPr lang="en-US" sz="1200" b="1" i="1" dirty="0" smtClean="0"/>
@@ -5792,7 +5833,17 @@
             </a:r>
             <a:r>
               <a:rPr lang="en-US" sz="1200" dirty="0" smtClean="0"/>
-              <a:t> of fuel type, price and city mpg </a:t>
+              <a:t> of make, curb-weight and drive wheel.</a:t>
+            </a:r>
+          </a:p>
+          <a:p>
+            <a:pPr lvl="2">
+              <a:buFont typeface="Wingdings" panose="05000000000000000000" pitchFamily="2" charset="2"/>
+              <a:buChar char="Ø"/>
+            </a:pPr>
+            <a:r>
+              <a:rPr lang="en-US" sz="1200" dirty="0" smtClean="0"/>
+              <a:t>Here horizontal plot is used so as to display the make.</a:t>
             </a:r>
           </a:p>
           <a:p>
@@ -5843,155 +5894,133 @@
             <a:endParaRPr lang="en-US" sz="1200" b="1" dirty="0"/>
           </a:p>
           <a:p>
-            <a:pPr marL="457200" lvl="1" indent="0">
-              <a:buNone/>
-            </a:pPr>
-            <a:endParaRPr lang="en-US" sz="1200" b="1" dirty="0" smtClean="0"/>
-          </a:p>
-          <a:p>
-            <a:pPr marL="457200" lvl="1" indent="0">
-              <a:buNone/>
-            </a:pPr>
-            <a:endParaRPr lang="en-US" sz="1200" b="1" dirty="0"/>
-          </a:p>
-          <a:p>
-            <a:pPr marL="457200" lvl="1" indent="0">
-              <a:buNone/>
-            </a:pPr>
-            <a:endParaRPr lang="en-US" sz="1200" b="1" dirty="0" smtClean="0"/>
-          </a:p>
-          <a:p>
-            <a:pPr marL="457200" lvl="1" indent="0">
-              <a:buNone/>
-            </a:pPr>
-            <a:endParaRPr lang="en-US" sz="1200" b="1" dirty="0"/>
-          </a:p>
-          <a:p>
-            <a:pPr marL="457200" lvl="1" indent="0">
-              <a:buNone/>
-            </a:pPr>
-            <a:endParaRPr lang="en-US" sz="1200" b="1" dirty="0" smtClean="0"/>
-          </a:p>
-          <a:p>
-            <a:pPr marL="457200" lvl="1" indent="0">
-              <a:buNone/>
-            </a:pPr>
-            <a:endParaRPr lang="en-US" sz="1200" b="1" dirty="0"/>
-          </a:p>
-          <a:p>
-            <a:pPr marL="457200" lvl="1" indent="0">
-              <a:buNone/>
-            </a:pPr>
-            <a:endParaRPr lang="en-SG" sz="1200" b="1" dirty="0" smtClean="0"/>
-          </a:p>
-          <a:p>
             <a:pPr lvl="1">
               <a:buFont typeface="Arial" panose="020B0604020202020204" pitchFamily="34" charset="0"/>
               <a:buChar char="•"/>
             </a:pPr>
-            <a:endParaRPr lang="en-SG" sz="1200" b="1" dirty="0" smtClean="0"/>
+            <a:r>
+              <a:rPr lang="en-SG" sz="1200" b="1" dirty="0" smtClean="0"/>
+              <a:t>Findings:</a:t>
+            </a:r>
+            <a:endParaRPr lang="en-SG" sz="1200" b="1" dirty="0"/>
+          </a:p>
+          <a:p>
+            <a:pPr lvl="2">
+              <a:buFont typeface="Wingdings" panose="05000000000000000000" pitchFamily="2" charset="2"/>
+              <a:buChar char="Ø"/>
+            </a:pPr>
+            <a:r>
+              <a:rPr lang="en-SG" sz="1200" dirty="0" smtClean="0"/>
+              <a:t>Front </a:t>
+            </a:r>
+            <a:r>
+              <a:rPr lang="en-SG" sz="1200" dirty="0"/>
+              <a:t>wheel drive (fwd) and rear wheel drive (rwd) are preferred compared to four wheel drive(4wd) </a:t>
+            </a:r>
+            <a:endParaRPr lang="en-SG" sz="1200" dirty="0" smtClean="0"/>
+          </a:p>
+          <a:p>
+            <a:pPr lvl="2">
+              <a:buFont typeface="Wingdings" panose="05000000000000000000" pitchFamily="2" charset="2"/>
+              <a:buChar char="Ø"/>
+            </a:pPr>
+            <a:r>
+              <a:rPr lang="en-SG" sz="1200" dirty="0" smtClean="0"/>
+              <a:t>The </a:t>
+            </a:r>
+            <a:r>
+              <a:rPr lang="en-SG" sz="1200" dirty="0"/>
+              <a:t>most preferred is rwd. The curb weight of rwd is highest </a:t>
+            </a:r>
+            <a:r>
+              <a:rPr lang="en-SG" sz="1200" dirty="0" smtClean="0"/>
+              <a:t>amongst </a:t>
+            </a:r>
+            <a:r>
+              <a:rPr lang="en-SG" sz="1200" dirty="0"/>
+              <a:t>all. Rwd provide better balance and is </a:t>
+            </a:r>
+            <a:r>
+              <a:rPr lang="en-SG" sz="1200" dirty="0" smtClean="0"/>
+              <a:t>preferred</a:t>
+            </a:r>
+          </a:p>
+          <a:p>
+            <a:pPr lvl="2">
+              <a:buFont typeface="Wingdings" panose="05000000000000000000" pitchFamily="2" charset="2"/>
+              <a:buChar char="Ø"/>
+            </a:pPr>
+            <a:r>
+              <a:rPr lang="en-SG" sz="1200" dirty="0" smtClean="0"/>
+              <a:t>Mercedes </a:t>
+            </a:r>
+            <a:r>
+              <a:rPr lang="en-SG" sz="1200" dirty="0"/>
+              <a:t>Benz and jaguar have the highest curb weight. Chevrolet has the least</a:t>
+            </a:r>
+            <a:r>
+              <a:rPr lang="en-SG" sz="1200" dirty="0" smtClean="0"/>
+              <a:t>. </a:t>
+            </a:r>
+            <a:r>
+              <a:rPr lang="en-US" sz="1200" dirty="0" smtClean="0"/>
+              <a:t> </a:t>
+            </a:r>
+            <a:endParaRPr lang="en-US" sz="1200" dirty="0"/>
+          </a:p>
+          <a:p>
+            <a:pPr marL="457200" lvl="1" indent="0">
+              <a:buNone/>
+            </a:pPr>
+            <a:endParaRPr lang="en-US" sz="1200" b="1" dirty="0" smtClean="0"/>
           </a:p>
           <a:p>
             <a:pPr lvl="1">
               <a:buFont typeface="Arial" panose="020B0604020202020204" pitchFamily="34" charset="0"/>
               <a:buChar char="•"/>
             </a:pPr>
-            <a:r>
-              <a:rPr lang="en-SG" sz="1200" b="1" dirty="0" smtClean="0"/>
-              <a:t>Findings:</a:t>
-            </a:r>
-            <a:endParaRPr lang="en-SG" sz="1200" b="1" dirty="0"/>
-          </a:p>
-          <a:p>
-            <a:pPr lvl="2">
-              <a:buFont typeface="Wingdings" panose="05000000000000000000" pitchFamily="2" charset="2"/>
-              <a:buChar char="Ø"/>
-            </a:pPr>
-            <a:r>
-              <a:rPr lang="en-SG" sz="1200" dirty="0"/>
-              <a:t>For </a:t>
-            </a:r>
-            <a:r>
-              <a:rPr lang="en-SG" sz="1200" dirty="0" smtClean="0"/>
-              <a:t>high priced </a:t>
-            </a:r>
-            <a:r>
-              <a:rPr lang="en-SG" sz="1200" dirty="0"/>
-              <a:t>vehicles, gas is preferred</a:t>
-            </a:r>
-          </a:p>
-          <a:p>
-            <a:pPr lvl="2">
-              <a:buFont typeface="Wingdings" panose="05000000000000000000" pitchFamily="2" charset="2"/>
-              <a:buChar char="Ø"/>
-            </a:pPr>
-            <a:r>
-              <a:rPr lang="en-SG" sz="1200" dirty="0"/>
-              <a:t>For different fuel type cars giving same mileage, diesel vehicles are more costlier than gas </a:t>
-            </a:r>
-            <a:r>
-              <a:rPr lang="en-SG" sz="1200" dirty="0" smtClean="0"/>
-              <a:t>vehicles </a:t>
-            </a:r>
-            <a:r>
-              <a:rPr lang="en-US" sz="1200" dirty="0" smtClean="0"/>
-              <a:t> </a:t>
-            </a:r>
-            <a:endParaRPr lang="en-US" sz="1200" dirty="0"/>
-          </a:p>
-          <a:p>
-            <a:pPr marL="457200" lvl="1" indent="0">
-              <a:buNone/>
-            </a:pPr>
-            <a:endParaRPr lang="en-US" sz="1200" b="1" dirty="0" smtClean="0"/>
+            <a:endParaRPr lang="en-SG" sz="1200" b="1" dirty="0" smtClean="0"/>
           </a:p>
           <a:p>
             <a:pPr lvl="1">
               <a:buFont typeface="Arial" panose="020B0604020202020204" pitchFamily="34" charset="0"/>
               <a:buChar char="•"/>
             </a:pPr>
-            <a:endParaRPr lang="en-SG" sz="1200" b="1" dirty="0" smtClean="0"/>
+            <a:endParaRPr lang="en-SG" sz="1200" b="1" dirty="0"/>
           </a:p>
           <a:p>
             <a:pPr lvl="1">
               <a:buFont typeface="Arial" panose="020B0604020202020204" pitchFamily="34" charset="0"/>
               <a:buChar char="•"/>
             </a:pPr>
-            <a:endParaRPr lang="en-SG" sz="1200" b="1" dirty="0"/>
+            <a:endParaRPr lang="en-SG" sz="1200" b="1" dirty="0" smtClean="0"/>
           </a:p>
           <a:p>
             <a:pPr lvl="1">
               <a:buFont typeface="Arial" panose="020B0604020202020204" pitchFamily="34" charset="0"/>
               <a:buChar char="•"/>
             </a:pPr>
-            <a:endParaRPr lang="en-SG" sz="1200" b="1" dirty="0" smtClean="0"/>
+            <a:endParaRPr lang="en-SG" sz="1200" b="1" dirty="0"/>
           </a:p>
           <a:p>
             <a:pPr lvl="1">
               <a:buFont typeface="Arial" panose="020B0604020202020204" pitchFamily="34" charset="0"/>
               <a:buChar char="•"/>
             </a:pPr>
-            <a:endParaRPr lang="en-SG" sz="1200" b="1" dirty="0"/>
+            <a:endParaRPr lang="en-SG" sz="1200" b="1" dirty="0" smtClean="0"/>
           </a:p>
           <a:p>
             <a:pPr lvl="1">
               <a:buFont typeface="Arial" panose="020B0604020202020204" pitchFamily="34" charset="0"/>
               <a:buChar char="•"/>
             </a:pPr>
-            <a:endParaRPr lang="en-SG" sz="1200" b="1" dirty="0" smtClean="0"/>
+            <a:endParaRPr lang="en-SG" sz="1200" b="1" dirty="0"/>
           </a:p>
           <a:p>
             <a:pPr lvl="1">
               <a:buFont typeface="Arial" panose="020B0604020202020204" pitchFamily="34" charset="0"/>
               <a:buChar char="•"/>
             </a:pPr>
-            <a:endParaRPr lang="en-SG" sz="1200" b="1" dirty="0"/>
-          </a:p>
-          <a:p>
-            <a:pPr lvl="1">
-              <a:buFont typeface="Arial" panose="020B0604020202020204" pitchFamily="34" charset="0"/>
-              <a:buChar char="•"/>
-            </a:pPr>
             <a:endParaRPr lang="en-SG" sz="1200" b="1" dirty="0" smtClean="0"/>
           </a:p>
           <a:p>
@@ -6002,19 +6031,45 @@
           </a:p>
         </p:txBody>
       </p:sp>
+      <p:graphicFrame>
+        <p:nvGraphicFramePr>
+          <p:cNvPr id="6" name="Object 5"/>
+          <p:cNvGraphicFramePr>
+            <a:graphicFrameLocks noChangeAspect="1"/>
+          </p:cNvGraphicFramePr>
+          <p:nvPr>
+            <p:extLst>
+              <p:ext uri="{D42A27DB-BD31-4B8C-83A1-F6EECF244321}">
+                <p14:modId xmlns="" xmlns:p14="http://schemas.microsoft.com/office/powerpoint/2010/main" val="1565089672"/>
+              </p:ext>
+            </p:extLst>
+          </p:nvPr>
+        </p:nvGraphicFramePr>
+        <p:xfrm>
+          <a:off x="1403648" y="2965818"/>
+          <a:ext cx="1080120" cy="534817"/>
+        </p:xfrm>
+        <a:graphic>
+          <a:graphicData uri="http://schemas.openxmlformats.org/presentationml/2006/ole">
+            <p:oleObj spid="_x0000_s11274" name="Packager Shell Object" showAsIcon="1" r:id="rId3" imgW="1307520" imgH="647640" progId="Package">
+              <p:embed/>
+            </p:oleObj>
+          </a:graphicData>
+        </a:graphic>
+      </p:graphicFrame>
       <p:pic>
         <p:nvPicPr>
-          <p:cNvPr id="10242" name="Picture 2"/>
+          <p:cNvPr id="11269" name="Picture 5"/>
           <p:cNvPicPr>
             <a:picLocks noChangeAspect="1" noChangeArrowheads="1"/>
           </p:cNvPicPr>
           <p:nvPr/>
         </p:nvPicPr>
         <p:blipFill>
-          <a:blip r:embed="rId2" cstate="print">
+          <a:blip r:embed="rId4" cstate="print">
             <a:extLst>
               <a:ext uri="{28A0092B-C50C-407E-A947-70E740481C1C}">
-                <a14:useLocalDpi xmlns:a14="http://schemas.microsoft.com/office/drawing/2010/main" xmlns="" val="0"/>
+                <a14:useLocalDpi xmlns="" xmlns:a14="http://schemas.microsoft.com/office/drawing/2010/main" val="0"/>
               </a:ext>
             </a:extLst>
           </a:blip>
@@ -6025,8 +6080,8 @@
         </p:blipFill>
         <p:spPr bwMode="auto">
           <a:xfrm>
-            <a:off x="2195736" y="2636912"/>
-            <a:ext cx="5976664" cy="2912538"/>
+            <a:off x="5940152" y="548680"/>
+            <a:ext cx="2330450" cy="1708150"/>
           </a:xfrm>
           <a:prstGeom prst="rect">
             <a:avLst/>
@@ -6035,16 +6090,17 @@
           <a:ln>
             <a:noFill/>
           </a:ln>
+          <a:effectLst/>
           <a:extLst>
             <a:ext uri="{909E8E84-426E-40DD-AFC4-6F175D3DCCD1}">
-              <a14:hiddenFill xmlns:a14="http://schemas.microsoft.com/office/drawing/2010/main" xmlns="">
+              <a14:hiddenFill xmlns="" xmlns:a14="http://schemas.microsoft.com/office/drawing/2010/main">
                 <a:solidFill>
                   <a:schemeClr val="accent1"/>
                 </a:solidFill>
               </a14:hiddenFill>
             </a:ext>
             <a:ext uri="{91240B29-F687-4F45-9708-019B960494DF}">
-              <a14:hiddenLine xmlns:a14="http://schemas.microsoft.com/office/drawing/2010/main" xmlns="" w="9525">
+              <a14:hiddenLine xmlns="" xmlns:a14="http://schemas.microsoft.com/office/drawing/2010/main" w="9525">
                 <a:solidFill>
                   <a:schemeClr val="tx1"/>
                 </a:solidFill>
@@ -6053,13 +6109,22 @@
                 <a:tailEnd/>
               </a14:hiddenLine>
             </a:ext>
+            <a:ext uri="{AF507438-7753-43E0-B8FC-AC1667EBCBE1}">
+              <a14:hiddenEffects xmlns="" xmlns:a14="http://schemas.microsoft.com/office/drawing/2010/main">
+                <a:effectLst>
+                  <a:outerShdw dist="35921" dir="2700000" algn="ctr" rotWithShape="0">
+                    <a:schemeClr val="bg2"/>
+                  </a:outerShdw>
+                </a:effectLst>
+              </a14:hiddenEffects>
+            </a:ext>
           </a:extLst>
         </p:spPr>
       </p:pic>
     </p:spTree>
     <p:extLst>
       <p:ext uri="{BB962C8B-B14F-4D97-AF65-F5344CB8AC3E}">
-        <p14:creationId xmlns:p14="http://schemas.microsoft.com/office/powerpoint/2010/main" xmlns="" val="1918197335"/>
+        <p14:creationId xmlns="" xmlns:p14="http://schemas.microsoft.com/office/powerpoint/2010/main" val="4273493489"/>
       </p:ext>
     </p:extLst>
   </p:cSld>
@@ -6127,11 +6192,34 @@
             </a:br>
             <a:r>
               <a:rPr lang="en-SG" sz="3200" dirty="0" smtClean="0"/>
-              <a:t>Q8: </a:t>
+              <a:t/>
+            </a:r>
+            <a:br>
+              <a:rPr lang="en-SG" sz="3200" dirty="0" smtClean="0"/>
+            </a:br>
+            <a:r>
+              <a:rPr lang="en-SG" sz="3200" dirty="0" smtClean="0"/>
+              <a:t>Q9: </a:t>
             </a:r>
             <a:r>
               <a:rPr lang="en-US" sz="3200" dirty="0"/>
-              <a:t>Which drive wheels is preferred and why ?</a:t>
+              <a:t>What </a:t>
+            </a:r>
+            <a:r>
+              <a:rPr lang="en-US" sz="3200" dirty="0" smtClean="0"/>
+              <a:t> factors </a:t>
+            </a:r>
+            <a:r>
+              <a:rPr lang="en-US" sz="3200" dirty="0"/>
+              <a:t>impact </a:t>
+            </a:r>
+            <a:r>
+              <a:rPr lang="en-US" sz="3200" dirty="0" smtClean="0"/>
+              <a:t> automobile </a:t>
+            </a:r>
+            <a:r>
+              <a:rPr lang="en-US" sz="3200" dirty="0"/>
+              <a:t>pricing ?</a:t>
             </a:r>
             <a:br>
               <a:rPr lang="en-US" sz="3200" dirty="0"/>
@@ -6187,25 +6275,15 @@
             </a:pPr>
             <a:r>
               <a:rPr lang="en-US" sz="1200" dirty="0" smtClean="0"/>
-              <a:t>To plot a horizontal </a:t>
+              <a:t>To plot a </a:t>
             </a:r>
             <a:r>
               <a:rPr lang="en-US" sz="1200" b="1" i="1" dirty="0" smtClean="0"/>
-              <a:t>bar plot</a:t>
+              <a:t>scatter plot</a:t>
             </a:r>
             <a:r>
               <a:rPr lang="en-US" sz="1200" dirty="0" smtClean="0"/>
-              <a:t> of make, curb-weight and drive wheel.</a:t>
-            </a:r>
-          </a:p>
-          <a:p>
-            <a:pPr lvl="2">
-              <a:buFont typeface="Wingdings" panose="05000000000000000000" pitchFamily="2" charset="2"/>
-              <a:buChar char="Ø"/>
-            </a:pPr>
-            <a:r>
-              <a:rPr lang="en-US" sz="1200" dirty="0" smtClean="0"/>
-              <a:t>Here horizontal plot is used so as to display the make.</a:t>
+              <a:t> of price with various variables such as wheel-base, curb-weight and so on.</a:t>
             </a:r>
           </a:p>
           <a:p>
@@ -6250,12 +6328,6 @@
             <a:endParaRPr lang="en-US" sz="1200" b="1" dirty="0" smtClean="0"/>
           </a:p>
           <a:p>
-            <a:pPr marL="457200" lvl="1" indent="0">
-              <a:buNone/>
-            </a:pPr>
-            <a:endParaRPr lang="en-US" sz="1200" b="1" dirty="0"/>
-          </a:p>
-          <a:p>
             <a:pPr lvl="1">
               <a:buFont typeface="Arial" panose="020B0604020202020204" pitchFamily="34" charset="0"/>
               <a:buChar char="•"/>
@@ -6267,66 +6339,61 @@
             <a:endParaRPr lang="en-SG" sz="1200" b="1" dirty="0"/>
           </a:p>
           <a:p>
-            <a:pPr lvl="2">
-              <a:buFont typeface="Wingdings" panose="05000000000000000000" pitchFamily="2" charset="2"/>
-              <a:buChar char="Ø"/>
-            </a:pPr>
-            <a:r>
-              <a:rPr lang="en-SG" sz="1200" dirty="0" smtClean="0"/>
-              <a:t>Front </a:t>
-            </a:r>
+            <a:pPr marL="457200" lvl="1" indent="0">
+              <a:buNone/>
+            </a:pPr>
+            <a:r>
+              <a:rPr lang="en-SG" sz="1200" b="1" dirty="0" smtClean="0"/>
+              <a:t>	- Positive </a:t>
+            </a:r>
+            <a:r>
+              <a:rPr lang="en-SG" sz="1200" b="1" dirty="0"/>
+              <a:t>relationship of price with:</a:t>
+            </a:r>
+          </a:p>
+          <a:p>
+            <a:pPr marL="457200" lvl="1" indent="0">
+              <a:buNone/>
+            </a:pPr>
             <a:r>
               <a:rPr lang="en-SG" sz="1200" dirty="0"/>
-              <a:t>wheel drive (fwd) and rear wheel drive (rwd) are preferred compared to four wheel drive(4wd) </a:t>
-            </a:r>
-            <a:endParaRPr lang="en-SG" sz="1200" dirty="0" smtClean="0"/>
-          </a:p>
-          <a:p>
-            <a:pPr lvl="2">
-              <a:buFont typeface="Wingdings" panose="05000000000000000000" pitchFamily="2" charset="2"/>
-              <a:buChar char="Ø"/>
-            </a:pPr>
-            <a:r>
-              <a:rPr lang="en-SG" sz="1200" dirty="0" smtClean="0"/>
-              <a:t>The </a:t>
-            </a:r>
+              <a:t>		Wheel base (though there are some outliers that doesn’t fit nicely)</a:t>
+            </a:r>
+          </a:p>
+          <a:p>
+            <a:pPr marL="457200" lvl="1" indent="0">
+              <a:buNone/>
+            </a:pPr>
             <a:r>
               <a:rPr lang="en-SG" sz="1200" dirty="0"/>
-              <a:t>most preferred is rwd. The curb weight of rwd is highest </a:t>
-            </a:r>
-            <a:r>
-              <a:rPr lang="en-SG" sz="1200" dirty="0" smtClean="0"/>
-              <a:t>amongst </a:t>
-            </a:r>
+              <a:t>		Length</a:t>
+            </a:r>
+          </a:p>
+          <a:p>
+            <a:pPr marL="457200" lvl="1" indent="0">
+              <a:buNone/>
+            </a:pPr>
             <a:r>
               <a:rPr lang="en-SG" sz="1200" dirty="0"/>
-              <a:t>all. Rwd provide better balance and is </a:t>
-            </a:r>
-            <a:r>
-              <a:rPr lang="en-SG" sz="1200" dirty="0" smtClean="0"/>
-              <a:t>preferred</a:t>
-            </a:r>
-          </a:p>
-          <a:p>
-            <a:pPr lvl="2">
-              <a:buFont typeface="Wingdings" panose="05000000000000000000" pitchFamily="2" charset="2"/>
-              <a:buChar char="Ø"/>
-            </a:pPr>
-            <a:r>
-              <a:rPr lang="en-SG" sz="1200" dirty="0" smtClean="0"/>
-              <a:t>Mercedes </a:t>
-            </a:r>
+              <a:t>		Width</a:t>
+            </a:r>
+          </a:p>
+          <a:p>
+            <a:pPr marL="457200" lvl="1" indent="0">
+              <a:buNone/>
+            </a:pPr>
             <a:r>
               <a:rPr lang="en-SG" sz="1200" dirty="0"/>
-              <a:t>Benz and jaguar have the highest curb weight. Chevrolet has the least</a:t>
-            </a:r>
-            <a:r>
-              <a:rPr lang="en-SG" sz="1200" dirty="0" smtClean="0"/>
-              <a:t>. </a:t>
-            </a:r>
-            <a:r>
-              <a:rPr lang="en-US" sz="1200" dirty="0" smtClean="0"/>
-              <a:t> </a:t>
+              <a:t>		Curb weight</a:t>
+            </a:r>
+          </a:p>
+          <a:p>
+            <a:pPr marL="457200" lvl="1" indent="0">
+              <a:buNone/>
+            </a:pPr>
+            <a:r>
+              <a:rPr lang="en-SG" sz="1200" dirty="0"/>
+              <a:t>		horsepower (though there are some outliers that doesn’t fit nicely)</a:t>
             </a:r>
             <a:endParaRPr lang="en-US" sz="1200" dirty="0"/>
           </a:p>
@@ -6334,20 +6401,36 @@
             <a:pPr marL="457200" lvl="1" indent="0">
               <a:buNone/>
             </a:pPr>
-            <a:endParaRPr lang="en-US" sz="1200" b="1" dirty="0" smtClean="0"/>
-          </a:p>
-          <a:p>
-            <a:pPr lvl="1">
-              <a:buFont typeface="Arial" panose="020B0604020202020204" pitchFamily="34" charset="0"/>
-              <a:buChar char="•"/>
-            </a:pPr>
-            <a:endParaRPr lang="en-SG" sz="1200" b="1" dirty="0" smtClean="0"/>
-          </a:p>
-          <a:p>
-            <a:pPr lvl="1">
-              <a:buFont typeface="Arial" panose="020B0604020202020204" pitchFamily="34" charset="0"/>
-              <a:buChar char="•"/>
-            </a:pPr>
+            <a:r>
+              <a:rPr lang="en-SG" sz="1200" dirty="0"/>
+              <a:t>	</a:t>
+            </a:r>
+            <a:r>
+              <a:rPr lang="en-SG" sz="1200" b="1" dirty="0" smtClean="0"/>
+              <a:t>- Negative </a:t>
+            </a:r>
+            <a:r>
+              <a:rPr lang="en-SG" sz="1200" b="1" dirty="0"/>
+              <a:t>relationship of price with:</a:t>
+            </a:r>
+          </a:p>
+          <a:p>
+            <a:pPr marL="411480" lvl="1" indent="0">
+              <a:buNone/>
+            </a:pPr>
+            <a:r>
+              <a:rPr lang="en-SG" sz="1200" dirty="0"/>
+              <a:t>		mpg</a:t>
+            </a:r>
+          </a:p>
+          <a:p>
+            <a:pPr marL="411480" lvl="1" indent="0">
+              <a:buNone/>
+            </a:pPr>
+            <a:r>
+              <a:rPr lang="en-SG" sz="1200" b="1" dirty="0" smtClean="0"/>
+              <a:t>  	- No relationship of price with rest all variables</a:t>
+            </a:r>
             <a:endParaRPr lang="en-SG" sz="1200" b="1" dirty="0"/>
           </a:p>
           <a:p>
@@ -6395,98 +6478,34 @@
       </p:sp>
       <p:graphicFrame>
         <p:nvGraphicFramePr>
-          <p:cNvPr id="6" name="Object 5"/>
+          <p:cNvPr id="4" name="Object 3"/>
           <p:cNvGraphicFramePr>
             <a:graphicFrameLocks noChangeAspect="1"/>
           </p:cNvGraphicFramePr>
           <p:nvPr>
             <p:extLst>
               <p:ext uri="{D42A27DB-BD31-4B8C-83A1-F6EECF244321}">
-                <p14:modId xmlns:p14="http://schemas.microsoft.com/office/powerpoint/2010/main" xmlns="" val="1565089672"/>
+                <p14:modId xmlns="" xmlns:p14="http://schemas.microsoft.com/office/powerpoint/2010/main" val="2178961357"/>
               </p:ext>
             </p:extLst>
           </p:nvPr>
         </p:nvGraphicFramePr>
         <p:xfrm>
-          <a:off x="1403648" y="2965818"/>
-          <a:ext cx="1080120" cy="534817"/>
+          <a:off x="1475656" y="2636912"/>
+          <a:ext cx="914400" cy="714375"/>
         </p:xfrm>
         <a:graphic>
           <a:graphicData uri="http://schemas.openxmlformats.org/presentationml/2006/ole">
-            <p:oleObj spid="_x0000_s11274" name="Packager Shell Object" showAsIcon="1" r:id="rId3" imgW="1307520" imgH="647640" progId="Package">
+            <p:oleObj spid="_x0000_s14343" name="Document" showAsIcon="1" r:id="rId3" imgW="914400" imgH="714240" progId="Word.Document.12">
               <p:embed/>
             </p:oleObj>
           </a:graphicData>
         </a:graphic>
       </p:graphicFrame>
-      <p:pic>
-        <p:nvPicPr>
-          <p:cNvPr id="11269" name="Picture 5"/>
-          <p:cNvPicPr>
-            <a:picLocks noChangeAspect="1" noChangeArrowheads="1"/>
-          </p:cNvPicPr>
-          <p:nvPr/>
-        </p:nvPicPr>
-        <p:blipFill>
-          <a:blip r:embed="rId4" cstate="print">
-            <a:extLst>
-              <a:ext uri="{28A0092B-C50C-407E-A947-70E740481C1C}">
-                <a14:useLocalDpi xmlns:a14="http://schemas.microsoft.com/office/drawing/2010/main" xmlns="" val="0"/>
-              </a:ext>
-            </a:extLst>
-          </a:blip>
-          <a:srcRect/>
-          <a:stretch>
-            <a:fillRect/>
-          </a:stretch>
-        </p:blipFill>
-        <p:spPr bwMode="auto">
-          <a:xfrm>
-            <a:off x="5940152" y="548680"/>
-            <a:ext cx="2330450" cy="1708150"/>
-          </a:xfrm>
-          <a:prstGeom prst="rect">
-            <a:avLst/>
-          </a:prstGeom>
-          <a:noFill/>
-          <a:ln>
-            <a:noFill/>
-          </a:ln>
-          <a:effectLst/>
-          <a:extLst>
-            <a:ext uri="{909E8E84-426E-40DD-AFC4-6F175D3DCCD1}">
-              <a14:hiddenFill xmlns:a14="http://schemas.microsoft.com/office/drawing/2010/main" xmlns="">
-                <a:solidFill>
-                  <a:schemeClr val="accent1"/>
-                </a:solidFill>
-              </a14:hiddenFill>
-            </a:ext>
-            <a:ext uri="{91240B29-F687-4F45-9708-019B960494DF}">
-              <a14:hiddenLine xmlns:a14="http://schemas.microsoft.com/office/drawing/2010/main" xmlns="" w="9525">
-                <a:solidFill>
-                  <a:schemeClr val="tx1"/>
-                </a:solidFill>
-                <a:miter lim="800000"/>
-                <a:headEnd/>
-                <a:tailEnd/>
-              </a14:hiddenLine>
-            </a:ext>
-            <a:ext uri="{AF507438-7753-43E0-B8FC-AC1667EBCBE1}">
-              <a14:hiddenEffects xmlns:a14="http://schemas.microsoft.com/office/drawing/2010/main" xmlns="">
-                <a:effectLst>
-                  <a:outerShdw dist="35921" dir="2700000" algn="ctr" rotWithShape="0">
-                    <a:schemeClr val="bg2"/>
-                  </a:outerShdw>
-                </a:effectLst>
-              </a14:hiddenEffects>
-            </a:ext>
-          </a:extLst>
-        </p:spPr>
-      </p:pic>
     </p:spTree>
     <p:extLst>
       <p:ext uri="{BB962C8B-B14F-4D97-AF65-F5344CB8AC3E}">
-        <p14:creationId xmlns:p14="http://schemas.microsoft.com/office/powerpoint/2010/main" xmlns="" val="4273493489"/>
+        <p14:creationId xmlns="" xmlns:p14="http://schemas.microsoft.com/office/powerpoint/2010/main" val="1898196911"/>
       </p:ext>
     </p:extLst>
   </p:cSld>
@@ -6561,7 +6580,7 @@
             </a:br>
             <a:r>
               <a:rPr lang="en-SG" sz="3200" dirty="0" smtClean="0"/>
-              <a:t>Q9: </a:t>
+              <a:t>Q10: </a:t>
             </a:r>
             <a:r>
               <a:rPr lang="en-US" sz="3200" dirty="0"/>
@@ -6569,19 +6588,11 @@
             </a:r>
             <a:r>
               <a:rPr lang="en-US" sz="3200" dirty="0" smtClean="0"/>
-              <a:t> factors </a:t>
+              <a:t> factors  impact  mileage?</a:t>
             </a:r>
             <a:r>
               <a:rPr lang="en-US" sz="3200" dirty="0"/>
-              <a:t>impact </a:t>
-            </a:r>
-            <a:r>
-              <a:rPr lang="en-US" sz="3200" dirty="0" smtClean="0"/>
-              <a:t> automobile </a:t>
-            </a:r>
-            <a:r>
-              <a:rPr lang="en-US" sz="3200" dirty="0"/>
-              <a:t>pricing ?</a:t>
+              <a:t/>
             </a:r>
             <a:br>
               <a:rPr lang="en-US" sz="3200" dirty="0"/>
@@ -6645,7 +6656,7 @@
             </a:r>
             <a:r>
               <a:rPr lang="en-US" sz="1200" dirty="0" smtClean="0"/>
-              <a:t> of price with various variables such as wheel-base, curb-weight and so on.</a:t>
+              <a:t> of city mpg with various variables such as wheel-base, curb-weight and so on.</a:t>
             </a:r>
           </a:p>
           <a:p>
@@ -6706,92 +6717,103 @@
             </a:pPr>
             <a:r>
               <a:rPr lang="en-SG" sz="1200" b="1" dirty="0" smtClean="0"/>
-              <a:t>	- Positive </a:t>
+              <a:t>	- Negative </a:t>
             </a:r>
             <a:r>
               <a:rPr lang="en-SG" sz="1200" b="1" dirty="0"/>
-              <a:t>relationship of price with:</a:t>
-            </a:r>
-          </a:p>
-          <a:p>
-            <a:pPr marL="457200" lvl="1" indent="0">
+              <a:t>relationship of </a:t>
+            </a:r>
+            <a:r>
+              <a:rPr lang="en-SG" sz="1200" b="1" dirty="0" smtClean="0"/>
+              <a:t>city mpg </a:t>
+            </a:r>
+            <a:r>
+              <a:rPr lang="en-SG" sz="1200" b="1" dirty="0"/>
+              <a:t>with:</a:t>
+            </a:r>
+          </a:p>
+          <a:p>
+            <a:pPr marL="411480" lvl="1" indent="0">
               <a:buNone/>
             </a:pPr>
             <a:r>
               <a:rPr lang="en-SG" sz="1200" dirty="0"/>
-              <a:t>		Wheel base (though there are some outliers that doesn’t fit nicely)</a:t>
-            </a:r>
-          </a:p>
-          <a:p>
-            <a:pPr marL="457200" lvl="1" indent="0">
-              <a:buNone/>
-            </a:pPr>
+              <a:t>		wheel base</a:t>
+            </a:r>
+          </a:p>
+          <a:p>
+            <a:pPr marL="411480" lvl="1" indent="0">
+              <a:buNone/>
+            </a:pPr>
+            <a:r>
+              <a:rPr lang="en-SG" sz="1200" dirty="0" smtClean="0"/>
+              <a:t>		Length </a:t>
+            </a:r>
             <a:r>
               <a:rPr lang="en-SG" sz="1200" dirty="0"/>
-              <a:t>		Length</a:t>
-            </a:r>
-          </a:p>
-          <a:p>
-            <a:pPr marL="457200" lvl="1" indent="0">
-              <a:buNone/>
-            </a:pPr>
+              <a:t>(though there are some outliers that doesn’t fit nicely)</a:t>
+            </a:r>
+          </a:p>
+          <a:p>
+            <a:pPr marL="411480" lvl="1" indent="0">
+              <a:buNone/>
+            </a:pPr>
+            <a:r>
+              <a:rPr lang="en-SG" sz="1200" dirty="0" smtClean="0"/>
+              <a:t>		Width</a:t>
+            </a:r>
+            <a:endParaRPr lang="en-SG" sz="1200" dirty="0"/>
+          </a:p>
+          <a:p>
+            <a:pPr marL="411480" lvl="1" indent="0">
+              <a:buNone/>
+            </a:pPr>
+            <a:r>
+              <a:rPr lang="en-SG" sz="1200" dirty="0" smtClean="0"/>
+              <a:t>		Curb </a:t>
+            </a:r>
             <a:r>
               <a:rPr lang="en-SG" sz="1200" dirty="0"/>
-              <a:t>		Width</a:t>
-            </a:r>
-          </a:p>
-          <a:p>
-            <a:pPr marL="457200" lvl="1" indent="0">
-              <a:buNone/>
-            </a:pPr>
-            <a:r>
-              <a:rPr lang="en-SG" sz="1200" dirty="0"/>
-              <a:t>		Curb weight</a:t>
-            </a:r>
-          </a:p>
-          <a:p>
-            <a:pPr marL="457200" lvl="1" indent="0">
-              <a:buNone/>
-            </a:pPr>
-            <a:r>
-              <a:rPr lang="en-SG" sz="1200" dirty="0"/>
-              <a:t>		horsepower (though there are some outliers that doesn’t fit nicely)</a:t>
-            </a:r>
-            <a:endParaRPr lang="en-US" sz="1200" dirty="0"/>
-          </a:p>
-          <a:p>
-            <a:pPr marL="457200" lvl="1" indent="0">
-              <a:buNone/>
-            </a:pPr>
-            <a:r>
-              <a:rPr lang="en-SG" sz="1200" dirty="0"/>
-              <a:t>	</a:t>
-            </a:r>
+              <a:t>weight</a:t>
+            </a:r>
+          </a:p>
+          <a:p>
+            <a:pPr marL="411480" lvl="1" indent="0">
+              <a:buNone/>
+            </a:pPr>
+            <a:r>
+              <a:rPr lang="en-SG" sz="1200" dirty="0" smtClean="0"/>
+              <a:t>		Engine-size</a:t>
+            </a:r>
+            <a:endParaRPr lang="en-SG" sz="1200" dirty="0"/>
+          </a:p>
+          <a:p>
+            <a:pPr marL="411480" lvl="1" indent="0">
+              <a:buNone/>
+            </a:pPr>
+            <a:r>
+              <a:rPr lang="en-SG" sz="1200" dirty="0" smtClean="0"/>
+              <a:t>		horsepower</a:t>
+            </a:r>
+            <a:endParaRPr lang="en-SG" sz="1200" dirty="0"/>
+          </a:p>
+          <a:p>
+            <a:pPr marL="411480" lvl="1" indent="0">
+              <a:buNone/>
+            </a:pPr>
+            <a:r>
+              <a:rPr lang="en-SG" sz="1200" dirty="0" smtClean="0"/>
+              <a:t>		price</a:t>
+            </a:r>
+            <a:endParaRPr lang="en-SG" sz="1200" dirty="0"/>
+          </a:p>
+          <a:p>
+            <a:pPr marL="411480" lvl="1" indent="0">
+              <a:buNone/>
+            </a:pPr>
             <a:r>
               <a:rPr lang="en-SG" sz="1200" b="1" dirty="0" smtClean="0"/>
-              <a:t>- Negative </a:t>
-            </a:r>
-            <a:r>
-              <a:rPr lang="en-SG" sz="1200" b="1" dirty="0"/>
-              <a:t>relationship of price with:</a:t>
-            </a:r>
-          </a:p>
-          <a:p>
-            <a:pPr marL="411480" lvl="1" indent="0">
-              <a:buNone/>
-            </a:pPr>
-            <a:r>
-              <a:rPr lang="en-SG" sz="1200" dirty="0"/>
-              <a:t>		mpg</a:t>
-            </a:r>
-          </a:p>
-          <a:p>
-            <a:pPr marL="411480" lvl="1" indent="0">
-              <a:buNone/>
-            </a:pPr>
-            <a:r>
-              <a:rPr lang="en-SG" sz="1200" b="1" dirty="0" smtClean="0"/>
-              <a:t>  	- No relationship of price with rest all variables</a:t>
+              <a:t>  	- No relationship of city mpg with rest all variables</a:t>
             </a:r>
             <a:endParaRPr lang="en-SG" sz="1200" b="1" dirty="0"/>
           </a:p>
@@ -6840,25 +6862,25 @@
       </p:sp>
       <p:graphicFrame>
         <p:nvGraphicFramePr>
-          <p:cNvPr id="4" name="Object 3"/>
+          <p:cNvPr id="5" name="Object 4"/>
           <p:cNvGraphicFramePr>
             <a:graphicFrameLocks noChangeAspect="1"/>
           </p:cNvGraphicFramePr>
           <p:nvPr>
             <p:extLst>
               <p:ext uri="{D42A27DB-BD31-4B8C-83A1-F6EECF244321}">
-                <p14:modId xmlns:p14="http://schemas.microsoft.com/office/powerpoint/2010/main" xmlns="" val="2178961357"/>
+                <p14:modId xmlns="" xmlns:p14="http://schemas.microsoft.com/office/powerpoint/2010/main" val="3298746550"/>
               </p:ext>
             </p:extLst>
           </p:nvPr>
         </p:nvGraphicFramePr>
         <p:xfrm>
-          <a:off x="1475656" y="2636912"/>
+          <a:off x="1331640" y="2564904"/>
           <a:ext cx="914400" cy="714375"/>
         </p:xfrm>
         <a:graphic>
           <a:graphicData uri="http://schemas.openxmlformats.org/presentationml/2006/ole">
-            <p:oleObj spid="_x0000_s14343" name="Document" showAsIcon="1" r:id="rId3" imgW="914400" imgH="714240" progId="Word.Document.12">
+            <p:oleObj spid="_x0000_s15365" name="Document" showAsIcon="1" r:id="rId3" imgW="914400" imgH="714240" progId="Word.Document.12">
               <p:embed/>
             </p:oleObj>
           </a:graphicData>
@@ -6867,7 +6889,7 @@
     </p:spTree>
     <p:extLst>
       <p:ext uri="{BB962C8B-B14F-4D97-AF65-F5344CB8AC3E}">
-        <p14:creationId xmlns:p14="http://schemas.microsoft.com/office/powerpoint/2010/main" xmlns="" val="1898196911"/>
+        <p14:creationId xmlns="" xmlns:p14="http://schemas.microsoft.com/office/powerpoint/2010/main" val="2876775159"/>
       </p:ext>
     </p:extLst>
   </p:cSld>
@@ -6906,6 +6928,52 @@
       </p:grpSpPr>
       <p:sp>
         <p:nvSpPr>
+          <p:cNvPr id="2" name="Title 1"/>
+          <p:cNvSpPr>
+            <a:spLocks noGrp="1"/>
+          </p:cNvSpPr>
+          <p:nvPr>
+            <p:ph type="title"/>
+          </p:nvPr>
+        </p:nvSpPr>
+        <p:spPr/>
+        <p:txBody>
+          <a:bodyPr>
+            <a:normAutofit fontScale="90000"/>
+          </a:bodyPr>
+          <a:lstStyle/>
+          <a:p>
+            <a:r>
+              <a:rPr lang="en-SG" dirty="0"/>
+              <a:t/>
+            </a:r>
+            <a:br>
+              <a:rPr lang="en-SG" dirty="0"/>
+            </a:br>
+            <a:r>
+              <a:rPr lang="en-SG" dirty="0"/>
+              <a:t> </a:t>
+            </a:r>
+            <a:br>
+              <a:rPr lang="en-SG" dirty="0"/>
+            </a:br>
+            <a:r>
+              <a:rPr lang="en-SG" sz="3600" dirty="0"/>
+              <a:t>Domain &amp; topic of project </a:t>
+            </a:r>
+            <a:r>
+              <a:rPr lang="en-SG" dirty="0"/>
+              <a:t/>
+            </a:r>
+            <a:br>
+              <a:rPr lang="en-SG" dirty="0"/>
+            </a:br>
+            <a:endParaRPr lang="en-SG" dirty="0"/>
+          </a:p>
+        </p:txBody>
+      </p:sp>
+      <p:sp>
+        <p:nvSpPr>
           <p:cNvPr id="3" name="Content Placeholder 2"/>
           <p:cNvSpPr>
             <a:spLocks noGrp="1"/>
@@ -6921,103 +6989,49 @@
           </a:bodyPr>
           <a:lstStyle/>
           <a:p>
-            <a:endParaRPr lang="en-SG" sz="2400" dirty="0" smtClean="0"/>
-          </a:p>
-          <a:p>
-            <a:r>
-              <a:rPr lang="en-SG" sz="2400" dirty="0" smtClean="0"/>
-              <a:t>Vutukuru </a:t>
-            </a:r>
-            <a:r>
-              <a:rPr lang="en-SG" sz="2400" dirty="0"/>
-              <a:t>Siva Santosh </a:t>
-            </a:r>
-            <a:r>
-              <a:rPr lang="en-SG" sz="2400" dirty="0" smtClean="0"/>
-              <a:t>Kumar</a:t>
-            </a:r>
-          </a:p>
-          <a:p>
-            <a:r>
-              <a:rPr lang="en-SG" sz="2400" dirty="0"/>
-              <a:t>Praveen Kumar S </a:t>
-            </a:r>
-            <a:r>
-              <a:rPr lang="en-SG" sz="2400" dirty="0" smtClean="0"/>
-              <a:t>Naidu</a:t>
-            </a:r>
-          </a:p>
-          <a:p>
-            <a:r>
-              <a:rPr lang="en-SG" sz="2400" dirty="0"/>
-              <a:t>Madhu </a:t>
-            </a:r>
-            <a:r>
-              <a:rPr lang="en-SG" sz="2400" dirty="0" smtClean="0"/>
-              <a:t>Gurram</a:t>
-            </a:r>
-          </a:p>
-          <a:p>
-            <a:r>
-              <a:rPr lang="en-SG" sz="2400" dirty="0"/>
-              <a:t>Tejomayi </a:t>
-            </a:r>
-            <a:r>
-              <a:rPr lang="en-SG" sz="2400" dirty="0" smtClean="0"/>
-              <a:t>Madugula</a:t>
-            </a:r>
-          </a:p>
-          <a:p>
-            <a:r>
-              <a:rPr lang="en-SG" sz="2400" dirty="0"/>
-              <a:t>Venkata Naga Prasad </a:t>
-            </a:r>
-            <a:r>
-              <a:rPr lang="en-SG" sz="2400" dirty="0" smtClean="0"/>
-              <a:t>Chinthalapudi</a:t>
-            </a:r>
-          </a:p>
-          <a:p>
-            <a:r>
-              <a:rPr lang="en-SG" sz="2400" dirty="0" smtClean="0"/>
-              <a:t>Ananda Sampurna Bharadwaj </a:t>
-            </a:r>
-            <a:r>
-              <a:rPr lang="en-SG" sz="2400" dirty="0"/>
-              <a:t>T</a:t>
-            </a:r>
-            <a:r>
-              <a:rPr lang="en-SG" sz="2400" dirty="0" smtClean="0"/>
-              <a:t>adikonda</a:t>
-            </a:r>
-          </a:p>
-          <a:p>
-            <a:r>
-              <a:rPr lang="en-SG" sz="2400" dirty="0"/>
-              <a:t>Srinivas </a:t>
-            </a:r>
-            <a:r>
-              <a:rPr lang="en-SG" sz="2400" dirty="0" smtClean="0"/>
-              <a:t>Pillalamarry</a:t>
-            </a:r>
-          </a:p>
-          <a:p>
-            <a:r>
-              <a:rPr lang="en-SG" sz="2400" dirty="0" smtClean="0"/>
-              <a:t>Srinivasa</a:t>
-            </a:r>
-          </a:p>
-          <a:p>
-            <a:r>
-              <a:rPr lang="en-SG" sz="2400" dirty="0"/>
-              <a:t>Radhika Devi Annamgi</a:t>
-            </a:r>
+            <a:r>
+              <a:rPr lang="en-US" sz="2400" b="1" dirty="0" smtClean="0"/>
+              <a:t>Domain:</a:t>
+            </a:r>
+            <a:r>
+              <a:rPr lang="en-US" sz="2400" dirty="0" smtClean="0"/>
+              <a:t> Automobile</a:t>
+            </a:r>
+          </a:p>
+          <a:p>
+            <a:endParaRPr lang="en-US" sz="2400" dirty="0" smtClean="0"/>
+          </a:p>
+          <a:p>
+            <a:endParaRPr lang="en-US" sz="2400" dirty="0"/>
+          </a:p>
+          <a:p>
+            <a:endParaRPr lang="en-US" sz="2400" dirty="0" smtClean="0"/>
+          </a:p>
+          <a:p>
+            <a:endParaRPr lang="en-US" sz="2400" dirty="0"/>
+          </a:p>
+          <a:p>
+            <a:endParaRPr lang="en-US" sz="2400" b="1" dirty="0" smtClean="0"/>
+          </a:p>
+          <a:p>
+            <a:endParaRPr lang="en-US" sz="2400" b="1" dirty="0"/>
+          </a:p>
+          <a:p>
+            <a:r>
+              <a:rPr lang="en-US" sz="2400" b="1" dirty="0" smtClean="0"/>
+              <a:t>Topic: </a:t>
+            </a:r>
+            <a:r>
+              <a:rPr lang="en-US" sz="2400" dirty="0" smtClean="0"/>
+              <a:t>Automobile data (Cars)</a:t>
+            </a:r>
+            <a:endParaRPr lang="en-SG" sz="2400" dirty="0"/>
           </a:p>
         </p:txBody>
       </p:sp>
       <p:pic>
         <p:nvPicPr>
-          <p:cNvPr id="5" name="Picture 4"/>
+          <p:cNvPr id="4" name="Picture 3"/>
           <p:cNvPicPr>
             <a:picLocks noChangeAspect="1"/>
           </p:cNvPicPr>
@@ -7027,7 +7041,7 @@
           <a:blip r:embed="rId2" cstate="print">
             <a:extLst>
               <a:ext uri="{28A0092B-C50C-407E-A947-70E740481C1C}">
-                <a14:useLocalDpi xmlns:a14="http://schemas.microsoft.com/office/drawing/2010/main" xmlns="" val="0"/>
+                <a14:useLocalDpi xmlns="" xmlns:a14="http://schemas.microsoft.com/office/drawing/2010/main" val="0"/>
               </a:ext>
             </a:extLst>
           </a:blip>
@@ -7037,8 +7051,8 @@
         </p:blipFill>
         <p:spPr>
           <a:xfrm>
-            <a:off x="827584" y="206206"/>
-            <a:ext cx="3028950" cy="1514475"/>
+            <a:off x="1763688" y="2492895"/>
+            <a:ext cx="2664296" cy="2078301"/>
           </a:xfrm>
           <a:prstGeom prst="rect">
             <a:avLst/>
@@ -7048,7 +7062,7 @@
     </p:spTree>
     <p:extLst>
       <p:ext uri="{BB962C8B-B14F-4D97-AF65-F5344CB8AC3E}">
-        <p14:creationId xmlns:p14="http://schemas.microsoft.com/office/powerpoint/2010/main" xmlns="" val="4044958452"/>
+        <p14:creationId xmlns="" xmlns:p14="http://schemas.microsoft.com/office/powerpoint/2010/main" val="1682145601"/>
       </p:ext>
     </p:extLst>
   </p:cSld>
@@ -7123,16 +7137,22 @@
             </a:br>
             <a:r>
               <a:rPr lang="en-SG" sz="3200" dirty="0" smtClean="0"/>
-              <a:t>Q10: </a:t>
+              <a:t/>
+            </a:r>
+            <a:br>
+              <a:rPr lang="en-SG" sz="3200" dirty="0" smtClean="0"/>
+            </a:br>
+            <a:r>
+              <a:rPr lang="en-SG" sz="3200" dirty="0" smtClean="0"/>
+              <a:t>Q11: </a:t>
             </a:r>
             <a:r>
               <a:rPr lang="en-US" sz="3200" dirty="0"/>
-              <a:t>What </a:t>
-            </a:r>
-            <a:r>
-              <a:rPr lang="en-US" sz="3200" dirty="0" smtClean="0"/>
-              <a:t> factors  impact  mileage?</a:t>
-            </a:r>
+              <a:t>What is the Best car in terms of both price and mileage ?</a:t>
+            </a:r>
+            <a:br>
+              <a:rPr lang="en-US" sz="3200" dirty="0"/>
+            </a:br>
             <a:r>
               <a:rPr lang="en-US" sz="3200" dirty="0"/>
               <a:t/>
@@ -7195,12 +7215,36 @@
             </a:r>
             <a:r>
               <a:rPr lang="en-US" sz="1200" b="1" i="1" dirty="0" smtClean="0"/>
-              <a:t>scatter plot</a:t>
+              <a:t>PairGrid plot</a:t>
             </a:r>
             <a:r>
               <a:rPr lang="en-US" sz="1200" dirty="0" smtClean="0"/>
-              <a:t> of city mpg with various variables such as wheel-base, curb-weight and so on.</a:t>
-            </a:r>
+              <a:t> of city mpg and price with make</a:t>
+            </a:r>
+            <a:endParaRPr lang="en-US" sz="1200" dirty="0"/>
+          </a:p>
+          <a:p>
+            <a:pPr lvl="2">
+              <a:buFont typeface="Wingdings" panose="05000000000000000000" pitchFamily="2" charset="2"/>
+              <a:buChar char="Ø"/>
+            </a:pPr>
+            <a:r>
+              <a:rPr lang="en-US" sz="1200" dirty="0" smtClean="0"/>
+              <a:t> </a:t>
+            </a:r>
+            <a:r>
+              <a:rPr lang="en-US" sz="1200" b="1" i="1" dirty="0" smtClean="0"/>
+              <a:t>PairGrid </a:t>
+            </a:r>
+            <a:r>
+              <a:rPr lang="en-US" sz="1200" dirty="0"/>
+              <a:t>is </a:t>
+            </a:r>
+            <a:r>
+              <a:rPr lang="en-US" sz="1200" dirty="0" smtClean="0"/>
+              <a:t>chosen as it enables to plot pair wise relationships between different variables.</a:t>
+            </a:r>
+            <a:endParaRPr lang="en-US" sz="1200" dirty="0"/>
           </a:p>
           <a:p>
             <a:pPr lvl="1">
@@ -7244,155 +7288,119 @@
             <a:endParaRPr lang="en-US" sz="1200" b="1" dirty="0" smtClean="0"/>
           </a:p>
           <a:p>
+            <a:pPr marL="457200" lvl="1" indent="0">
+              <a:buNone/>
+            </a:pPr>
+            <a:endParaRPr lang="en-US" sz="1200" b="1" dirty="0"/>
+          </a:p>
+          <a:p>
+            <a:pPr marL="457200" lvl="1" indent="0">
+              <a:buNone/>
+            </a:pPr>
+            <a:endParaRPr lang="en-US" sz="1200" b="1" dirty="0" smtClean="0"/>
+          </a:p>
+          <a:p>
+            <a:pPr marL="457200" lvl="1" indent="0">
+              <a:buNone/>
+            </a:pPr>
+            <a:endParaRPr lang="en-US" sz="1200" b="1" dirty="0"/>
+          </a:p>
+          <a:p>
+            <a:pPr marL="457200" lvl="1" indent="0">
+              <a:buNone/>
+            </a:pPr>
+            <a:endParaRPr lang="en-US" sz="1200" b="1" dirty="0" smtClean="0"/>
+          </a:p>
+          <a:p>
+            <a:pPr marL="457200" lvl="1" indent="0">
+              <a:buNone/>
+            </a:pPr>
+            <a:endParaRPr lang="en-US" sz="1200" b="1" dirty="0"/>
+          </a:p>
+          <a:p>
+            <a:pPr marL="457200" lvl="1" indent="0">
+              <a:buNone/>
+            </a:pPr>
+            <a:endParaRPr lang="en-US" sz="1200" b="1" dirty="0" smtClean="0"/>
+          </a:p>
+          <a:p>
+            <a:pPr lvl="1"/>
+            <a:endParaRPr lang="en-SG" sz="1200" b="1" dirty="0" smtClean="0"/>
+          </a:p>
+          <a:p>
+            <a:pPr lvl="1"/>
+            <a:endParaRPr lang="en-SG" sz="1200" b="1" dirty="0"/>
+          </a:p>
+          <a:p>
+            <a:pPr lvl="1"/>
+            <a:r>
+              <a:rPr lang="en-SG" sz="1200" b="1" dirty="0" smtClean="0"/>
+              <a:t>Findings:</a:t>
+            </a:r>
+            <a:endParaRPr lang="en-SG" sz="1200" b="1" dirty="0"/>
+          </a:p>
+          <a:p>
+            <a:pPr lvl="2">
+              <a:buFont typeface="Wingdings" panose="05000000000000000000" pitchFamily="2" charset="2"/>
+              <a:buChar char="Ø"/>
+            </a:pPr>
+            <a:r>
+              <a:rPr lang="en-SG" sz="1200" dirty="0" smtClean="0"/>
+              <a:t>Chevrolet </a:t>
+            </a:r>
+            <a:r>
+              <a:rPr lang="en-SG" sz="1200" dirty="0"/>
+              <a:t>is best car in terms of price and mileage</a:t>
+            </a:r>
+          </a:p>
+          <a:p>
+            <a:pPr lvl="2">
+              <a:buFont typeface="Wingdings" panose="05000000000000000000" pitchFamily="2" charset="2"/>
+              <a:buChar char="Ø"/>
+            </a:pPr>
+            <a:r>
+              <a:rPr lang="en-SG" sz="1200" dirty="0"/>
+              <a:t>Jaguar is on the other end of spectrum in terms of price and </a:t>
+            </a:r>
+            <a:r>
+              <a:rPr lang="en-SG" sz="1200" dirty="0" smtClean="0"/>
+              <a:t>mileage</a:t>
+            </a:r>
+            <a:endParaRPr lang="en-SG" sz="1200" b="1" dirty="0"/>
+          </a:p>
+          <a:p>
             <a:pPr lvl="1">
               <a:buFont typeface="Arial" panose="020B0604020202020204" pitchFamily="34" charset="0"/>
               <a:buChar char="•"/>
             </a:pPr>
-            <a:r>
-              <a:rPr lang="en-SG" sz="1200" b="1" dirty="0" smtClean="0"/>
-              <a:t>Findings:</a:t>
-            </a:r>
-            <a:endParaRPr lang="en-SG" sz="1200" b="1" dirty="0"/>
-          </a:p>
-          <a:p>
-            <a:pPr marL="457200" lvl="1" indent="0">
-              <a:buNone/>
-            </a:pPr>
-            <a:r>
-              <a:rPr lang="en-SG" sz="1200" b="1" dirty="0" smtClean="0"/>
-              <a:t>	- Negative </a:t>
-            </a:r>
-            <a:r>
-              <a:rPr lang="en-SG" sz="1200" b="1" dirty="0"/>
-              <a:t>relationship of </a:t>
-            </a:r>
-            <a:r>
-              <a:rPr lang="en-SG" sz="1200" b="1" dirty="0" smtClean="0"/>
-              <a:t>city mpg </a:t>
-            </a:r>
-            <a:r>
-              <a:rPr lang="en-SG" sz="1200" b="1" dirty="0"/>
-              <a:t>with:</a:t>
-            </a:r>
-          </a:p>
-          <a:p>
-            <a:pPr marL="411480" lvl="1" indent="0">
-              <a:buNone/>
-            </a:pPr>
-            <a:r>
-              <a:rPr lang="en-SG" sz="1200" dirty="0"/>
-              <a:t>		wheel base</a:t>
-            </a:r>
-          </a:p>
-          <a:p>
-            <a:pPr marL="411480" lvl="1" indent="0">
-              <a:buNone/>
-            </a:pPr>
-            <a:r>
-              <a:rPr lang="en-SG" sz="1200" dirty="0" smtClean="0"/>
-              <a:t>		Length </a:t>
-            </a:r>
-            <a:r>
-              <a:rPr lang="en-SG" sz="1200" dirty="0"/>
-              <a:t>(though there are some outliers that doesn’t fit nicely)</a:t>
-            </a:r>
-          </a:p>
-          <a:p>
-            <a:pPr marL="411480" lvl="1" indent="0">
-              <a:buNone/>
-            </a:pPr>
-            <a:r>
-              <a:rPr lang="en-SG" sz="1200" dirty="0" smtClean="0"/>
-              <a:t>		Width</a:t>
-            </a:r>
-            <a:endParaRPr lang="en-SG" sz="1200" dirty="0"/>
-          </a:p>
-          <a:p>
-            <a:pPr marL="411480" lvl="1" indent="0">
-              <a:buNone/>
-            </a:pPr>
-            <a:r>
-              <a:rPr lang="en-SG" sz="1200" dirty="0" smtClean="0"/>
-              <a:t>		Curb </a:t>
-            </a:r>
-            <a:r>
-              <a:rPr lang="en-SG" sz="1200" dirty="0"/>
-              <a:t>weight</a:t>
-            </a:r>
-          </a:p>
-          <a:p>
-            <a:pPr marL="411480" lvl="1" indent="0">
-              <a:buNone/>
-            </a:pPr>
-            <a:r>
-              <a:rPr lang="en-SG" sz="1200" dirty="0" smtClean="0"/>
-              <a:t>		Engine-size</a:t>
-            </a:r>
-            <a:endParaRPr lang="en-SG" sz="1200" dirty="0"/>
-          </a:p>
-          <a:p>
-            <a:pPr marL="411480" lvl="1" indent="0">
-              <a:buNone/>
-            </a:pPr>
-            <a:r>
-              <a:rPr lang="en-SG" sz="1200" dirty="0" smtClean="0"/>
-              <a:t>		horsepower</a:t>
-            </a:r>
-            <a:endParaRPr lang="en-SG" sz="1200" dirty="0"/>
-          </a:p>
-          <a:p>
-            <a:pPr marL="411480" lvl="1" indent="0">
-              <a:buNone/>
-            </a:pPr>
-            <a:r>
-              <a:rPr lang="en-SG" sz="1200" dirty="0" smtClean="0"/>
-              <a:t>		price</a:t>
-            </a:r>
-            <a:endParaRPr lang="en-SG" sz="1200" dirty="0"/>
-          </a:p>
-          <a:p>
-            <a:pPr marL="411480" lvl="1" indent="0">
-              <a:buNone/>
-            </a:pPr>
-            <a:r>
-              <a:rPr lang="en-SG" sz="1200" b="1" dirty="0" smtClean="0"/>
-              <a:t>  	- No relationship of city mpg with rest all variables</a:t>
-            </a:r>
-            <a:endParaRPr lang="en-SG" sz="1200" b="1" dirty="0"/>
+            <a:endParaRPr lang="en-SG" sz="1200" b="1" dirty="0" smtClean="0"/>
           </a:p>
           <a:p>
             <a:pPr lvl="1">
               <a:buFont typeface="Arial" panose="020B0604020202020204" pitchFamily="34" charset="0"/>
               <a:buChar char="•"/>
             </a:pPr>
-            <a:endParaRPr lang="en-SG" sz="1200" b="1" dirty="0" smtClean="0"/>
+            <a:endParaRPr lang="en-SG" sz="1200" b="1" dirty="0"/>
           </a:p>
           <a:p>
             <a:pPr lvl="1">
               <a:buFont typeface="Arial" panose="020B0604020202020204" pitchFamily="34" charset="0"/>
               <a:buChar char="•"/>
             </a:pPr>
-            <a:endParaRPr lang="en-SG" sz="1200" b="1" dirty="0"/>
+            <a:endParaRPr lang="en-SG" sz="1200" b="1" dirty="0" smtClean="0"/>
           </a:p>
           <a:p>
             <a:pPr lvl="1">
               <a:buFont typeface="Arial" panose="020B0604020202020204" pitchFamily="34" charset="0"/>
               <a:buChar char="•"/>
             </a:pPr>
-            <a:endParaRPr lang="en-SG" sz="1200" b="1" dirty="0" smtClean="0"/>
+            <a:endParaRPr lang="en-SG" sz="1200" b="1" dirty="0"/>
           </a:p>
           <a:p>
             <a:pPr lvl="1">
               <a:buFont typeface="Arial" panose="020B0604020202020204" pitchFamily="34" charset="0"/>
               <a:buChar char="•"/>
             </a:pPr>
-            <a:endParaRPr lang="en-SG" sz="1200" b="1" dirty="0"/>
-          </a:p>
-          <a:p>
-            <a:pPr lvl="1">
-              <a:buFont typeface="Arial" panose="020B0604020202020204" pitchFamily="34" charset="0"/>
-              <a:buChar char="•"/>
-            </a:pPr>
             <a:endParaRPr lang="en-SG" sz="1200" b="1" dirty="0" smtClean="0"/>
           </a:p>
           <a:p>
@@ -7403,36 +7411,64 @@
           </a:p>
         </p:txBody>
       </p:sp>
-      <p:graphicFrame>
-        <p:nvGraphicFramePr>
-          <p:cNvPr id="5" name="Object 4"/>
-          <p:cNvGraphicFramePr>
-            <a:graphicFrameLocks noChangeAspect="1"/>
-          </p:cNvGraphicFramePr>
-          <p:nvPr>
-            <p:extLst>
-              <p:ext uri="{D42A27DB-BD31-4B8C-83A1-F6EECF244321}">
-                <p14:modId xmlns:p14="http://schemas.microsoft.com/office/powerpoint/2010/main" xmlns="" val="3298746550"/>
-              </p:ext>
-            </p:extLst>
-          </p:nvPr>
-        </p:nvGraphicFramePr>
-        <p:xfrm>
-          <a:off x="1331640" y="2564904"/>
-          <a:ext cx="914400" cy="714375"/>
-        </p:xfrm>
-        <a:graphic>
-          <a:graphicData uri="http://schemas.openxmlformats.org/presentationml/2006/ole">
-            <p:oleObj spid="_x0000_s15365" name="Document" showAsIcon="1" r:id="rId3" imgW="914400" imgH="714240" progId="Word.Document.12">
-              <p:embed/>
-            </p:oleObj>
-          </a:graphicData>
-        </a:graphic>
-      </p:graphicFrame>
+      <p:pic>
+        <p:nvPicPr>
+          <p:cNvPr id="16387" name="Picture 3"/>
+          <p:cNvPicPr>
+            <a:picLocks noChangeAspect="1" noChangeArrowheads="1"/>
+          </p:cNvPicPr>
+          <p:nvPr/>
+        </p:nvPicPr>
+        <p:blipFill>
+          <a:blip r:embed="rId2" cstate="print">
+            <a:extLst>
+              <a:ext uri="{28A0092B-C50C-407E-A947-70E740481C1C}">
+                <a14:useLocalDpi xmlns="" xmlns:a14="http://schemas.microsoft.com/office/drawing/2010/main" val="0"/>
+              </a:ext>
+            </a:extLst>
+          </a:blip>
+          <a:srcRect/>
+          <a:stretch>
+            <a:fillRect/>
+          </a:stretch>
+        </p:blipFill>
+        <p:spPr bwMode="auto">
+          <a:xfrm>
+            <a:off x="1259632" y="2694034"/>
+            <a:ext cx="6048672" cy="2600234"/>
+          </a:xfrm>
+          <a:prstGeom prst="rect">
+            <a:avLst/>
+          </a:prstGeom>
+          <a:noFill/>
+          <a:ln>
+            <a:noFill/>
+          </a:ln>
+          <a:extLst>
+            <a:ext uri="{909E8E84-426E-40DD-AFC4-6F175D3DCCD1}">
+              <a14:hiddenFill xmlns="" xmlns:a14="http://schemas.microsoft.com/office/drawing/2010/main">
+                <a:solidFill>
+                  <a:schemeClr val="accent1"/>
+                </a:solidFill>
+              </a14:hiddenFill>
+            </a:ext>
+            <a:ext uri="{91240B29-F687-4F45-9708-019B960494DF}">
+              <a14:hiddenLine xmlns="" xmlns:a14="http://schemas.microsoft.com/office/drawing/2010/main" w="9525">
+                <a:solidFill>
+                  <a:schemeClr val="tx1"/>
+                </a:solidFill>
+                <a:miter lim="800000"/>
+                <a:headEnd/>
+                <a:tailEnd/>
+              </a14:hiddenLine>
+            </a:ext>
+          </a:extLst>
+        </p:spPr>
+      </p:pic>
     </p:spTree>
     <p:extLst>
       <p:ext uri="{BB962C8B-B14F-4D97-AF65-F5344CB8AC3E}">
-        <p14:creationId xmlns:p14="http://schemas.microsoft.com/office/powerpoint/2010/main" xmlns="" val="2876775159"/>
+        <p14:creationId xmlns="" xmlns:p14="http://schemas.microsoft.com/office/powerpoint/2010/main" val="2934718447"/>
       </p:ext>
     </p:extLst>
   </p:cSld>
@@ -7479,311 +7515,22 @@
             <p:ph type="title"/>
           </p:nvPr>
         </p:nvSpPr>
-        <p:spPr>
-          <a:xfrm>
-            <a:off x="467544" y="188640"/>
-            <a:ext cx="8219256" cy="1228998"/>
-          </a:xfrm>
-        </p:spPr>
-        <p:txBody>
-          <a:bodyPr>
-            <a:noAutofit/>
-          </a:bodyPr>
-          <a:lstStyle/>
-          <a:p>
-            <a:r>
-              <a:rPr lang="en-SG" sz="3200" dirty="0" smtClean="0"/>
-              <a:t/>
-            </a:r>
-            <a:br>
-              <a:rPr lang="en-SG" sz="3200" dirty="0" smtClean="0"/>
-            </a:br>
-            <a:r>
-              <a:rPr lang="en-SG" sz="3200" dirty="0" smtClean="0"/>
-              <a:t/>
-            </a:r>
-            <a:br>
-              <a:rPr lang="en-SG" sz="3200" dirty="0" smtClean="0"/>
-            </a:br>
-            <a:r>
-              <a:rPr lang="en-SG" sz="3200" dirty="0" smtClean="0"/>
-              <a:t/>
-            </a:r>
-            <a:br>
-              <a:rPr lang="en-SG" sz="3200" dirty="0" smtClean="0"/>
-            </a:br>
-            <a:r>
-              <a:rPr lang="en-SG" sz="3200" dirty="0" smtClean="0"/>
-              <a:t>Q11: </a:t>
-            </a:r>
-            <a:r>
-              <a:rPr lang="en-US" sz="3200" dirty="0"/>
-              <a:t>What is the Best car in terms of both price and mileage ?</a:t>
-            </a:r>
-            <a:br>
-              <a:rPr lang="en-US" sz="3200" dirty="0"/>
-            </a:br>
-            <a:r>
-              <a:rPr lang="en-US" sz="3200" dirty="0"/>
-              <a:t/>
-            </a:r>
-            <a:br>
-              <a:rPr lang="en-US" sz="3200" dirty="0"/>
-            </a:br>
-            <a:r>
-              <a:rPr lang="en-US" sz="3200" dirty="0"/>
-              <a:t/>
-            </a:r>
-            <a:br>
-              <a:rPr lang="en-US" sz="3200" dirty="0"/>
-            </a:br>
-            <a:r>
-              <a:rPr lang="en-SG" sz="3200" dirty="0"/>
-              <a:t/>
-            </a:r>
-            <a:br>
-              <a:rPr lang="en-SG" sz="3200" dirty="0"/>
-            </a:br>
-            <a:endParaRPr lang="en-SG" sz="3200" dirty="0"/>
-          </a:p>
-        </p:txBody>
-      </p:sp>
-      <p:sp>
-        <p:nvSpPr>
-          <p:cNvPr id="3" name="Content Placeholder 2"/>
-          <p:cNvSpPr>
-            <a:spLocks noGrp="1"/>
-          </p:cNvSpPr>
-          <p:nvPr>
-            <p:ph idx="1"/>
-          </p:nvPr>
-        </p:nvSpPr>
         <p:spPr/>
         <p:txBody>
-          <a:bodyPr>
-            <a:normAutofit/>
-          </a:bodyPr>
+          <a:bodyPr/>
           <a:lstStyle/>
           <a:p>
-            <a:pPr lvl="1">
-              <a:buFont typeface="Arial" panose="020B0604020202020204" pitchFamily="34" charset="0"/>
-              <a:buChar char="•"/>
-            </a:pPr>
-            <a:r>
-              <a:rPr lang="en-SG" sz="1200" b="1" dirty="0" smtClean="0"/>
-              <a:t>Approach:</a:t>
-            </a:r>
-          </a:p>
-          <a:p>
-            <a:pPr lvl="2">
-              <a:buFont typeface="Wingdings" panose="05000000000000000000" pitchFamily="2" charset="2"/>
-              <a:buChar char="Ø"/>
-            </a:pPr>
-            <a:r>
-              <a:rPr lang="en-US" sz="1200" dirty="0" smtClean="0"/>
-              <a:t>To plot a </a:t>
-            </a:r>
-            <a:r>
-              <a:rPr lang="en-US" sz="1200" b="1" i="1" dirty="0" smtClean="0"/>
-              <a:t>PairGrid plot</a:t>
-            </a:r>
-            <a:r>
-              <a:rPr lang="en-US" sz="1200" dirty="0" smtClean="0"/>
-              <a:t> of city mpg and price with make</a:t>
-            </a:r>
-            <a:endParaRPr lang="en-US" sz="1200" dirty="0"/>
-          </a:p>
-          <a:p>
-            <a:pPr lvl="2">
-              <a:buFont typeface="Wingdings" panose="05000000000000000000" pitchFamily="2" charset="2"/>
-              <a:buChar char="Ø"/>
-            </a:pPr>
-            <a:r>
-              <a:rPr lang="en-US" sz="1200" dirty="0" smtClean="0"/>
-              <a:t> </a:t>
-            </a:r>
-            <a:r>
-              <a:rPr lang="en-US" sz="1200" b="1" i="1" dirty="0" smtClean="0"/>
-              <a:t>PairGrid </a:t>
-            </a:r>
-            <a:r>
-              <a:rPr lang="en-US" sz="1200" dirty="0"/>
-              <a:t>is </a:t>
-            </a:r>
-            <a:r>
-              <a:rPr lang="en-US" sz="1200" dirty="0" smtClean="0"/>
-              <a:t>chosen as it enables to plot pair wise relationships between different variables.</a:t>
-            </a:r>
-            <a:endParaRPr lang="en-US" sz="1200" dirty="0"/>
-          </a:p>
-          <a:p>
-            <a:pPr lvl="1">
-              <a:buFont typeface="Arial" panose="020B0604020202020204" pitchFamily="34" charset="0"/>
-              <a:buChar char="•"/>
-            </a:pPr>
-            <a:endParaRPr lang="en-SG" sz="1200" b="1" dirty="0" smtClean="0"/>
-          </a:p>
-          <a:p>
-            <a:pPr lvl="1">
-              <a:buFont typeface="Arial" panose="020B0604020202020204" pitchFamily="34" charset="0"/>
-              <a:buChar char="•"/>
-            </a:pPr>
-            <a:r>
-              <a:rPr lang="en-SG" sz="1200" b="1" dirty="0" smtClean="0"/>
-              <a:t>Visualizations:</a:t>
-            </a:r>
-          </a:p>
-          <a:p>
-            <a:pPr marL="457200" lvl="1" indent="0">
-              <a:buNone/>
-            </a:pPr>
-            <a:endParaRPr lang="en-US" sz="1200" b="1" dirty="0" smtClean="0"/>
-          </a:p>
-          <a:p>
-            <a:pPr marL="457200" lvl="1" indent="0">
-              <a:buNone/>
-            </a:pPr>
-            <a:endParaRPr lang="en-US" sz="1200" b="1" dirty="0"/>
-          </a:p>
-          <a:p>
-            <a:pPr marL="457200" lvl="1" indent="0">
-              <a:buNone/>
-            </a:pPr>
-            <a:endParaRPr lang="en-US" sz="1200" b="1" dirty="0"/>
-          </a:p>
-          <a:p>
-            <a:pPr marL="457200" lvl="1" indent="0">
-              <a:buNone/>
-            </a:pPr>
-            <a:endParaRPr lang="en-US" sz="1200" b="1" dirty="0" smtClean="0"/>
-          </a:p>
-          <a:p>
-            <a:pPr marL="457200" lvl="1" indent="0">
-              <a:buNone/>
-            </a:pPr>
-            <a:endParaRPr lang="en-US" sz="1200" b="1" dirty="0"/>
-          </a:p>
-          <a:p>
-            <a:pPr marL="457200" lvl="1" indent="0">
-              <a:buNone/>
-            </a:pPr>
-            <a:endParaRPr lang="en-US" sz="1200" b="1" dirty="0" smtClean="0"/>
-          </a:p>
-          <a:p>
-            <a:pPr marL="457200" lvl="1" indent="0">
-              <a:buNone/>
-            </a:pPr>
-            <a:endParaRPr lang="en-US" sz="1200" b="1" dirty="0"/>
-          </a:p>
-          <a:p>
-            <a:pPr marL="457200" lvl="1" indent="0">
-              <a:buNone/>
-            </a:pPr>
-            <a:endParaRPr lang="en-US" sz="1200" b="1" dirty="0" smtClean="0"/>
-          </a:p>
-          <a:p>
-            <a:pPr marL="457200" lvl="1" indent="0">
-              <a:buNone/>
-            </a:pPr>
-            <a:endParaRPr lang="en-US" sz="1200" b="1" dirty="0"/>
-          </a:p>
-          <a:p>
-            <a:pPr marL="457200" lvl="1" indent="0">
-              <a:buNone/>
-            </a:pPr>
-            <a:endParaRPr lang="en-US" sz="1200" b="1" dirty="0" smtClean="0"/>
-          </a:p>
-          <a:p>
-            <a:pPr lvl="1"/>
-            <a:endParaRPr lang="en-SG" sz="1200" b="1" dirty="0" smtClean="0"/>
-          </a:p>
-          <a:p>
-            <a:pPr lvl="1"/>
-            <a:endParaRPr lang="en-SG" sz="1200" b="1" dirty="0"/>
-          </a:p>
-          <a:p>
-            <a:pPr lvl="1"/>
-            <a:r>
-              <a:rPr lang="en-SG" sz="1200" b="1" dirty="0" smtClean="0"/>
-              <a:t>Findings:</a:t>
-            </a:r>
-            <a:endParaRPr lang="en-SG" sz="1200" b="1" dirty="0"/>
-          </a:p>
-          <a:p>
-            <a:pPr lvl="2">
-              <a:buFont typeface="Wingdings" panose="05000000000000000000" pitchFamily="2" charset="2"/>
-              <a:buChar char="Ø"/>
-            </a:pPr>
-            <a:r>
-              <a:rPr lang="en-SG" sz="1200" dirty="0" smtClean="0"/>
-              <a:t>Chevrolet </a:t>
-            </a:r>
-            <a:r>
-              <a:rPr lang="en-SG" sz="1200" dirty="0"/>
-              <a:t>is best car in terms of price and mileage</a:t>
-            </a:r>
-          </a:p>
-          <a:p>
-            <a:pPr lvl="2">
-              <a:buFont typeface="Wingdings" panose="05000000000000000000" pitchFamily="2" charset="2"/>
-              <a:buChar char="Ø"/>
-            </a:pPr>
-            <a:r>
-              <a:rPr lang="en-SG" sz="1200" dirty="0"/>
-              <a:t>Jaguar is on the other end of spectrum in terms of price and </a:t>
-            </a:r>
-            <a:r>
-              <a:rPr lang="en-SG" sz="1200" dirty="0" smtClean="0"/>
-              <a:t>mileage</a:t>
-            </a:r>
-            <a:endParaRPr lang="en-SG" sz="1200" b="1" dirty="0"/>
-          </a:p>
-          <a:p>
-            <a:pPr lvl="1">
-              <a:buFont typeface="Arial" panose="020B0604020202020204" pitchFamily="34" charset="0"/>
-              <a:buChar char="•"/>
-            </a:pPr>
-            <a:endParaRPr lang="en-SG" sz="1200" b="1" dirty="0" smtClean="0"/>
-          </a:p>
-          <a:p>
-            <a:pPr lvl="1">
-              <a:buFont typeface="Arial" panose="020B0604020202020204" pitchFamily="34" charset="0"/>
-              <a:buChar char="•"/>
-            </a:pPr>
-            <a:endParaRPr lang="en-SG" sz="1200" b="1" dirty="0"/>
-          </a:p>
-          <a:p>
-            <a:pPr lvl="1">
-              <a:buFont typeface="Arial" panose="020B0604020202020204" pitchFamily="34" charset="0"/>
-              <a:buChar char="•"/>
-            </a:pPr>
-            <a:endParaRPr lang="en-SG" sz="1200" b="1" dirty="0" smtClean="0"/>
-          </a:p>
-          <a:p>
-            <a:pPr lvl="1">
-              <a:buFont typeface="Arial" panose="020B0604020202020204" pitchFamily="34" charset="0"/>
-              <a:buChar char="•"/>
-            </a:pPr>
-            <a:endParaRPr lang="en-SG" sz="1200" b="1" dirty="0"/>
-          </a:p>
-          <a:p>
-            <a:pPr lvl="1">
-              <a:buFont typeface="Arial" panose="020B0604020202020204" pitchFamily="34" charset="0"/>
-              <a:buChar char="•"/>
-            </a:pPr>
-            <a:endParaRPr lang="en-SG" sz="1200" b="1" dirty="0" smtClean="0"/>
-          </a:p>
-          <a:p>
-            <a:pPr marL="457200" lvl="1" indent="0">
-              <a:buNone/>
-            </a:pPr>
-            <a:endParaRPr lang="en-SG" sz="1200" b="1" dirty="0"/>
+            <a:r>
+              <a:rPr lang="en-US" dirty="0" smtClean="0"/>
+              <a:t>Appendix	</a:t>
+            </a:r>
+            <a:endParaRPr lang="en-SG" dirty="0"/>
           </a:p>
         </p:txBody>
       </p:sp>
       <p:pic>
         <p:nvPicPr>
-          <p:cNvPr id="16387" name="Picture 3"/>
+          <p:cNvPr id="16386" name="Picture 2"/>
           <p:cNvPicPr>
             <a:picLocks noChangeAspect="1" noChangeArrowheads="1"/>
           </p:cNvPicPr>
@@ -7793,7 +7540,7 @@
           <a:blip r:embed="rId2" cstate="print">
             <a:extLst>
               <a:ext uri="{28A0092B-C50C-407E-A947-70E740481C1C}">
-                <a14:useLocalDpi xmlns:a14="http://schemas.microsoft.com/office/drawing/2010/main" xmlns="" val="0"/>
+                <a14:useLocalDpi xmlns="" xmlns:a14="http://schemas.microsoft.com/office/drawing/2010/main" val="0"/>
               </a:ext>
             </a:extLst>
           </a:blip>
@@ -7804,8 +7551,8 @@
         </p:blipFill>
         <p:spPr bwMode="auto">
           <a:xfrm>
-            <a:off x="1259632" y="2694034"/>
-            <a:ext cx="6048672" cy="2600234"/>
+            <a:off x="467544" y="2132856"/>
+            <a:ext cx="7734300" cy="3609975"/>
           </a:xfrm>
           <a:prstGeom prst="rect">
             <a:avLst/>
@@ -7816,14 +7563,14 @@
           </a:ln>
           <a:extLst>
             <a:ext uri="{909E8E84-426E-40DD-AFC4-6F175D3DCCD1}">
-              <a14:hiddenFill xmlns:a14="http://schemas.microsoft.com/office/drawing/2010/main" xmlns="">
+              <a14:hiddenFill xmlns="" xmlns:a14="http://schemas.microsoft.com/office/drawing/2010/main">
                 <a:solidFill>
                   <a:schemeClr val="accent1"/>
                 </a:solidFill>
               </a14:hiddenFill>
             </a:ext>
             <a:ext uri="{91240B29-F687-4F45-9708-019B960494DF}">
-              <a14:hiddenLine xmlns:a14="http://schemas.microsoft.com/office/drawing/2010/main" xmlns="" w="9525">
+              <a14:hiddenLine xmlns="" xmlns:a14="http://schemas.microsoft.com/office/drawing/2010/main" w="9525">
                 <a:solidFill>
                   <a:schemeClr val="tx1"/>
                 </a:solidFill>
@@ -7838,7 +7585,7 @@
     </p:spTree>
     <p:extLst>
       <p:ext uri="{BB962C8B-B14F-4D97-AF65-F5344CB8AC3E}">
-        <p14:creationId xmlns:p14="http://schemas.microsoft.com/office/powerpoint/2010/main" xmlns="" val="2934718447"/>
+        <p14:creationId xmlns="" xmlns:p14="http://schemas.microsoft.com/office/powerpoint/2010/main" val="2851777815"/>
       </p:ext>
     </p:extLst>
   </p:cSld>
@@ -7892,72 +7639,91 @@
           <a:p>
             <a:r>
               <a:rPr lang="en-US" dirty="0" smtClean="0"/>
-              <a:t>Appendix	</a:t>
-            </a:r>
-            <a:endParaRPr lang="en-SG" dirty="0"/>
+              <a:t>Continued…</a:t>
+            </a:r>
+            <a:endParaRPr lang="en-IN" dirty="0"/>
           </a:p>
         </p:txBody>
       </p:sp>
-      <p:pic>
-        <p:nvPicPr>
-          <p:cNvPr id="16386" name="Picture 2"/>
-          <p:cNvPicPr>
-            <a:picLocks noChangeAspect="1" noChangeArrowheads="1"/>
-          </p:cNvPicPr>
-          <p:nvPr/>
-        </p:nvPicPr>
-        <p:blipFill>
-          <a:blip r:embed="rId2" cstate="print">
-            <a:extLst>
-              <a:ext uri="{28A0092B-C50C-407E-A947-70E740481C1C}">
-                <a14:useLocalDpi xmlns:a14="http://schemas.microsoft.com/office/drawing/2010/main" xmlns="" val="0"/>
-              </a:ext>
-            </a:extLst>
-          </a:blip>
-          <a:srcRect/>
-          <a:stretch>
-            <a:fillRect/>
-          </a:stretch>
-        </p:blipFill>
-        <p:spPr bwMode="auto">
-          <a:xfrm>
-            <a:off x="467544" y="2132856"/>
-            <a:ext cx="7734300" cy="3609975"/>
-          </a:xfrm>
-          <a:prstGeom prst="rect">
-            <a:avLst/>
-          </a:prstGeom>
-          <a:noFill/>
-          <a:ln>
-            <a:noFill/>
-          </a:ln>
-          <a:extLst>
-            <a:ext uri="{909E8E84-426E-40DD-AFC4-6F175D3DCCD1}">
-              <a14:hiddenFill xmlns:a14="http://schemas.microsoft.com/office/drawing/2010/main" xmlns="">
-                <a:solidFill>
-                  <a:schemeClr val="accent1"/>
-                </a:solidFill>
-              </a14:hiddenFill>
-            </a:ext>
-            <a:ext uri="{91240B29-F687-4F45-9708-019B960494DF}">
-              <a14:hiddenLine xmlns:a14="http://schemas.microsoft.com/office/drawing/2010/main" xmlns="" w="9525">
-                <a:solidFill>
-                  <a:schemeClr val="tx1"/>
-                </a:solidFill>
-                <a:miter lim="800000"/>
-                <a:headEnd/>
-                <a:tailEnd/>
-              </a14:hiddenLine>
-            </a:ext>
-          </a:extLst>
-        </p:spPr>
-      </p:pic>
+      <p:sp>
+        <p:nvSpPr>
+          <p:cNvPr id="3" name="Content Placeholder 2"/>
+          <p:cNvSpPr>
+            <a:spLocks noGrp="1"/>
+          </p:cNvSpPr>
+          <p:nvPr>
+            <p:ph idx="1"/>
+          </p:nvPr>
+        </p:nvSpPr>
+        <p:spPr/>
+        <p:txBody>
+          <a:bodyPr/>
+          <a:lstStyle/>
+          <a:p>
+            <a:r>
+              <a:rPr lang="en-IN" dirty="0" smtClean="0"/>
+              <a:t>Code:</a:t>
+            </a:r>
+          </a:p>
+          <a:p>
+            <a:pPr>
+              <a:buNone/>
+            </a:pPr>
+            <a:r>
+              <a:rPr lang="en-IN" sz="1200" dirty="0" smtClean="0">
+                <a:hlinkClick r:id="rId2"/>
+              </a:rPr>
+              <a:t>https://nbviewer.jupyter.org/github/brad678/Automobile_EDA-project/blob/master/auto.ipynb</a:t>
+            </a:r>
+            <a:endParaRPr lang="en-IN" sz="1200" dirty="0" smtClean="0"/>
+          </a:p>
+          <a:p>
+            <a:pPr>
+              <a:buNone/>
+            </a:pPr>
+            <a:endParaRPr lang="en-IN" sz="1200" dirty="0" smtClean="0"/>
+          </a:p>
+          <a:p>
+            <a:endParaRPr lang="en-IN" dirty="0" smtClean="0"/>
+          </a:p>
+          <a:p>
+            <a:endParaRPr lang="en-IN" dirty="0" smtClean="0"/>
+          </a:p>
+          <a:p>
+            <a:r>
+              <a:rPr lang="en-IN" dirty="0" smtClean="0"/>
+              <a:t>Video:</a:t>
+            </a:r>
+          </a:p>
+          <a:p>
+            <a:pPr>
+              <a:buNone/>
+            </a:pPr>
+            <a:r>
+              <a:rPr lang="en-IN" sz="1200" dirty="0" smtClean="0">
+                <a:hlinkClick r:id="rId2"/>
+              </a:rPr>
+              <a:t>https://app.hyfy.io/v/ab2w9GAIJu/?p=1</a:t>
+            </a:r>
+          </a:p>
+          <a:p>
+            <a:pPr>
+              <a:buNone/>
+            </a:pPr>
+            <a:r>
+              <a:rPr lang="en-IN" sz="1200" dirty="0" smtClean="0"/>
+              <a:t> </a:t>
+            </a:r>
+          </a:p>
+          <a:p>
+            <a:pPr>
+              <a:buNone/>
+            </a:pPr>
+            <a:endParaRPr lang="en-IN" sz="1200" dirty="0"/>
+          </a:p>
+        </p:txBody>
+      </p:sp>
     </p:spTree>
-    <p:extLst>
-      <p:ext uri="{BB962C8B-B14F-4D97-AF65-F5344CB8AC3E}">
-        <p14:creationId xmlns:p14="http://schemas.microsoft.com/office/powerpoint/2010/main" xmlns="" val="2851777815"/>
-      </p:ext>
-    </p:extLst>
   </p:cSld>
   <p:clrMapOvr>
     <a:masterClrMapping/>
@@ -7999,142 +7765,6 @@
             <a:spLocks noGrp="1"/>
           </p:cNvSpPr>
           <p:nvPr>
-            <p:ph type="title"/>
-          </p:nvPr>
-        </p:nvSpPr>
-        <p:spPr/>
-        <p:txBody>
-          <a:bodyPr/>
-          <a:lstStyle/>
-          <a:p>
-            <a:r>
-              <a:rPr lang="en-US" dirty="0" smtClean="0"/>
-              <a:t>Continued…</a:t>
-            </a:r>
-            <a:endParaRPr lang="en-IN" dirty="0"/>
-          </a:p>
-        </p:txBody>
-      </p:sp>
-      <p:sp>
-        <p:nvSpPr>
-          <p:cNvPr id="3" name="Content Placeholder 2"/>
-          <p:cNvSpPr>
-            <a:spLocks noGrp="1"/>
-          </p:cNvSpPr>
-          <p:nvPr>
-            <p:ph idx="1"/>
-          </p:nvPr>
-        </p:nvSpPr>
-        <p:spPr/>
-        <p:txBody>
-          <a:bodyPr/>
-          <a:lstStyle/>
-          <a:p>
-            <a:r>
-              <a:rPr lang="en-IN" dirty="0" smtClean="0"/>
-              <a:t>Code:</a:t>
-            </a:r>
-          </a:p>
-          <a:p>
-            <a:pPr>
-              <a:buNone/>
-            </a:pPr>
-            <a:r>
-              <a:rPr lang="en-IN" sz="1200" dirty="0" smtClean="0">
-                <a:hlinkClick r:id="rId2"/>
-              </a:rPr>
-              <a:t>https://nbviewer.jupyter.org/github/brad678/Automobile_EDA-project/blob/master/auto.ipynb</a:t>
-            </a:r>
-            <a:endParaRPr lang="en-IN" sz="1200" dirty="0" smtClean="0"/>
-          </a:p>
-          <a:p>
-            <a:pPr>
-              <a:buNone/>
-            </a:pPr>
-            <a:endParaRPr lang="en-IN" sz="1200" dirty="0" smtClean="0"/>
-          </a:p>
-          <a:p>
-            <a:endParaRPr lang="en-IN" dirty="0" smtClean="0"/>
-          </a:p>
-          <a:p>
-            <a:endParaRPr lang="en-IN" dirty="0" smtClean="0"/>
-          </a:p>
-          <a:p>
-            <a:r>
-              <a:rPr lang="en-IN" dirty="0" smtClean="0"/>
-              <a:t>Video:</a:t>
-            </a:r>
-          </a:p>
-          <a:p>
-            <a:pPr>
-              <a:buNone/>
-            </a:pPr>
-            <a:r>
-              <a:rPr lang="en-IN" sz="1200" dirty="0" smtClean="0">
-                <a:hlinkClick r:id="rId2"/>
-              </a:rPr>
-              <a:t>https://app.hyfy.io/v/ab2w9GAIJu/?p=1</a:t>
-            </a:r>
-          </a:p>
-          <a:p>
-            <a:pPr>
-              <a:buNone/>
-            </a:pPr>
-            <a:r>
-              <a:rPr lang="en-IN" sz="1200" dirty="0" smtClean="0"/>
-              <a:t> </a:t>
-            </a:r>
-          </a:p>
-          <a:p>
-            <a:pPr>
-              <a:buNone/>
-            </a:pPr>
-            <a:endParaRPr lang="en-IN" sz="1200" dirty="0"/>
-          </a:p>
-        </p:txBody>
-      </p:sp>
-    </p:spTree>
-  </p:cSld>
-  <p:clrMapOvr>
-    <a:masterClrMapping/>
-  </p:clrMapOvr>
-  <p:transition spd="med">
-    <p:wedge/>
-  </p:transition>
-  <p:timing>
-    <p:tnLst>
-      <p:par>
-        <p:cTn id="1" dur="indefinite" restart="never" nodeType="tmRoot"/>
-      </p:par>
-    </p:tnLst>
-  </p:timing>
-</p:sld>
-</file>
-
-<file path=ppt/slides/slide24.xml><?xml version="1.0" encoding="utf-8"?>
-<p:sld xmlns:a="http://schemas.openxmlformats.org/drawingml/2006/main" xmlns:r="http://schemas.openxmlformats.org/officeDocument/2006/relationships" xmlns:p="http://schemas.openxmlformats.org/presentationml/2006/main">
-  <p:cSld>
-    <p:spTree>
-      <p:nvGrpSpPr>
-        <p:cNvPr id="1" name=""/>
-        <p:cNvGrpSpPr/>
-        <p:nvPr/>
-      </p:nvGrpSpPr>
-      <p:grpSpPr>
-        <a:xfrm>
-          <a:off x="0" y="0"/>
-          <a:ext cx="0" cy="0"/>
-          <a:chOff x="0" y="0"/>
-          <a:chExt cx="0" cy="0"/>
-        </a:xfrm>
-      </p:grpSpPr>
-      <p:sp>
-        <p:nvSpPr>
-          <p:cNvPr id="2" name="Title 1"/>
-          <p:cNvSpPr>
-            <a:spLocks noGrp="1"/>
-          </p:cNvSpPr>
-          <p:nvPr>
             <p:ph type="ctrTitle"/>
           </p:nvPr>
         </p:nvSpPr>
@@ -8154,7 +7784,7 @@
     </p:spTree>
     <p:extLst>
       <p:ext uri="{BB962C8B-B14F-4D97-AF65-F5344CB8AC3E}">
-        <p14:creationId xmlns:p14="http://schemas.microsoft.com/office/powerpoint/2010/main" xmlns="" val="906720422"/>
+        <p14:creationId xmlns="" xmlns:p14="http://schemas.microsoft.com/office/powerpoint/2010/main" val="906720422"/>
       </p:ext>
     </p:extLst>
   </p:cSld>
@@ -8193,52 +7823,6 @@
       </p:grpSpPr>
       <p:sp>
         <p:nvSpPr>
-          <p:cNvPr id="2" name="Title 1"/>
-          <p:cNvSpPr>
-            <a:spLocks noGrp="1"/>
-          </p:cNvSpPr>
-          <p:nvPr>
-            <p:ph type="title"/>
-          </p:nvPr>
-        </p:nvSpPr>
-        <p:spPr/>
-        <p:txBody>
-          <a:bodyPr>
-            <a:normAutofit fontScale="90000"/>
-          </a:bodyPr>
-          <a:lstStyle/>
-          <a:p>
-            <a:r>
-              <a:rPr lang="en-SG" dirty="0"/>
-              <a:t/>
-            </a:r>
-            <a:br>
-              <a:rPr lang="en-SG" dirty="0"/>
-            </a:br>
-            <a:r>
-              <a:rPr lang="en-SG" dirty="0"/>
-              <a:t> </a:t>
-            </a:r>
-            <a:br>
-              <a:rPr lang="en-SG" dirty="0"/>
-            </a:br>
-            <a:r>
-              <a:rPr lang="en-SG" sz="3600" dirty="0"/>
-              <a:t>Domain &amp; topic of project </a:t>
-            </a:r>
-            <a:r>
-              <a:rPr lang="en-SG" dirty="0"/>
-              <a:t/>
-            </a:r>
-            <a:br>
-              <a:rPr lang="en-SG" dirty="0"/>
-            </a:br>
-            <a:endParaRPr lang="en-SG" dirty="0"/>
-          </a:p>
-        </p:txBody>
-      </p:sp>
-      <p:sp>
-        <p:nvSpPr>
           <p:cNvPr id="3" name="Content Placeholder 2"/>
           <p:cNvSpPr>
             <a:spLocks noGrp="1"/>
@@ -8254,133 +7838,6 @@
           </a:bodyPr>
           <a:lstStyle/>
           <a:p>
-            <a:r>
-              <a:rPr lang="en-US" sz="2400" b="1" dirty="0" smtClean="0"/>
-              <a:t>Domain:</a:t>
-            </a:r>
-            <a:r>
-              <a:rPr lang="en-US" sz="2400" dirty="0" smtClean="0"/>
-              <a:t> Automobile</a:t>
-            </a:r>
-          </a:p>
-          <a:p>
-            <a:endParaRPr lang="en-US" sz="2400" dirty="0" smtClean="0"/>
-          </a:p>
-          <a:p>
-            <a:endParaRPr lang="en-US" sz="2400" dirty="0"/>
-          </a:p>
-          <a:p>
-            <a:endParaRPr lang="en-US" sz="2400" dirty="0" smtClean="0"/>
-          </a:p>
-          <a:p>
-            <a:endParaRPr lang="en-US" sz="2400" dirty="0"/>
-          </a:p>
-          <a:p>
-            <a:endParaRPr lang="en-US" sz="2400" b="1" dirty="0" smtClean="0"/>
-          </a:p>
-          <a:p>
-            <a:endParaRPr lang="en-US" sz="2400" b="1" dirty="0"/>
-          </a:p>
-          <a:p>
-            <a:r>
-              <a:rPr lang="en-US" sz="2400" b="1" dirty="0" smtClean="0"/>
-              <a:t>Topic: </a:t>
-            </a:r>
-            <a:r>
-              <a:rPr lang="en-US" sz="2400" dirty="0" smtClean="0"/>
-              <a:t>Automobile data (Cars)</a:t>
-            </a:r>
-            <a:endParaRPr lang="en-SG" sz="2400" dirty="0"/>
-          </a:p>
-        </p:txBody>
-      </p:sp>
-      <p:pic>
-        <p:nvPicPr>
-          <p:cNvPr id="4" name="Picture 3"/>
-          <p:cNvPicPr>
-            <a:picLocks noChangeAspect="1"/>
-          </p:cNvPicPr>
-          <p:nvPr/>
-        </p:nvPicPr>
-        <p:blipFill>
-          <a:blip r:embed="rId2" cstate="print">
-            <a:extLst>
-              <a:ext uri="{28A0092B-C50C-407E-A947-70E740481C1C}">
-                <a14:useLocalDpi xmlns:a14="http://schemas.microsoft.com/office/drawing/2010/main" xmlns="" val="0"/>
-              </a:ext>
-            </a:extLst>
-          </a:blip>
-          <a:stretch>
-            <a:fillRect/>
-          </a:stretch>
-        </p:blipFill>
-        <p:spPr>
-          <a:xfrm>
-            <a:off x="1763688" y="2492895"/>
-            <a:ext cx="2664296" cy="2078301"/>
-          </a:xfrm>
-          <a:prstGeom prst="rect">
-            <a:avLst/>
-          </a:prstGeom>
-        </p:spPr>
-      </p:pic>
-    </p:spTree>
-    <p:extLst>
-      <p:ext uri="{BB962C8B-B14F-4D97-AF65-F5344CB8AC3E}">
-        <p14:creationId xmlns:p14="http://schemas.microsoft.com/office/powerpoint/2010/main" xmlns="" val="1682145601"/>
-      </p:ext>
-    </p:extLst>
-  </p:cSld>
-  <p:clrMapOvr>
-    <a:masterClrMapping/>
-  </p:clrMapOvr>
-  <p:transition spd="med">
-    <p:wedge/>
-  </p:transition>
-  <p:timing>
-    <p:tnLst>
-      <p:par>
-        <p:cTn id="1" dur="indefinite" restart="never" nodeType="tmRoot"/>
-      </p:par>
-    </p:tnLst>
-  </p:timing>
-</p:sld>
-</file>
-
-<file path=ppt/slides/slide4.xml><?xml version="1.0" encoding="utf-8"?>
-<p:sld xmlns:a="http://schemas.openxmlformats.org/drawingml/2006/main" xmlns:r="http://schemas.openxmlformats.org/officeDocument/2006/relationships" xmlns:p="http://schemas.openxmlformats.org/presentationml/2006/main">
-  <p:cSld>
-    <p:spTree>
-      <p:nvGrpSpPr>
-        <p:cNvPr id="1" name=""/>
-        <p:cNvGrpSpPr/>
-        <p:nvPr/>
-      </p:nvGrpSpPr>
-      <p:grpSpPr>
-        <a:xfrm>
-          <a:off x="0" y="0"/>
-          <a:ext cx="0" cy="0"/>
-          <a:chOff x="0" y="0"/>
-          <a:chExt cx="0" cy="0"/>
-        </a:xfrm>
-      </p:grpSpPr>
-      <p:sp>
-        <p:nvSpPr>
-          <p:cNvPr id="3" name="Content Placeholder 2"/>
-          <p:cNvSpPr>
-            <a:spLocks noGrp="1"/>
-          </p:cNvSpPr>
-          <p:nvPr>
-            <p:ph idx="1"/>
-          </p:nvPr>
-        </p:nvSpPr>
-        <p:spPr/>
-        <p:txBody>
-          <a:bodyPr>
-            <a:normAutofit/>
-          </a:bodyPr>
-          <a:lstStyle/>
-          <a:p>
             <a:pPr fontAlgn="base"/>
             <a:endParaRPr lang="en-SG" sz="2400" dirty="0" smtClean="0"/>
           </a:p>
@@ -8452,7 +7909,7 @@
           <p:nvPr>
             <p:extLst>
               <p:ext uri="{D42A27DB-BD31-4B8C-83A1-F6EECF244321}">
-                <p14:modId xmlns:p14="http://schemas.microsoft.com/office/powerpoint/2010/main" xmlns="" val="1465899110"/>
+                <p14:modId xmlns="" xmlns:p14="http://schemas.microsoft.com/office/powerpoint/2010/main" val="1465899110"/>
               </p:ext>
             </p:extLst>
           </p:nvPr>
@@ -9291,7 +8748,7 @@
           <a:blip r:embed="rId2" cstate="print">
             <a:extLst>
               <a:ext uri="{28A0092B-C50C-407E-A947-70E740481C1C}">
-                <a14:useLocalDpi xmlns:a14="http://schemas.microsoft.com/office/drawing/2010/main" xmlns="" val="0"/>
+                <a14:useLocalDpi xmlns="" xmlns:a14="http://schemas.microsoft.com/office/drawing/2010/main" val="0"/>
               </a:ext>
             </a:extLst>
           </a:blip>
@@ -9312,7 +8769,511 @@
     </p:spTree>
     <p:extLst>
       <p:ext uri="{BB962C8B-B14F-4D97-AF65-F5344CB8AC3E}">
-        <p14:creationId xmlns:p14="http://schemas.microsoft.com/office/powerpoint/2010/main" xmlns="" val="1325711227"/>
+        <p14:creationId xmlns="" xmlns:p14="http://schemas.microsoft.com/office/powerpoint/2010/main" val="1325711227"/>
+      </p:ext>
+    </p:extLst>
+  </p:cSld>
+  <p:clrMapOvr>
+    <a:masterClrMapping/>
+  </p:clrMapOvr>
+  <p:transition spd="med">
+    <p:wedge/>
+  </p:transition>
+  <p:timing>
+    <p:tnLst>
+      <p:par>
+        <p:cTn id="1" dur="indefinite" restart="never" nodeType="tmRoot"/>
+      </p:par>
+    </p:tnLst>
+  </p:timing>
+</p:sld>
+</file>
+
+<file path=ppt/slides/slide4.xml><?xml version="1.0" encoding="utf-8"?>
+<p:sld xmlns:a="http://schemas.openxmlformats.org/drawingml/2006/main" xmlns:r="http://schemas.openxmlformats.org/officeDocument/2006/relationships" xmlns:p="http://schemas.openxmlformats.org/presentationml/2006/main">
+  <p:cSld>
+    <p:spTree>
+      <p:nvGrpSpPr>
+        <p:cNvPr id="1" name=""/>
+        <p:cNvGrpSpPr/>
+        <p:nvPr/>
+      </p:nvGrpSpPr>
+      <p:grpSpPr>
+        <a:xfrm>
+          <a:off x="0" y="0"/>
+          <a:ext cx="0" cy="0"/>
+          <a:chOff x="0" y="0"/>
+          <a:chExt cx="0" cy="0"/>
+        </a:xfrm>
+      </p:grpSpPr>
+      <p:sp>
+        <p:nvSpPr>
+          <p:cNvPr id="2" name="Title 1"/>
+          <p:cNvSpPr>
+            <a:spLocks noGrp="1"/>
+          </p:cNvSpPr>
+          <p:nvPr>
+            <p:ph type="title"/>
+          </p:nvPr>
+        </p:nvSpPr>
+        <p:spPr/>
+        <p:txBody>
+          <a:bodyPr>
+            <a:normAutofit fontScale="90000"/>
+          </a:bodyPr>
+          <a:lstStyle/>
+          <a:p>
+            <a:r>
+              <a:rPr lang="en-SG" dirty="0"/>
+              <a:t/>
+            </a:r>
+            <a:br>
+              <a:rPr lang="en-SG" dirty="0"/>
+            </a:br>
+            <a:r>
+              <a:rPr lang="en-SG" dirty="0"/>
+              <a:t> </a:t>
+            </a:r>
+            <a:br>
+              <a:rPr lang="en-SG" dirty="0"/>
+            </a:br>
+            <a:r>
+              <a:rPr lang="en-SG" sz="3600" dirty="0" smtClean="0"/>
+              <a:t>Attribute information</a:t>
+            </a:r>
+            <a:r>
+              <a:rPr lang="en-SG" dirty="0"/>
+              <a:t/>
+            </a:r>
+            <a:br>
+              <a:rPr lang="en-SG" dirty="0"/>
+            </a:br>
+            <a:endParaRPr lang="en-SG" dirty="0"/>
+          </a:p>
+        </p:txBody>
+      </p:sp>
+      <p:sp>
+        <p:nvSpPr>
+          <p:cNvPr id="5" name="Content Placeholder 4"/>
+          <p:cNvSpPr>
+            <a:spLocks noGrp="1"/>
+          </p:cNvSpPr>
+          <p:nvPr>
+            <p:ph idx="1"/>
+          </p:nvPr>
+        </p:nvSpPr>
+        <p:spPr/>
+        <p:txBody>
+          <a:bodyPr>
+            <a:normAutofit fontScale="25000" lnSpcReduction="20000"/>
+          </a:bodyPr>
+          <a:lstStyle/>
+          <a:p>
+            <a:r>
+              <a:rPr lang="en-SG" sz="4800" dirty="0" err="1" smtClean="0"/>
+              <a:t>symboling</a:t>
+            </a:r>
+            <a:r>
+              <a:rPr lang="en-SG" sz="4800" dirty="0"/>
+              <a:t>: : -3, -2, -1, 0, 1, 2, 3 (A value of +3 indicates that the auto is risky, -3 that it is probably pretty safe.)</a:t>
+            </a:r>
+          </a:p>
+          <a:p>
+            <a:r>
+              <a:rPr lang="en-SG" sz="4800" dirty="0"/>
+              <a:t>normalized-losses: continuous from 65 to 256.</a:t>
+            </a:r>
+          </a:p>
+          <a:p>
+            <a:r>
+              <a:rPr lang="en-SG" sz="4800" dirty="0"/>
+              <a:t>make: </a:t>
+            </a:r>
+            <a:r>
+              <a:rPr lang="en-SG" sz="4800" dirty="0" err="1"/>
+              <a:t>alfa-romero</a:t>
+            </a:r>
+            <a:r>
+              <a:rPr lang="en-SG" sz="4800" dirty="0"/>
+              <a:t>, </a:t>
+            </a:r>
+            <a:r>
+              <a:rPr lang="en-SG" sz="4800" dirty="0" err="1"/>
+              <a:t>audi</a:t>
+            </a:r>
+            <a:r>
+              <a:rPr lang="en-SG" sz="4800" dirty="0"/>
+              <a:t>, </a:t>
+            </a:r>
+            <a:r>
+              <a:rPr lang="en-SG" sz="4800" dirty="0" err="1"/>
+              <a:t>bmw</a:t>
+            </a:r>
+            <a:r>
+              <a:rPr lang="en-SG" sz="4800" dirty="0"/>
+              <a:t>, </a:t>
+            </a:r>
+            <a:r>
+              <a:rPr lang="en-SG" sz="4800" dirty="0" err="1"/>
+              <a:t>chevrolet</a:t>
+            </a:r>
+            <a:r>
+              <a:rPr lang="en-SG" sz="4800" dirty="0"/>
+              <a:t>, dodge, </a:t>
+            </a:r>
+            <a:r>
+              <a:rPr lang="en-SG" sz="4800" dirty="0" err="1"/>
+              <a:t>honda</a:t>
+            </a:r>
+            <a:r>
+              <a:rPr lang="en-SG" sz="4800" dirty="0"/>
+              <a:t>, </a:t>
+            </a:r>
+            <a:r>
+              <a:rPr lang="en-SG" sz="4800" dirty="0" err="1"/>
+              <a:t>isuzu</a:t>
+            </a:r>
+            <a:r>
+              <a:rPr lang="en-SG" sz="4800" dirty="0"/>
+              <a:t>, jaguar, </a:t>
+            </a:r>
+            <a:r>
+              <a:rPr lang="en-SG" sz="4800" dirty="0" err="1"/>
+              <a:t>mazda</a:t>
+            </a:r>
+            <a:r>
+              <a:rPr lang="en-SG" sz="4800" dirty="0"/>
+              <a:t>, </a:t>
+            </a:r>
+            <a:r>
+              <a:rPr lang="en-SG" sz="4800" dirty="0" err="1"/>
+              <a:t>mercedes-benz</a:t>
+            </a:r>
+            <a:r>
+              <a:rPr lang="en-SG" sz="4800" dirty="0"/>
+              <a:t>, mercury, </a:t>
+            </a:r>
+            <a:r>
+              <a:rPr lang="en-SG" sz="4800" dirty="0" err="1"/>
+              <a:t>mitsubishi</a:t>
+            </a:r>
+            <a:r>
+              <a:rPr lang="en-SG" sz="4800" dirty="0"/>
+              <a:t>, </a:t>
+            </a:r>
+            <a:r>
+              <a:rPr lang="en-SG" sz="4800" dirty="0" err="1"/>
+              <a:t>nissan</a:t>
+            </a:r>
+            <a:r>
+              <a:rPr lang="en-SG" sz="4800" dirty="0"/>
+              <a:t>, </a:t>
+            </a:r>
+            <a:r>
+              <a:rPr lang="en-SG" sz="4800" dirty="0" err="1"/>
+              <a:t>peugot</a:t>
+            </a:r>
+            <a:r>
+              <a:rPr lang="en-SG" sz="4800" dirty="0"/>
+              <a:t>, </a:t>
+            </a:r>
+            <a:r>
+              <a:rPr lang="en-SG" sz="4800" dirty="0" err="1"/>
+              <a:t>plymouth</a:t>
+            </a:r>
+            <a:r>
+              <a:rPr lang="en-SG" sz="4800" dirty="0"/>
+              <a:t>, </a:t>
+            </a:r>
+            <a:r>
+              <a:rPr lang="en-SG" sz="4800" dirty="0" err="1"/>
+              <a:t>porsche,renault</a:t>
+            </a:r>
+            <a:r>
+              <a:rPr lang="en-SG" sz="4800" dirty="0"/>
+              <a:t>, </a:t>
+            </a:r>
+            <a:r>
+              <a:rPr lang="en-SG" sz="4800" dirty="0" err="1"/>
+              <a:t>saab</a:t>
+            </a:r>
+            <a:r>
+              <a:rPr lang="en-SG" sz="4800" dirty="0"/>
+              <a:t>, </a:t>
+            </a:r>
+            <a:r>
+              <a:rPr lang="en-SG" sz="4800" dirty="0" err="1"/>
+              <a:t>subaru</a:t>
+            </a:r>
+            <a:r>
+              <a:rPr lang="en-SG" sz="4800" dirty="0"/>
+              <a:t>, </a:t>
+            </a:r>
+            <a:r>
+              <a:rPr lang="en-SG" sz="4800" dirty="0" err="1"/>
+              <a:t>toyota</a:t>
+            </a:r>
+            <a:r>
+              <a:rPr lang="en-SG" sz="4800" dirty="0"/>
+              <a:t>, </a:t>
+            </a:r>
+            <a:r>
+              <a:rPr lang="en-SG" sz="4800" dirty="0" err="1"/>
+              <a:t>volkswagen</a:t>
+            </a:r>
+            <a:r>
+              <a:rPr lang="en-SG" sz="4800" dirty="0"/>
+              <a:t>, </a:t>
+            </a:r>
+            <a:r>
+              <a:rPr lang="en-SG" sz="4800" dirty="0" err="1"/>
+              <a:t>volvo</a:t>
+            </a:r>
+            <a:endParaRPr lang="en-SG" sz="4800" dirty="0"/>
+          </a:p>
+          <a:p>
+            <a:r>
+              <a:rPr lang="en-SG" sz="4800" dirty="0"/>
+              <a:t>fuel-type: diesel, gas.</a:t>
+            </a:r>
+          </a:p>
+          <a:p>
+            <a:r>
+              <a:rPr lang="en-SG" sz="4800" dirty="0"/>
+              <a:t>aspiration: </a:t>
+            </a:r>
+            <a:r>
+              <a:rPr lang="en-SG" sz="4800" dirty="0" err="1"/>
+              <a:t>std</a:t>
+            </a:r>
+            <a:r>
+              <a:rPr lang="en-SG" sz="4800" dirty="0"/>
+              <a:t>, turbo.</a:t>
+            </a:r>
+          </a:p>
+          <a:p>
+            <a:r>
+              <a:rPr lang="en-SG" sz="4800" dirty="0" err="1"/>
+              <a:t>num</a:t>
+            </a:r>
+            <a:r>
+              <a:rPr lang="en-SG" sz="4800" dirty="0"/>
+              <a:t>-of-doors: four, two.</a:t>
+            </a:r>
+          </a:p>
+          <a:p>
+            <a:r>
+              <a:rPr lang="en-SG" sz="4800" dirty="0"/>
+              <a:t>body-style: hardtop, wagon, sedan, hatchback, convertible.</a:t>
+            </a:r>
+          </a:p>
+          <a:p>
+            <a:r>
+              <a:rPr lang="en-SG" sz="4800" dirty="0"/>
+              <a:t>drive-wheels: 4wd, fwd, rwd.</a:t>
+            </a:r>
+          </a:p>
+          <a:p>
+            <a:r>
+              <a:rPr lang="en-SG" sz="4800" dirty="0"/>
+              <a:t>engine-location: front, rear.</a:t>
+            </a:r>
+          </a:p>
+          <a:p>
+            <a:r>
+              <a:rPr lang="en-SG" sz="4800" dirty="0"/>
+              <a:t>wheel-base: continuous from 86.6 120.9.</a:t>
+            </a:r>
+          </a:p>
+          <a:p>
+            <a:r>
+              <a:rPr lang="en-SG" sz="4800" dirty="0"/>
+              <a:t>length: continuous from 141.1 to 208.1.</a:t>
+            </a:r>
+          </a:p>
+          <a:p>
+            <a:r>
+              <a:rPr lang="en-SG" sz="4800" dirty="0"/>
+              <a:t>width: continuous from 60.3 to 72.3.</a:t>
+            </a:r>
+          </a:p>
+          <a:p>
+            <a:r>
+              <a:rPr lang="en-SG" sz="4800" dirty="0"/>
+              <a:t>height: continuous from 47.8 to 59.8.</a:t>
+            </a:r>
+          </a:p>
+          <a:p>
+            <a:r>
+              <a:rPr lang="en-SG" sz="4800" dirty="0"/>
+              <a:t>curb-weight: continuous from 1488 to 4066.</a:t>
+            </a:r>
+          </a:p>
+          <a:p>
+            <a:r>
+              <a:rPr lang="en-SG" sz="4800" dirty="0"/>
+              <a:t>engine-type: </a:t>
+            </a:r>
+            <a:r>
+              <a:rPr lang="en-SG" sz="4800" dirty="0" err="1"/>
+              <a:t>dohc</a:t>
+            </a:r>
+            <a:r>
+              <a:rPr lang="en-SG" sz="4800" dirty="0"/>
+              <a:t>, </a:t>
+            </a:r>
+            <a:r>
+              <a:rPr lang="en-SG" sz="4800" dirty="0" err="1"/>
+              <a:t>dohcv</a:t>
+            </a:r>
+            <a:r>
+              <a:rPr lang="en-SG" sz="4800" dirty="0"/>
+              <a:t>, l, </a:t>
+            </a:r>
+            <a:r>
+              <a:rPr lang="en-SG" sz="4800" dirty="0" err="1"/>
+              <a:t>ohc</a:t>
+            </a:r>
+            <a:r>
+              <a:rPr lang="en-SG" sz="4800" dirty="0"/>
+              <a:t>, </a:t>
+            </a:r>
+            <a:r>
+              <a:rPr lang="en-SG" sz="4800" dirty="0" err="1"/>
+              <a:t>ohcf</a:t>
+            </a:r>
+            <a:r>
+              <a:rPr lang="en-SG" sz="4800" dirty="0"/>
+              <a:t>, </a:t>
+            </a:r>
+            <a:r>
+              <a:rPr lang="en-SG" sz="4800" dirty="0" err="1"/>
+              <a:t>ohcv</a:t>
+            </a:r>
+            <a:r>
+              <a:rPr lang="en-SG" sz="4800" dirty="0"/>
+              <a:t>, rotor.</a:t>
+            </a:r>
+          </a:p>
+          <a:p>
+            <a:r>
+              <a:rPr lang="en-SG" sz="4800" dirty="0" err="1"/>
+              <a:t>num</a:t>
+            </a:r>
+            <a:r>
+              <a:rPr lang="en-SG" sz="4800" dirty="0"/>
+              <a:t>-of-cylinders: eight, five, four, six, three, twelve, two.</a:t>
+            </a:r>
+          </a:p>
+          <a:p>
+            <a:r>
+              <a:rPr lang="en-SG" sz="4800" dirty="0"/>
+              <a:t>engine-size: continuous from 61 to 326.</a:t>
+            </a:r>
+          </a:p>
+          <a:p>
+            <a:r>
+              <a:rPr lang="en-SG" sz="4800" dirty="0"/>
+              <a:t>fuel-system: 1bbl, 2bbl, 4bbl, </a:t>
+            </a:r>
+            <a:r>
+              <a:rPr lang="en-SG" sz="4800" dirty="0" err="1"/>
+              <a:t>idi</a:t>
+            </a:r>
+            <a:r>
+              <a:rPr lang="en-SG" sz="4800" dirty="0"/>
+              <a:t>, </a:t>
+            </a:r>
+            <a:r>
+              <a:rPr lang="en-SG" sz="4800" dirty="0" err="1"/>
+              <a:t>mfi</a:t>
+            </a:r>
+            <a:r>
+              <a:rPr lang="en-SG" sz="4800" dirty="0"/>
+              <a:t>, </a:t>
+            </a:r>
+            <a:r>
+              <a:rPr lang="en-SG" sz="4800" dirty="0" err="1"/>
+              <a:t>mpfi</a:t>
+            </a:r>
+            <a:r>
+              <a:rPr lang="en-SG" sz="4800" dirty="0"/>
+              <a:t>, </a:t>
+            </a:r>
+            <a:r>
+              <a:rPr lang="en-SG" sz="4800" dirty="0" err="1"/>
+              <a:t>spdi</a:t>
+            </a:r>
+            <a:r>
+              <a:rPr lang="en-SG" sz="4800" dirty="0"/>
+              <a:t>, </a:t>
+            </a:r>
+            <a:r>
+              <a:rPr lang="en-SG" sz="4800" dirty="0" err="1"/>
+              <a:t>spfi</a:t>
+            </a:r>
+            <a:r>
+              <a:rPr lang="en-SG" sz="4800" dirty="0"/>
+              <a:t>.</a:t>
+            </a:r>
+          </a:p>
+          <a:p>
+            <a:r>
+              <a:rPr lang="en-SG" sz="4800" dirty="0"/>
+              <a:t>bore: continuous from 2.54 to 3.94.</a:t>
+            </a:r>
+          </a:p>
+          <a:p>
+            <a:r>
+              <a:rPr lang="en-SG" sz="4800" dirty="0"/>
+              <a:t>stroke: continuous from 2.07 to 4.17.</a:t>
+            </a:r>
+          </a:p>
+          <a:p>
+            <a:r>
+              <a:rPr lang="en-SG" sz="4800" dirty="0"/>
+              <a:t>compression-ratio: continuous from 7 to 23.</a:t>
+            </a:r>
+          </a:p>
+          <a:p>
+            <a:r>
+              <a:rPr lang="en-SG" sz="4800" dirty="0"/>
+              <a:t>horsepower: continuous from 48 to 288.</a:t>
+            </a:r>
+          </a:p>
+          <a:p>
+            <a:r>
+              <a:rPr lang="en-SG" sz="4800" dirty="0"/>
+              <a:t>peak-rpm: continuous from 4150 to 6600.</a:t>
+            </a:r>
+          </a:p>
+          <a:p>
+            <a:r>
+              <a:rPr lang="en-SG" sz="4800" dirty="0"/>
+              <a:t>city-mpg: continuous from 13 to 49.</a:t>
+            </a:r>
+          </a:p>
+          <a:p>
+            <a:r>
+              <a:rPr lang="en-SG" sz="4800" dirty="0"/>
+              <a:t>highway-mpg: continuous from 16 to 54.</a:t>
+            </a:r>
+          </a:p>
+          <a:p>
+            <a:r>
+              <a:rPr lang="en-SG" sz="4800" dirty="0"/>
+              <a:t>price: continuous from 5118 to 45400.</a:t>
+            </a:r>
+          </a:p>
+          <a:p>
+            <a:endParaRPr lang="en-SG" dirty="0"/>
+          </a:p>
+        </p:txBody>
+      </p:sp>
+    </p:spTree>
+    <p:extLst>
+      <p:ext uri="{BB962C8B-B14F-4D97-AF65-F5344CB8AC3E}">
+        <p14:creationId xmlns="" xmlns:p14="http://schemas.microsoft.com/office/powerpoint/2010/main" val="4107631383"/>
       </p:ext>
     </p:extLst>
   </p:cSld>
@@ -9381,8 +9342,12 @@
               <a:rPr lang="en-SG" dirty="0"/>
             </a:br>
             <a:r>
+              <a:rPr lang="en-SG" sz="3600" dirty="0"/>
+              <a:t>Business </a:t>
+            </a:r>
+            <a:r>
               <a:rPr lang="en-SG" sz="3600" dirty="0" smtClean="0"/>
-              <a:t>Attribute information</a:t>
+              <a:t>needs identified </a:t>
             </a:r>
             <a:r>
               <a:rPr lang="en-SG" dirty="0"/>
@@ -9397,7 +9362,7 @@
       </p:sp>
       <p:sp>
         <p:nvSpPr>
-          <p:cNvPr id="5" name="Content Placeholder 4"/>
+          <p:cNvPr id="3" name="Content Placeholder 2"/>
           <p:cNvSpPr>
             <a:spLocks noGrp="1"/>
           </p:cNvSpPr>
@@ -9408,415 +9373,178 @@
         <p:spPr/>
         <p:txBody>
           <a:bodyPr>
-            <a:normAutofit fontScale="25000" lnSpcReduction="20000"/>
+            <a:normAutofit fontScale="47500" lnSpcReduction="20000"/>
           </a:bodyPr>
           <a:lstStyle/>
           <a:p>
-            <a:r>
-              <a:rPr lang="en-SG" sz="4800" dirty="0" err="1" smtClean="0"/>
-              <a:t>symboling</a:t>
-            </a:r>
-            <a:r>
-              <a:rPr lang="en-SG" sz="4800" dirty="0"/>
-              <a:t>: : -3, -2, -1, 0, 1, 2, 3 (A value of +3 indicates that the auto is risky, -3 that it is probably pretty safe.)</a:t>
-            </a:r>
-          </a:p>
-          <a:p>
-            <a:r>
-              <a:rPr lang="en-SG" sz="4800" dirty="0"/>
-              <a:t>normalized-losses: continuous from 65 to 256.</a:t>
-            </a:r>
-          </a:p>
-          <a:p>
-            <a:r>
-              <a:rPr lang="en-SG" sz="4800" dirty="0"/>
-              <a:t>make: </a:t>
-            </a:r>
-            <a:r>
-              <a:rPr lang="en-SG" sz="4800" dirty="0" err="1"/>
-              <a:t>alfa-romero</a:t>
-            </a:r>
-            <a:r>
-              <a:rPr lang="en-SG" sz="4800" dirty="0"/>
-              <a:t>, </a:t>
-            </a:r>
-            <a:r>
-              <a:rPr lang="en-SG" sz="4800" dirty="0" err="1"/>
-              <a:t>audi</a:t>
-            </a:r>
-            <a:r>
-              <a:rPr lang="en-SG" sz="4800" dirty="0"/>
-              <a:t>, </a:t>
-            </a:r>
-            <a:r>
-              <a:rPr lang="en-SG" sz="4800" dirty="0" err="1"/>
-              <a:t>bmw</a:t>
-            </a:r>
-            <a:r>
-              <a:rPr lang="en-SG" sz="4800" dirty="0"/>
-              <a:t>, </a:t>
-            </a:r>
-            <a:r>
-              <a:rPr lang="en-SG" sz="4800" dirty="0" err="1"/>
-              <a:t>chevrolet</a:t>
-            </a:r>
-            <a:r>
-              <a:rPr lang="en-SG" sz="4800" dirty="0"/>
-              <a:t>, dodge, </a:t>
-            </a:r>
-            <a:r>
-              <a:rPr lang="en-SG" sz="4800" dirty="0" err="1"/>
-              <a:t>honda</a:t>
-            </a:r>
-            <a:r>
-              <a:rPr lang="en-SG" sz="4800" dirty="0"/>
-              <a:t>, </a:t>
-            </a:r>
-            <a:r>
-              <a:rPr lang="en-SG" sz="4800" dirty="0" err="1"/>
-              <a:t>isuzu</a:t>
-            </a:r>
-            <a:r>
-              <a:rPr lang="en-SG" sz="4800" dirty="0"/>
-              <a:t>, jaguar, </a:t>
-            </a:r>
-            <a:r>
-              <a:rPr lang="en-SG" sz="4800" dirty="0" err="1"/>
-              <a:t>mazda</a:t>
-            </a:r>
-            <a:r>
-              <a:rPr lang="en-SG" sz="4800" dirty="0"/>
-              <a:t>, </a:t>
-            </a:r>
-            <a:r>
-              <a:rPr lang="en-SG" sz="4800" dirty="0" err="1"/>
-              <a:t>mercedes-benz</a:t>
-            </a:r>
-            <a:r>
-              <a:rPr lang="en-SG" sz="4800" dirty="0"/>
-              <a:t>, mercury, </a:t>
-            </a:r>
-            <a:r>
-              <a:rPr lang="en-SG" sz="4800" dirty="0" err="1"/>
-              <a:t>mitsubishi</a:t>
-            </a:r>
-            <a:r>
-              <a:rPr lang="en-SG" sz="4800" dirty="0"/>
-              <a:t>, </a:t>
-            </a:r>
-            <a:r>
-              <a:rPr lang="en-SG" sz="4800" dirty="0" err="1"/>
-              <a:t>nissan</a:t>
-            </a:r>
-            <a:r>
-              <a:rPr lang="en-SG" sz="4800" dirty="0"/>
-              <a:t>, </a:t>
-            </a:r>
-            <a:r>
-              <a:rPr lang="en-SG" sz="4800" dirty="0" err="1"/>
-              <a:t>peugot</a:t>
-            </a:r>
-            <a:r>
-              <a:rPr lang="en-SG" sz="4800" dirty="0"/>
-              <a:t>, </a:t>
-            </a:r>
-            <a:r>
-              <a:rPr lang="en-SG" sz="4800" dirty="0" err="1"/>
-              <a:t>plymouth</a:t>
-            </a:r>
-            <a:r>
-              <a:rPr lang="en-SG" sz="4800" dirty="0"/>
-              <a:t>, </a:t>
-            </a:r>
-            <a:r>
-              <a:rPr lang="en-SG" sz="4800" dirty="0" err="1"/>
-              <a:t>porsche,renault</a:t>
-            </a:r>
-            <a:r>
-              <a:rPr lang="en-SG" sz="4800" dirty="0"/>
-              <a:t>, </a:t>
-            </a:r>
-            <a:r>
-              <a:rPr lang="en-SG" sz="4800" dirty="0" err="1"/>
-              <a:t>saab</a:t>
-            </a:r>
-            <a:r>
-              <a:rPr lang="en-SG" sz="4800" dirty="0"/>
-              <a:t>, </a:t>
-            </a:r>
-            <a:r>
-              <a:rPr lang="en-SG" sz="4800" dirty="0" err="1"/>
-              <a:t>subaru</a:t>
-            </a:r>
-            <a:r>
-              <a:rPr lang="en-SG" sz="4800" dirty="0"/>
-              <a:t>, </a:t>
-            </a:r>
-            <a:r>
-              <a:rPr lang="en-SG" sz="4800" dirty="0" err="1"/>
-              <a:t>toyota</a:t>
-            </a:r>
-            <a:r>
-              <a:rPr lang="en-SG" sz="4800" dirty="0"/>
-              <a:t>, </a:t>
-            </a:r>
-            <a:r>
-              <a:rPr lang="en-SG" sz="4800" dirty="0" err="1"/>
-              <a:t>volkswagen</a:t>
-            </a:r>
-            <a:r>
-              <a:rPr lang="en-SG" sz="4800" dirty="0"/>
-              <a:t>, </a:t>
-            </a:r>
-            <a:r>
-              <a:rPr lang="en-SG" sz="4800" dirty="0" err="1"/>
-              <a:t>volvo</a:t>
-            </a:r>
-            <a:endParaRPr lang="en-SG" sz="4800" dirty="0"/>
-          </a:p>
-          <a:p>
-            <a:r>
-              <a:rPr lang="en-SG" sz="4800" dirty="0"/>
-              <a:t>fuel-type: diesel, gas.</a:t>
-            </a:r>
-          </a:p>
-          <a:p>
-            <a:r>
-              <a:rPr lang="en-SG" sz="4800" dirty="0"/>
-              <a:t>aspiration: </a:t>
-            </a:r>
-            <a:r>
-              <a:rPr lang="en-SG" sz="4800" dirty="0" err="1"/>
-              <a:t>std</a:t>
-            </a:r>
-            <a:r>
-              <a:rPr lang="en-SG" sz="4800" dirty="0"/>
-              <a:t>, turbo.</a:t>
-            </a:r>
-          </a:p>
-          <a:p>
-            <a:r>
-              <a:rPr lang="en-SG" sz="4800" dirty="0" err="1"/>
-              <a:t>num</a:t>
-            </a:r>
-            <a:r>
-              <a:rPr lang="en-SG" sz="4800" dirty="0"/>
-              <a:t>-of-doors: four, two.</a:t>
-            </a:r>
-          </a:p>
-          <a:p>
-            <a:r>
-              <a:rPr lang="en-SG" sz="4800" dirty="0"/>
-              <a:t>body-style: hardtop, wagon, sedan, hatchback, convertible.</a:t>
-            </a:r>
-          </a:p>
-          <a:p>
-            <a:r>
-              <a:rPr lang="en-SG" sz="4800" dirty="0"/>
-              <a:t>drive-wheels: 4wd, fwd, rwd.</a:t>
-            </a:r>
-          </a:p>
-          <a:p>
-            <a:r>
-              <a:rPr lang="en-SG" sz="4800" dirty="0"/>
-              <a:t>engine-location: front, rear.</a:t>
-            </a:r>
-          </a:p>
-          <a:p>
-            <a:r>
-              <a:rPr lang="en-SG" sz="4800" dirty="0"/>
-              <a:t>wheel-base: continuous from 86.6 120.9.</a:t>
-            </a:r>
-          </a:p>
-          <a:p>
-            <a:r>
-              <a:rPr lang="en-SG" sz="4800" dirty="0"/>
-              <a:t>length: continuous from 141.1 to 208.1.</a:t>
-            </a:r>
-          </a:p>
-          <a:p>
-            <a:r>
-              <a:rPr lang="en-SG" sz="4800" dirty="0"/>
-              <a:t>width: continuous from 60.3 to 72.3.</a:t>
-            </a:r>
-          </a:p>
-          <a:p>
-            <a:r>
-              <a:rPr lang="en-SG" sz="4800" dirty="0"/>
-              <a:t>height: continuous from 47.8 to 59.8.</a:t>
-            </a:r>
-          </a:p>
-          <a:p>
-            <a:r>
-              <a:rPr lang="en-SG" sz="4800" dirty="0"/>
-              <a:t>curb-weight: continuous from 1488 to 4066.</a:t>
-            </a:r>
-          </a:p>
-          <a:p>
-            <a:r>
-              <a:rPr lang="en-SG" sz="4800" dirty="0"/>
-              <a:t>engine-type: </a:t>
-            </a:r>
-            <a:r>
-              <a:rPr lang="en-SG" sz="4800" dirty="0" err="1"/>
-              <a:t>dohc</a:t>
-            </a:r>
-            <a:r>
-              <a:rPr lang="en-SG" sz="4800" dirty="0"/>
-              <a:t>, </a:t>
-            </a:r>
-            <a:r>
-              <a:rPr lang="en-SG" sz="4800" dirty="0" err="1"/>
-              <a:t>dohcv</a:t>
-            </a:r>
-            <a:r>
-              <a:rPr lang="en-SG" sz="4800" dirty="0"/>
-              <a:t>, l, </a:t>
-            </a:r>
-            <a:r>
-              <a:rPr lang="en-SG" sz="4800" dirty="0" err="1"/>
-              <a:t>ohc</a:t>
-            </a:r>
-            <a:r>
-              <a:rPr lang="en-SG" sz="4800" dirty="0"/>
-              <a:t>, </a:t>
-            </a:r>
-            <a:r>
-              <a:rPr lang="en-SG" sz="4800" dirty="0" err="1"/>
-              <a:t>ohcf</a:t>
-            </a:r>
-            <a:r>
-              <a:rPr lang="en-SG" sz="4800" dirty="0"/>
-              <a:t>, </a:t>
-            </a:r>
-            <a:r>
-              <a:rPr lang="en-SG" sz="4800" dirty="0" err="1"/>
-              <a:t>ohcv</a:t>
-            </a:r>
-            <a:r>
-              <a:rPr lang="en-SG" sz="4800" dirty="0"/>
-              <a:t>, rotor.</a:t>
-            </a:r>
-          </a:p>
-          <a:p>
-            <a:r>
-              <a:rPr lang="en-SG" sz="4800" dirty="0" err="1"/>
-              <a:t>num</a:t>
-            </a:r>
-            <a:r>
-              <a:rPr lang="en-SG" sz="4800" dirty="0"/>
-              <a:t>-of-cylinders: eight, five, four, six, three, twelve, two.</a:t>
-            </a:r>
-          </a:p>
-          <a:p>
-            <a:r>
-              <a:rPr lang="en-SG" sz="4800" dirty="0"/>
-              <a:t>engine-size: continuous from 61 to 326.</a:t>
-            </a:r>
-          </a:p>
-          <a:p>
-            <a:r>
-              <a:rPr lang="en-SG" sz="4800" dirty="0"/>
-              <a:t>fuel-system: 1bbl, 2bbl, 4bbl, </a:t>
-            </a:r>
-            <a:r>
-              <a:rPr lang="en-SG" sz="4800" dirty="0" err="1"/>
-              <a:t>idi</a:t>
-            </a:r>
-            <a:r>
-              <a:rPr lang="en-SG" sz="4800" dirty="0"/>
-              <a:t>, </a:t>
-            </a:r>
-            <a:r>
-              <a:rPr lang="en-SG" sz="4800" dirty="0" err="1"/>
-              <a:t>mfi</a:t>
-            </a:r>
-            <a:r>
-              <a:rPr lang="en-SG" sz="4800" dirty="0"/>
-              <a:t>, </a:t>
-            </a:r>
-            <a:r>
-              <a:rPr lang="en-SG" sz="4800" dirty="0" err="1"/>
-              <a:t>mpfi</a:t>
-            </a:r>
-            <a:r>
-              <a:rPr lang="en-SG" sz="4800" dirty="0"/>
-              <a:t>, </a:t>
-            </a:r>
-            <a:r>
-              <a:rPr lang="en-SG" sz="4800" dirty="0" err="1"/>
-              <a:t>spdi</a:t>
-            </a:r>
-            <a:r>
-              <a:rPr lang="en-SG" sz="4800" dirty="0"/>
-              <a:t>, </a:t>
-            </a:r>
-            <a:r>
-              <a:rPr lang="en-SG" sz="4800" dirty="0" err="1"/>
-              <a:t>spfi</a:t>
-            </a:r>
-            <a:r>
-              <a:rPr lang="en-SG" sz="4800" dirty="0"/>
-              <a:t>.</a:t>
-            </a:r>
-          </a:p>
-          <a:p>
-            <a:r>
-              <a:rPr lang="en-SG" sz="4800" dirty="0"/>
-              <a:t>bore: continuous from 2.54 to 3.94.</a:t>
-            </a:r>
-          </a:p>
-          <a:p>
-            <a:r>
-              <a:rPr lang="en-SG" sz="4800" dirty="0"/>
-              <a:t>stroke: continuous from 2.07 to 4.17.</a:t>
-            </a:r>
-          </a:p>
-          <a:p>
-            <a:r>
-              <a:rPr lang="en-SG" sz="4800" dirty="0"/>
-              <a:t>compression-ratio: continuous from 7 to 23.</a:t>
-            </a:r>
-          </a:p>
-          <a:p>
-            <a:r>
-              <a:rPr lang="en-SG" sz="4800" dirty="0"/>
-              <a:t>horsepower: continuous from 48 to 288.</a:t>
-            </a:r>
-          </a:p>
-          <a:p>
-            <a:r>
-              <a:rPr lang="en-SG" sz="4800" dirty="0"/>
-              <a:t>peak-rpm: continuous from 4150 to 6600.</a:t>
-            </a:r>
-          </a:p>
-          <a:p>
-            <a:r>
-              <a:rPr lang="en-SG" sz="4800" dirty="0"/>
-              <a:t>city-mpg: continuous from 13 to 49.</a:t>
-            </a:r>
-          </a:p>
-          <a:p>
-            <a:r>
-              <a:rPr lang="en-SG" sz="4800" dirty="0"/>
-              <a:t>highway-mpg: continuous from 16 to 54.</a:t>
-            </a:r>
-          </a:p>
-          <a:p>
-            <a:r>
-              <a:rPr lang="en-SG" sz="4800" dirty="0"/>
-              <a:t>price: continuous from 5118 to 45400.</a:t>
-            </a:r>
+            <a:pPr marL="514350" indent="-514350">
+              <a:buFont typeface="+mj-lt"/>
+              <a:buAutoNum type="arabicPeriod"/>
+            </a:pPr>
+            <a:endParaRPr lang="en-SG" dirty="0" smtClean="0"/>
+          </a:p>
+          <a:p>
+            <a:pPr marL="0" indent="0">
+              <a:buNone/>
+            </a:pPr>
+            <a:endParaRPr lang="en-SG" dirty="0"/>
+          </a:p>
+          <a:p>
+            <a:pPr marL="514350" indent="-514350">
+              <a:buFont typeface="+mj-lt"/>
+              <a:buAutoNum type="arabicParenR"/>
+            </a:pPr>
+            <a:r>
+              <a:rPr lang="en-SG" sz="4400" dirty="0" smtClean="0"/>
+              <a:t>Preference in buying  – low cost or more cost cars?</a:t>
+            </a:r>
+          </a:p>
+          <a:p>
+            <a:pPr marL="514350" indent="-514350">
+              <a:buFont typeface="+mj-lt"/>
+              <a:buAutoNum type="arabicParenR"/>
+            </a:pPr>
+            <a:r>
+              <a:rPr lang="en-SG" sz="4400" dirty="0" smtClean="0"/>
+              <a:t>Is risk rating impacting the buying ?</a:t>
+            </a:r>
+          </a:p>
+          <a:p>
+            <a:pPr marL="514350" indent="-514350">
+              <a:buFont typeface="+mj-lt"/>
+              <a:buAutoNum type="arabicParenR"/>
+            </a:pPr>
+            <a:r>
+              <a:rPr lang="en-US" sz="4400" dirty="0" smtClean="0"/>
+              <a:t>Does fuel type play a role in car purchase?</a:t>
+            </a:r>
+          </a:p>
+          <a:p>
+            <a:pPr marL="514350" indent="-514350">
+              <a:buFont typeface="+mj-lt"/>
+              <a:buAutoNum type="arabicParenR"/>
+            </a:pPr>
+            <a:r>
+              <a:rPr lang="en-US" sz="4400" dirty="0" smtClean="0"/>
+              <a:t>Is mileage better in cities or highway ?</a:t>
+            </a:r>
+          </a:p>
+          <a:p>
+            <a:pPr marL="514350" indent="-514350">
+              <a:buFont typeface="+mj-lt"/>
+              <a:buAutoNum type="arabicParenR"/>
+            </a:pPr>
+            <a:r>
+              <a:rPr lang="en-US" sz="4400" dirty="0" smtClean="0"/>
+              <a:t>Which body style is preferred ? </a:t>
+            </a:r>
+          </a:p>
+          <a:p>
+            <a:pPr marL="514350" indent="-514350">
+              <a:buFont typeface="+mj-lt"/>
+              <a:buAutoNum type="arabicParenR"/>
+            </a:pPr>
+            <a:r>
+              <a:rPr lang="en-US" sz="4400" dirty="0" smtClean="0"/>
+              <a:t>Which cars are safe ?</a:t>
+            </a:r>
+          </a:p>
+          <a:p>
+            <a:pPr marL="514350" indent="-514350">
+              <a:buFont typeface="+mj-lt"/>
+              <a:buAutoNum type="arabicParenR"/>
+            </a:pPr>
+            <a:r>
+              <a:rPr lang="en-US" sz="4400" dirty="0" smtClean="0"/>
+              <a:t>For same mileage cars, which fuel type cars are costlier ?</a:t>
+            </a:r>
+          </a:p>
+          <a:p>
+            <a:pPr marL="514350" indent="-514350">
+              <a:buFont typeface="+mj-lt"/>
+              <a:buAutoNum type="arabicParenR"/>
+            </a:pPr>
+            <a:r>
+              <a:rPr lang="en-US" sz="4400" dirty="0" smtClean="0"/>
+              <a:t>Which drive wheels is preferred and why ?</a:t>
+            </a:r>
+          </a:p>
+          <a:p>
+            <a:pPr marL="514350" indent="-514350">
+              <a:buFont typeface="+mj-lt"/>
+              <a:buAutoNum type="arabicParenR"/>
+            </a:pPr>
+            <a:r>
+              <a:rPr lang="en-US" sz="4400" dirty="0" smtClean="0"/>
+              <a:t>What factors impact automobile pricing ?</a:t>
+            </a:r>
+          </a:p>
+          <a:p>
+            <a:pPr marL="514350" indent="-514350">
+              <a:buFont typeface="+mj-lt"/>
+              <a:buAutoNum type="arabicParenR"/>
+            </a:pPr>
+            <a:r>
+              <a:rPr lang="en-US" sz="4400" dirty="0" smtClean="0"/>
+              <a:t>What factors impact mileage ?</a:t>
+            </a:r>
+          </a:p>
+          <a:p>
+            <a:pPr marL="514350" indent="-514350">
+              <a:buFont typeface="+mj-lt"/>
+              <a:buAutoNum type="arabicParenR"/>
+            </a:pPr>
+            <a:r>
+              <a:rPr lang="en-US" sz="4400" dirty="0" smtClean="0"/>
+              <a:t>What is the Best car in terms of both price and mileage ?</a:t>
+            </a:r>
+          </a:p>
+          <a:p>
+            <a:pPr marL="514350" indent="-514350">
+              <a:buFont typeface="+mj-lt"/>
+              <a:buAutoNum type="arabicParenR"/>
+            </a:pPr>
+            <a:endParaRPr lang="en-SG" dirty="0" smtClean="0"/>
           </a:p>
           <a:p>
             <a:endParaRPr lang="en-SG" dirty="0"/>
           </a:p>
         </p:txBody>
       </p:sp>
+      <p:pic>
+        <p:nvPicPr>
+          <p:cNvPr id="4" name="Picture 3"/>
+          <p:cNvPicPr>
+            <a:picLocks noChangeAspect="1"/>
+          </p:cNvPicPr>
+          <p:nvPr/>
+        </p:nvPicPr>
+        <p:blipFill>
+          <a:blip r:embed="rId2" cstate="print">
+            <a:extLst>
+              <a:ext uri="{28A0092B-C50C-407E-A947-70E740481C1C}">
+                <a14:useLocalDpi xmlns="" xmlns:a14="http://schemas.microsoft.com/office/drawing/2010/main" val="0"/>
+              </a:ext>
+            </a:extLst>
+          </a:blip>
+          <a:stretch>
+            <a:fillRect/>
+          </a:stretch>
+        </p:blipFill>
+        <p:spPr>
+          <a:xfrm>
+            <a:off x="6660232" y="319952"/>
+            <a:ext cx="1584176" cy="890106"/>
+          </a:xfrm>
+          <a:prstGeom prst="rect">
+            <a:avLst/>
+          </a:prstGeom>
+        </p:spPr>
+      </p:pic>
     </p:spTree>
     <p:extLst>
       <p:ext uri="{BB962C8B-B14F-4D97-AF65-F5344CB8AC3E}">
-        <p14:creationId xmlns:p14="http://schemas.microsoft.com/office/powerpoint/2010/main" xmlns="" val="4107631383"/>
+        <p14:creationId xmlns="" xmlns:p14="http://schemas.microsoft.com/office/powerpoint/2010/main" val="3651734606"/>
       </p:ext>
     </p:extLst>
   </p:cSld>
@@ -9866,40 +9594,15 @@
         <p:spPr/>
         <p:txBody>
           <a:bodyPr>
-            <a:normAutofit fontScale="90000"/>
+            <a:normAutofit/>
           </a:bodyPr>
           <a:lstStyle/>
           <a:p>
             <a:r>
-              <a:rPr lang="en-SG" dirty="0"/>
-              <a:t/>
-            </a:r>
-            <a:br>
-              <a:rPr lang="en-SG" dirty="0"/>
-            </a:br>
-            <a:r>
-              <a:rPr lang="en-SG" dirty="0"/>
-              <a:t> </a:t>
-            </a:r>
-            <a:br>
-              <a:rPr lang="en-SG" dirty="0"/>
-            </a:br>
-            <a:r>
-              <a:rPr lang="en-SG" sz="3600" dirty="0"/>
-              <a:t>Business </a:t>
-            </a:r>
-            <a:r>
-              <a:rPr lang="en-SG" sz="3600" dirty="0" smtClean="0"/>
-              <a:t>needs identified </a:t>
-            </a:r>
-            <a:r>
-              <a:rPr lang="en-SG" dirty="0"/>
-              <a:t/>
-            </a:r>
-            <a:br>
-              <a:rPr lang="en-SG" dirty="0"/>
-            </a:br>
-            <a:endParaRPr lang="en-SG" dirty="0"/>
+              <a:rPr lang="en-US" sz="3200" dirty="0" smtClean="0"/>
+              <a:t>Loading and Cleaning of data</a:t>
+            </a:r>
+            <a:endParaRPr lang="en-SG" sz="3200" dirty="0"/>
           </a:p>
         </p:txBody>
       </p:sp>
@@ -9920,140 +9623,172 @@
           </a:bodyPr>
           <a:lstStyle/>
           <a:p>
-            <a:pPr marL="514350" indent="-514350">
-              <a:buFont typeface="+mj-lt"/>
-              <a:buAutoNum type="arabicPeriod"/>
-            </a:pPr>
-            <a:endParaRPr lang="en-SG" dirty="0" smtClean="0"/>
-          </a:p>
-          <a:p>
-            <a:pPr marL="0" indent="0">
-              <a:buNone/>
-            </a:pPr>
-            <a:endParaRPr lang="en-SG" dirty="0"/>
-          </a:p>
-          <a:p>
-            <a:pPr marL="514350" indent="-514350">
-              <a:buFont typeface="+mj-lt"/>
-              <a:buAutoNum type="arabicParenR"/>
-            </a:pPr>
-            <a:r>
-              <a:rPr lang="en-SG" sz="4400" dirty="0" smtClean="0"/>
-              <a:t>Preference in buying  – low cost or more cost cars?</a:t>
-            </a:r>
-          </a:p>
-          <a:p>
-            <a:pPr marL="514350" indent="-514350">
-              <a:buFont typeface="+mj-lt"/>
-              <a:buAutoNum type="arabicParenR"/>
-            </a:pPr>
-            <a:r>
-              <a:rPr lang="en-SG" sz="4400" dirty="0" smtClean="0"/>
-              <a:t>Is risk rating impacting the buying ?</a:t>
-            </a:r>
-          </a:p>
-          <a:p>
-            <a:pPr marL="514350" indent="-514350">
-              <a:buFont typeface="+mj-lt"/>
-              <a:buAutoNum type="arabicParenR"/>
-            </a:pPr>
-            <a:r>
-              <a:rPr lang="en-US" sz="4400" dirty="0" smtClean="0"/>
-              <a:t>Does fuel type play a role in car purchase?</a:t>
-            </a:r>
-          </a:p>
-          <a:p>
-            <a:pPr marL="514350" indent="-514350">
-              <a:buFont typeface="+mj-lt"/>
-              <a:buAutoNum type="arabicParenR"/>
-            </a:pPr>
-            <a:r>
-              <a:rPr lang="en-US" sz="4400" dirty="0" smtClean="0"/>
-              <a:t>Is mileage better in cities or highway ?</a:t>
-            </a:r>
-          </a:p>
-          <a:p>
-            <a:pPr marL="514350" indent="-514350">
-              <a:buFont typeface="+mj-lt"/>
-              <a:buAutoNum type="arabicParenR"/>
-            </a:pPr>
-            <a:r>
-              <a:rPr lang="en-US" sz="4400" dirty="0" smtClean="0"/>
-              <a:t>Which body style is preferred ? </a:t>
-            </a:r>
-          </a:p>
-          <a:p>
-            <a:pPr marL="514350" indent="-514350">
-              <a:buFont typeface="+mj-lt"/>
-              <a:buAutoNum type="arabicParenR"/>
-            </a:pPr>
-            <a:r>
-              <a:rPr lang="en-US" sz="4400" dirty="0" smtClean="0"/>
-              <a:t>Which cars are safe ?</a:t>
-            </a:r>
-          </a:p>
-          <a:p>
-            <a:pPr marL="514350" indent="-514350">
-              <a:buFont typeface="+mj-lt"/>
-              <a:buAutoNum type="arabicParenR"/>
-            </a:pPr>
-            <a:r>
-              <a:rPr lang="en-US" sz="4400" dirty="0" smtClean="0"/>
-              <a:t>For same mileage cars, which fuel type cars are costlier ?</a:t>
-            </a:r>
-          </a:p>
-          <a:p>
-            <a:pPr marL="514350" indent="-514350">
-              <a:buFont typeface="+mj-lt"/>
-              <a:buAutoNum type="arabicParenR"/>
-            </a:pPr>
-            <a:r>
-              <a:rPr lang="en-US" sz="4400" dirty="0" smtClean="0"/>
-              <a:t>Which drive wheels is preferred and why ?</a:t>
-            </a:r>
-          </a:p>
-          <a:p>
-            <a:pPr marL="514350" indent="-514350">
-              <a:buFont typeface="+mj-lt"/>
-              <a:buAutoNum type="arabicParenR"/>
-            </a:pPr>
-            <a:r>
-              <a:rPr lang="en-US" sz="4400" dirty="0" smtClean="0"/>
-              <a:t>What factors impact automobile pricing ?</a:t>
-            </a:r>
-          </a:p>
-          <a:p>
-            <a:pPr marL="514350" indent="-514350">
-              <a:buFont typeface="+mj-lt"/>
-              <a:buAutoNum type="arabicParenR"/>
-            </a:pPr>
-            <a:r>
-              <a:rPr lang="en-US" sz="4400" dirty="0" smtClean="0"/>
-              <a:t>What factors impact mileage ?</a:t>
-            </a:r>
-          </a:p>
-          <a:p>
-            <a:pPr marL="514350" indent="-514350">
-              <a:buFont typeface="+mj-lt"/>
-              <a:buAutoNum type="arabicParenR"/>
-            </a:pPr>
-            <a:r>
-              <a:rPr lang="en-US" sz="4400" dirty="0" smtClean="0"/>
-              <a:t>What is the Best car in terms of both price and mileage ?</a:t>
-            </a:r>
-          </a:p>
-          <a:p>
-            <a:pPr marL="514350" indent="-514350">
-              <a:buFont typeface="+mj-lt"/>
-              <a:buAutoNum type="arabicParenR"/>
-            </a:pPr>
-            <a:endParaRPr lang="en-SG" dirty="0" smtClean="0"/>
-          </a:p>
-          <a:p>
-            <a:endParaRPr lang="en-SG" dirty="0"/>
+            <a:r>
+              <a:rPr lang="en-US" sz="3100" b="1" dirty="0" smtClean="0"/>
+              <a:t>Objective: </a:t>
+            </a:r>
+            <a:r>
+              <a:rPr lang="en-US" sz="3100" dirty="0" smtClean="0"/>
+              <a:t>Handle missing values</a:t>
+            </a:r>
+          </a:p>
+          <a:p>
+            <a:r>
+              <a:rPr lang="en-US" sz="3100" b="1" dirty="0" smtClean="0"/>
+              <a:t>Approach:</a:t>
+            </a:r>
+          </a:p>
+          <a:p>
+            <a:pPr lvl="1"/>
+            <a:r>
+              <a:rPr lang="en-US" sz="3100" dirty="0" smtClean="0"/>
+              <a:t>Identify the columns and rows having missing values</a:t>
+            </a:r>
+          </a:p>
+          <a:p>
+            <a:pPr lvl="1"/>
+            <a:endParaRPr lang="en-US" sz="3100" dirty="0" smtClean="0"/>
+          </a:p>
+          <a:p>
+            <a:pPr lvl="1"/>
+            <a:endParaRPr lang="en-US" sz="3100" dirty="0"/>
+          </a:p>
+          <a:p>
+            <a:pPr lvl="1"/>
+            <a:endParaRPr lang="en-US" sz="3100" dirty="0" smtClean="0"/>
+          </a:p>
+          <a:p>
+            <a:pPr lvl="1"/>
+            <a:endParaRPr lang="en-US" sz="3100" dirty="0"/>
+          </a:p>
+          <a:p>
+            <a:pPr lvl="1"/>
+            <a:endParaRPr lang="en-US" sz="3100" dirty="0" smtClean="0"/>
+          </a:p>
+          <a:p>
+            <a:pPr lvl="1"/>
+            <a:endParaRPr lang="en-US" sz="3100" dirty="0"/>
+          </a:p>
+          <a:p>
+            <a:pPr lvl="1"/>
+            <a:endParaRPr lang="en-US" sz="3100" dirty="0" smtClean="0"/>
+          </a:p>
+          <a:p>
+            <a:pPr lvl="1"/>
+            <a:endParaRPr lang="en-US" sz="3100" dirty="0"/>
+          </a:p>
+          <a:p>
+            <a:pPr lvl="1"/>
+            <a:endParaRPr lang="en-US" sz="3100" dirty="0" smtClean="0"/>
+          </a:p>
+          <a:p>
+            <a:pPr lvl="1"/>
+            <a:endParaRPr lang="en-US" sz="3100" dirty="0"/>
+          </a:p>
+          <a:p>
+            <a:pPr lvl="1"/>
+            <a:endParaRPr lang="en-US" sz="3100" dirty="0" smtClean="0"/>
+          </a:p>
+          <a:p>
+            <a:pPr lvl="1"/>
+            <a:r>
+              <a:rPr lang="en-US" sz="3100" dirty="0" smtClean="0"/>
+              <a:t>Since the % is 22.43 and hence decided to handle instead of dropping those rows.</a:t>
+            </a:r>
+          </a:p>
+          <a:p>
+            <a:pPr lvl="1"/>
+            <a:r>
+              <a:rPr lang="en-US" sz="3100" dirty="0" smtClean="0"/>
+              <a:t>The column “normalized-losses” is having the highest number of missing values. This columns is not active part of the hypothesis. So decided to drop the column</a:t>
+            </a:r>
+          </a:p>
+          <a:p>
+            <a:pPr lvl="1"/>
+            <a:r>
+              <a:rPr lang="en-US" sz="3100" dirty="0"/>
+              <a:t> </a:t>
+            </a:r>
+            <a:r>
+              <a:rPr lang="en-US" sz="3100" dirty="0" smtClean="0"/>
+              <a:t>“</a:t>
+            </a:r>
+            <a:r>
+              <a:rPr lang="en-US" sz="3100" dirty="0" err="1" smtClean="0"/>
+              <a:t>Num</a:t>
+            </a:r>
+            <a:r>
+              <a:rPr lang="en-US" sz="3100" dirty="0" smtClean="0"/>
+              <a:t>-of-doors” </a:t>
+            </a:r>
+            <a:r>
+              <a:rPr lang="en-US" sz="3100" dirty="0"/>
+              <a:t> </a:t>
+            </a:r>
+            <a:r>
+              <a:rPr lang="en-US" sz="3100" dirty="0" smtClean="0"/>
+              <a:t>is a categorical variable. Hence replaced the missing values with </a:t>
+            </a:r>
+            <a:r>
+              <a:rPr lang="en-SG" sz="3100" i="1" dirty="0"/>
+              <a:t>mode </a:t>
+            </a:r>
+            <a:r>
+              <a:rPr lang="en-SG" sz="3100" dirty="0"/>
+              <a:t>corresponding to make and </a:t>
+            </a:r>
+            <a:r>
+              <a:rPr lang="en-SG" sz="3100" dirty="0" smtClean="0"/>
+              <a:t>body-style</a:t>
+            </a:r>
+          </a:p>
+          <a:p>
+            <a:pPr lvl="1"/>
+            <a:endParaRPr lang="en-SG" sz="2700" dirty="0" smtClean="0"/>
           </a:p>
         </p:txBody>
       </p:sp>
+      <p:pic>
+        <p:nvPicPr>
+          <p:cNvPr id="4099" name="Picture 3"/>
+          <p:cNvPicPr>
+            <a:picLocks noChangeAspect="1" noChangeArrowheads="1"/>
+          </p:cNvPicPr>
+          <p:nvPr/>
+        </p:nvPicPr>
+        <p:blipFill>
+          <a:blip r:embed="rId2" cstate="print">
+            <a:extLst>
+              <a:ext uri="{28A0092B-C50C-407E-A947-70E740481C1C}">
+                <a14:useLocalDpi xmlns="" xmlns:a14="http://schemas.microsoft.com/office/drawing/2010/main" val="0"/>
+              </a:ext>
+            </a:extLst>
+          </a:blip>
+          <a:srcRect/>
+          <a:stretch>
+            <a:fillRect/>
+          </a:stretch>
+        </p:blipFill>
+        <p:spPr bwMode="auto">
+          <a:xfrm>
+            <a:off x="1619672" y="2492896"/>
+            <a:ext cx="3857625" cy="2132062"/>
+          </a:xfrm>
+          <a:prstGeom prst="rect">
+            <a:avLst/>
+          </a:prstGeom>
+          <a:solidFill>
+            <a:schemeClr val="accent1">
+              <a:tint val="20000"/>
+            </a:schemeClr>
+          </a:solidFill>
+          <a:ln>
+            <a:solidFill>
+              <a:schemeClr val="accent1"/>
+            </a:solidFill>
+          </a:ln>
+        </p:spPr>
+      </p:pic>
       <p:pic>
         <p:nvPicPr>
           <p:cNvPr id="4" name="Picture 3"/>
@@ -10063,10 +9798,10 @@
           <p:nvPr/>
         </p:nvPicPr>
         <p:blipFill>
-          <a:blip r:embed="rId2" cstate="print">
+          <a:blip r:embed="rId3" cstate="print">
             <a:extLst>
               <a:ext uri="{28A0092B-C50C-407E-A947-70E740481C1C}">
-                <a14:useLocalDpi xmlns:a14="http://schemas.microsoft.com/office/drawing/2010/main" xmlns="" val="0"/>
+                <a14:useLocalDpi xmlns="" xmlns:a14="http://schemas.microsoft.com/office/drawing/2010/main" val="0"/>
               </a:ext>
             </a:extLst>
           </a:blip>
@@ -10076,8 +9811,8 @@
         </p:blipFill>
         <p:spPr>
           <a:xfrm>
-            <a:off x="6660232" y="319952"/>
-            <a:ext cx="1584176" cy="890106"/>
+            <a:off x="6012160" y="620688"/>
+            <a:ext cx="2076271" cy="1351817"/>
           </a:xfrm>
           <a:prstGeom prst="rect">
             <a:avLst/>
@@ -10087,7 +9822,7 @@
     </p:spTree>
     <p:extLst>
       <p:ext uri="{BB962C8B-B14F-4D97-AF65-F5344CB8AC3E}">
-        <p14:creationId xmlns:p14="http://schemas.microsoft.com/office/powerpoint/2010/main" xmlns="" val="3651734606"/>
+        <p14:creationId xmlns="" xmlns:p14="http://schemas.microsoft.com/office/powerpoint/2010/main" val="158318378"/>
       </p:ext>
     </p:extLst>
   </p:cSld>
@@ -10136,284 +9871,6 @@
         </p:nvSpPr>
         <p:spPr/>
         <p:txBody>
-          <a:bodyPr>
-            <a:normAutofit/>
-          </a:bodyPr>
-          <a:lstStyle/>
-          <a:p>
-            <a:r>
-              <a:rPr lang="en-US" sz="3200" dirty="0" smtClean="0"/>
-              <a:t>Loading and Cleaning of data</a:t>
-            </a:r>
-            <a:endParaRPr lang="en-SG" sz="3200" dirty="0"/>
-          </a:p>
-        </p:txBody>
-      </p:sp>
-      <p:sp>
-        <p:nvSpPr>
-          <p:cNvPr id="3" name="Content Placeholder 2"/>
-          <p:cNvSpPr>
-            <a:spLocks noGrp="1"/>
-          </p:cNvSpPr>
-          <p:nvPr>
-            <p:ph idx="1"/>
-          </p:nvPr>
-        </p:nvSpPr>
-        <p:spPr/>
-        <p:txBody>
-          <a:bodyPr>
-            <a:normAutofit fontScale="47500" lnSpcReduction="20000"/>
-          </a:bodyPr>
-          <a:lstStyle/>
-          <a:p>
-            <a:r>
-              <a:rPr lang="en-US" sz="3100" b="1" dirty="0" smtClean="0"/>
-              <a:t>Objective: </a:t>
-            </a:r>
-            <a:r>
-              <a:rPr lang="en-US" sz="3100" dirty="0" smtClean="0"/>
-              <a:t>Handle missing values</a:t>
-            </a:r>
-          </a:p>
-          <a:p>
-            <a:r>
-              <a:rPr lang="en-US" sz="3100" b="1" dirty="0" smtClean="0"/>
-              <a:t>Approach:</a:t>
-            </a:r>
-          </a:p>
-          <a:p>
-            <a:pPr lvl="1"/>
-            <a:r>
-              <a:rPr lang="en-US" sz="3100" dirty="0" smtClean="0"/>
-              <a:t>Identify the columns and rows having missing values</a:t>
-            </a:r>
-          </a:p>
-          <a:p>
-            <a:pPr lvl="1"/>
-            <a:endParaRPr lang="en-US" sz="3100" dirty="0" smtClean="0"/>
-          </a:p>
-          <a:p>
-            <a:pPr lvl="1"/>
-            <a:endParaRPr lang="en-US" sz="3100" dirty="0"/>
-          </a:p>
-          <a:p>
-            <a:pPr lvl="1"/>
-            <a:endParaRPr lang="en-US" sz="3100" dirty="0" smtClean="0"/>
-          </a:p>
-          <a:p>
-            <a:pPr lvl="1"/>
-            <a:endParaRPr lang="en-US" sz="3100" dirty="0"/>
-          </a:p>
-          <a:p>
-            <a:pPr lvl="1"/>
-            <a:endParaRPr lang="en-US" sz="3100" dirty="0" smtClean="0"/>
-          </a:p>
-          <a:p>
-            <a:pPr lvl="1"/>
-            <a:endParaRPr lang="en-US" sz="3100" dirty="0"/>
-          </a:p>
-          <a:p>
-            <a:pPr lvl="1"/>
-            <a:endParaRPr lang="en-US" sz="3100" dirty="0" smtClean="0"/>
-          </a:p>
-          <a:p>
-            <a:pPr lvl="1"/>
-            <a:endParaRPr lang="en-US" sz="3100" dirty="0"/>
-          </a:p>
-          <a:p>
-            <a:pPr lvl="1"/>
-            <a:endParaRPr lang="en-US" sz="3100" dirty="0" smtClean="0"/>
-          </a:p>
-          <a:p>
-            <a:pPr lvl="1"/>
-            <a:endParaRPr lang="en-US" sz="3100" dirty="0"/>
-          </a:p>
-          <a:p>
-            <a:pPr lvl="1"/>
-            <a:endParaRPr lang="en-US" sz="3100" dirty="0" smtClean="0"/>
-          </a:p>
-          <a:p>
-            <a:pPr lvl="1"/>
-            <a:r>
-              <a:rPr lang="en-US" sz="3100" dirty="0" smtClean="0"/>
-              <a:t>Since the % is 22.43 and hence decided to handle instead of dropping those rows.</a:t>
-            </a:r>
-          </a:p>
-          <a:p>
-            <a:pPr lvl="1"/>
-            <a:r>
-              <a:rPr lang="en-US" sz="3100" dirty="0" smtClean="0"/>
-              <a:t>The column “normalized-losses” is having the highest number of missing values. This columns is not active part of the hypothesis. So decided to drop the column</a:t>
-            </a:r>
-          </a:p>
-          <a:p>
-            <a:pPr lvl="1"/>
-            <a:r>
-              <a:rPr lang="en-US" sz="3100" dirty="0"/>
-              <a:t> </a:t>
-            </a:r>
-            <a:r>
-              <a:rPr lang="en-US" sz="3100" dirty="0" smtClean="0"/>
-              <a:t>“</a:t>
-            </a:r>
-            <a:r>
-              <a:rPr lang="en-US" sz="3100" dirty="0" err="1" smtClean="0"/>
-              <a:t>Num</a:t>
-            </a:r>
-            <a:r>
-              <a:rPr lang="en-US" sz="3100" dirty="0" smtClean="0"/>
-              <a:t>-of-doors” </a:t>
-            </a:r>
-            <a:r>
-              <a:rPr lang="en-US" sz="3100" dirty="0"/>
-              <a:t> </a:t>
-            </a:r>
-            <a:r>
-              <a:rPr lang="en-US" sz="3100" dirty="0" smtClean="0"/>
-              <a:t>is a categorical variable. Hence replaced the missing values with </a:t>
-            </a:r>
-            <a:r>
-              <a:rPr lang="en-SG" sz="3100" i="1" dirty="0"/>
-              <a:t>mode </a:t>
-            </a:r>
-            <a:r>
-              <a:rPr lang="en-SG" sz="3100" dirty="0"/>
-              <a:t>corresponding to make and </a:t>
-            </a:r>
-            <a:r>
-              <a:rPr lang="en-SG" sz="3100" dirty="0" smtClean="0"/>
-              <a:t>body-style</a:t>
-            </a:r>
-          </a:p>
-          <a:p>
-            <a:pPr lvl="1"/>
-            <a:endParaRPr lang="en-SG" sz="2700" dirty="0" smtClean="0"/>
-          </a:p>
-        </p:txBody>
-      </p:sp>
-      <p:pic>
-        <p:nvPicPr>
-          <p:cNvPr id="4099" name="Picture 3"/>
-          <p:cNvPicPr>
-            <a:picLocks noChangeAspect="1" noChangeArrowheads="1"/>
-          </p:cNvPicPr>
-          <p:nvPr/>
-        </p:nvPicPr>
-        <p:blipFill>
-          <a:blip r:embed="rId2" cstate="print">
-            <a:extLst>
-              <a:ext uri="{28A0092B-C50C-407E-A947-70E740481C1C}">
-                <a14:useLocalDpi xmlns:a14="http://schemas.microsoft.com/office/drawing/2010/main" xmlns="" val="0"/>
-              </a:ext>
-            </a:extLst>
-          </a:blip>
-          <a:srcRect/>
-          <a:stretch>
-            <a:fillRect/>
-          </a:stretch>
-        </p:blipFill>
-        <p:spPr bwMode="auto">
-          <a:xfrm>
-            <a:off x="1619672" y="2492896"/>
-            <a:ext cx="3857625" cy="2132062"/>
-          </a:xfrm>
-          <a:prstGeom prst="rect">
-            <a:avLst/>
-          </a:prstGeom>
-          <a:solidFill>
-            <a:schemeClr val="accent1">
-              <a:tint val="20000"/>
-            </a:schemeClr>
-          </a:solidFill>
-          <a:ln>
-            <a:solidFill>
-              <a:schemeClr val="accent1"/>
-            </a:solidFill>
-          </a:ln>
-        </p:spPr>
-      </p:pic>
-      <p:pic>
-        <p:nvPicPr>
-          <p:cNvPr id="4" name="Picture 3"/>
-          <p:cNvPicPr>
-            <a:picLocks noChangeAspect="1"/>
-          </p:cNvPicPr>
-          <p:nvPr/>
-        </p:nvPicPr>
-        <p:blipFill>
-          <a:blip r:embed="rId3" cstate="print">
-            <a:extLst>
-              <a:ext uri="{28A0092B-C50C-407E-A947-70E740481C1C}">
-                <a14:useLocalDpi xmlns:a14="http://schemas.microsoft.com/office/drawing/2010/main" xmlns="" val="0"/>
-              </a:ext>
-            </a:extLst>
-          </a:blip>
-          <a:stretch>
-            <a:fillRect/>
-          </a:stretch>
-        </p:blipFill>
-        <p:spPr>
-          <a:xfrm>
-            <a:off x="6012160" y="620688"/>
-            <a:ext cx="2076271" cy="1351817"/>
-          </a:xfrm>
-          <a:prstGeom prst="rect">
-            <a:avLst/>
-          </a:prstGeom>
-        </p:spPr>
-      </p:pic>
-    </p:spTree>
-    <p:extLst>
-      <p:ext uri="{BB962C8B-B14F-4D97-AF65-F5344CB8AC3E}">
-        <p14:creationId xmlns:p14="http://schemas.microsoft.com/office/powerpoint/2010/main" xmlns="" val="158318378"/>
-      </p:ext>
-    </p:extLst>
-  </p:cSld>
-  <p:clrMapOvr>
-    <a:masterClrMapping/>
-  </p:clrMapOvr>
-  <p:transition spd="med">
-    <p:wedge/>
-  </p:transition>
-  <p:timing>
-    <p:tnLst>
-      <p:par>
-        <p:cTn id="1" dur="indefinite" restart="never" nodeType="tmRoot"/>
-      </p:par>
-    </p:tnLst>
-  </p:timing>
-</p:sld>
-</file>
-
-<file path=ppt/slides/slide8.xml><?xml version="1.0" encoding="utf-8"?>
-<p:sld xmlns:a="http://schemas.openxmlformats.org/drawingml/2006/main" xmlns:r="http://schemas.openxmlformats.org/officeDocument/2006/relationships" xmlns:p="http://schemas.openxmlformats.org/presentationml/2006/main">
-  <p:cSld>
-    <p:spTree>
-      <p:nvGrpSpPr>
-        <p:cNvPr id="1" name=""/>
-        <p:cNvGrpSpPr/>
-        <p:nvPr/>
-      </p:nvGrpSpPr>
-      <p:grpSpPr>
-        <a:xfrm>
-          <a:off x="0" y="0"/>
-          <a:ext cx="0" cy="0"/>
-          <a:chOff x="0" y="0"/>
-          <a:chExt cx="0" cy="0"/>
-        </a:xfrm>
-      </p:grpSpPr>
-      <p:sp>
-        <p:nvSpPr>
-          <p:cNvPr id="2" name="Title 1"/>
-          <p:cNvSpPr>
-            <a:spLocks noGrp="1"/>
-          </p:cNvSpPr>
-          <p:nvPr>
-            <p:ph type="title"/>
-          </p:nvPr>
-        </p:nvSpPr>
-        <p:spPr/>
-        <p:txBody>
           <a:bodyPr/>
           <a:lstStyle/>
           <a:p>
@@ -10548,7 +10005,7 @@
           <a:blip r:embed="rId2" cstate="print">
             <a:extLst>
               <a:ext uri="{28A0092B-C50C-407E-A947-70E740481C1C}">
-                <a14:useLocalDpi xmlns:a14="http://schemas.microsoft.com/office/drawing/2010/main" xmlns="" val="0"/>
+                <a14:useLocalDpi xmlns="" xmlns:a14="http://schemas.microsoft.com/office/drawing/2010/main" val="0"/>
               </a:ext>
             </a:extLst>
           </a:blip>
@@ -10587,7 +10044,7 @@
           <a:blip r:embed="rId3" cstate="print">
             <a:extLst>
               <a:ext uri="{28A0092B-C50C-407E-A947-70E740481C1C}">
-                <a14:useLocalDpi xmlns:a14="http://schemas.microsoft.com/office/drawing/2010/main" xmlns="" val="0"/>
+                <a14:useLocalDpi xmlns="" xmlns:a14="http://schemas.microsoft.com/office/drawing/2010/main" val="0"/>
               </a:ext>
             </a:extLst>
           </a:blip>
@@ -10638,7 +10095,352 @@
     </p:spTree>
     <p:extLst>
       <p:ext uri="{BB962C8B-B14F-4D97-AF65-F5344CB8AC3E}">
-        <p14:creationId xmlns:p14="http://schemas.microsoft.com/office/powerpoint/2010/main" xmlns="" val="1715740660"/>
+        <p14:creationId xmlns="" xmlns:p14="http://schemas.microsoft.com/office/powerpoint/2010/main" val="1715740660"/>
+      </p:ext>
+    </p:extLst>
+  </p:cSld>
+  <p:clrMapOvr>
+    <a:masterClrMapping/>
+  </p:clrMapOvr>
+  <p:transition spd="med">
+    <p:wedge/>
+  </p:transition>
+  <p:timing>
+    <p:tnLst>
+      <p:par>
+        <p:cTn id="1" dur="indefinite" restart="never" nodeType="tmRoot"/>
+      </p:par>
+    </p:tnLst>
+  </p:timing>
+</p:sld>
+</file>
+
+<file path=ppt/slides/slide8.xml><?xml version="1.0" encoding="utf-8"?>
+<p:sld xmlns:a="http://schemas.openxmlformats.org/drawingml/2006/main" xmlns:r="http://schemas.openxmlformats.org/officeDocument/2006/relationships" xmlns:p="http://schemas.openxmlformats.org/presentationml/2006/main">
+  <p:cSld>
+    <p:spTree>
+      <p:nvGrpSpPr>
+        <p:cNvPr id="1" name=""/>
+        <p:cNvGrpSpPr/>
+        <p:nvPr/>
+      </p:nvGrpSpPr>
+      <p:grpSpPr>
+        <a:xfrm>
+          <a:off x="0" y="0"/>
+          <a:ext cx="0" cy="0"/>
+          <a:chOff x="0" y="0"/>
+          <a:chExt cx="0" cy="0"/>
+        </a:xfrm>
+      </p:grpSpPr>
+      <p:sp>
+        <p:nvSpPr>
+          <p:cNvPr id="2" name="Title 1"/>
+          <p:cNvSpPr>
+            <a:spLocks noGrp="1"/>
+          </p:cNvSpPr>
+          <p:nvPr>
+            <p:ph type="title"/>
+          </p:nvPr>
+        </p:nvSpPr>
+        <p:spPr>
+          <a:xfrm>
+            <a:off x="467544" y="188640"/>
+            <a:ext cx="8219256" cy="1228998"/>
+          </a:xfrm>
+        </p:spPr>
+        <p:txBody>
+          <a:bodyPr>
+            <a:noAutofit/>
+          </a:bodyPr>
+          <a:lstStyle/>
+          <a:p>
+            <a:r>
+              <a:rPr lang="en-SG" sz="3200" dirty="0" smtClean="0"/>
+              <a:t/>
+            </a:r>
+            <a:br>
+              <a:rPr lang="en-SG" sz="3200" dirty="0" smtClean="0"/>
+            </a:br>
+            <a:r>
+              <a:rPr lang="en-SG" sz="3200" dirty="0" smtClean="0"/>
+              <a:t>Q1: Preference </a:t>
+            </a:r>
+            <a:r>
+              <a:rPr lang="en-SG" sz="3200" dirty="0"/>
+              <a:t>in buying  – low cost or more cost </a:t>
+            </a:r>
+            <a:r>
+              <a:rPr lang="en-SG" sz="3200" dirty="0" smtClean="0"/>
+              <a:t>cars</a:t>
+            </a:r>
+            <a:r>
+              <a:rPr lang="en-SG" sz="3200" dirty="0"/>
+              <a:t/>
+            </a:r>
+            <a:br>
+              <a:rPr lang="en-SG" sz="3200" dirty="0"/>
+            </a:br>
+            <a:endParaRPr lang="en-SG" sz="3200" dirty="0"/>
+          </a:p>
+        </p:txBody>
+      </p:sp>
+      <p:sp>
+        <p:nvSpPr>
+          <p:cNvPr id="3" name="Content Placeholder 2"/>
+          <p:cNvSpPr>
+            <a:spLocks noGrp="1"/>
+          </p:cNvSpPr>
+          <p:nvPr>
+            <p:ph idx="1"/>
+          </p:nvPr>
+        </p:nvSpPr>
+        <p:spPr/>
+        <p:txBody>
+          <a:bodyPr>
+            <a:normAutofit/>
+          </a:bodyPr>
+          <a:lstStyle/>
+          <a:p>
+            <a:pPr lvl="1">
+              <a:buFont typeface="Arial" panose="020B0604020202020204" pitchFamily="34" charset="0"/>
+              <a:buChar char="•"/>
+            </a:pPr>
+            <a:r>
+              <a:rPr lang="en-SG" sz="1200" b="1" dirty="0" smtClean="0"/>
+              <a:t>Approach:</a:t>
+            </a:r>
+          </a:p>
+          <a:p>
+            <a:pPr lvl="2">
+              <a:buFont typeface="Wingdings" panose="05000000000000000000" pitchFamily="2" charset="2"/>
+              <a:buChar char="Ø"/>
+            </a:pPr>
+            <a:r>
+              <a:rPr lang="en-US" sz="1200" dirty="0" smtClean="0"/>
+              <a:t>To plot a </a:t>
+            </a:r>
+            <a:r>
+              <a:rPr lang="en-US" sz="1200" b="1" i="1" dirty="0" smtClean="0"/>
+              <a:t>histogram</a:t>
+            </a:r>
+            <a:r>
+              <a:rPr lang="en-US" sz="1200" dirty="0" smtClean="0"/>
+              <a:t> for price </a:t>
+            </a:r>
+            <a:r>
+              <a:rPr lang="en-US" sz="1200" dirty="0"/>
+              <a:t>w</a:t>
+            </a:r>
+            <a:r>
+              <a:rPr lang="en-US" sz="1200" dirty="0" smtClean="0"/>
+              <a:t>hich gives the distribution of prices. </a:t>
+            </a:r>
+          </a:p>
+          <a:p>
+            <a:pPr lvl="1">
+              <a:buFont typeface="Arial" panose="020B0604020202020204" pitchFamily="34" charset="0"/>
+              <a:buChar char="•"/>
+            </a:pPr>
+            <a:endParaRPr lang="en-SG" sz="1200" b="1" dirty="0" smtClean="0"/>
+          </a:p>
+          <a:p>
+            <a:pPr lvl="1">
+              <a:buFont typeface="Arial" panose="020B0604020202020204" pitchFamily="34" charset="0"/>
+              <a:buChar char="•"/>
+            </a:pPr>
+            <a:r>
+              <a:rPr lang="en-SG" sz="1200" b="1" dirty="0" smtClean="0"/>
+              <a:t>Visualizations:</a:t>
+            </a:r>
+          </a:p>
+          <a:p>
+            <a:pPr marL="457200" lvl="1" indent="0">
+              <a:buNone/>
+            </a:pPr>
+            <a:endParaRPr lang="en-US" sz="1200" b="1" dirty="0" smtClean="0"/>
+          </a:p>
+          <a:p>
+            <a:pPr marL="457200" lvl="1" indent="0">
+              <a:buNone/>
+            </a:pPr>
+            <a:endParaRPr lang="en-US" sz="1200" b="1" dirty="0"/>
+          </a:p>
+          <a:p>
+            <a:pPr marL="457200" lvl="1" indent="0">
+              <a:buNone/>
+            </a:pPr>
+            <a:endParaRPr lang="en-US" sz="1200" b="1" dirty="0"/>
+          </a:p>
+          <a:p>
+            <a:pPr marL="457200" lvl="1" indent="0">
+              <a:buNone/>
+            </a:pPr>
+            <a:endParaRPr lang="en-US" sz="1200" b="1" dirty="0" smtClean="0"/>
+          </a:p>
+          <a:p>
+            <a:pPr marL="457200" lvl="1" indent="0">
+              <a:buNone/>
+            </a:pPr>
+            <a:endParaRPr lang="en-US" sz="1200" b="1" dirty="0"/>
+          </a:p>
+          <a:p>
+            <a:pPr marL="457200" lvl="1" indent="0">
+              <a:buNone/>
+            </a:pPr>
+            <a:endParaRPr lang="en-US" sz="1200" b="1" dirty="0" smtClean="0"/>
+          </a:p>
+          <a:p>
+            <a:pPr marL="457200" lvl="1" indent="0">
+              <a:buNone/>
+            </a:pPr>
+            <a:endParaRPr lang="en-US" sz="1200" b="1" dirty="0"/>
+          </a:p>
+          <a:p>
+            <a:pPr marL="457200" lvl="1" indent="0">
+              <a:buNone/>
+            </a:pPr>
+            <a:endParaRPr lang="en-US" sz="1200" b="1" dirty="0" smtClean="0"/>
+          </a:p>
+          <a:p>
+            <a:pPr marL="457200" lvl="1" indent="0">
+              <a:buNone/>
+            </a:pPr>
+            <a:endParaRPr lang="en-US" sz="1200" b="1" dirty="0"/>
+          </a:p>
+          <a:p>
+            <a:pPr marL="457200" lvl="1" indent="0">
+              <a:buNone/>
+            </a:pPr>
+            <a:endParaRPr lang="en-US" sz="1200" b="1" dirty="0" smtClean="0"/>
+          </a:p>
+          <a:p>
+            <a:pPr marL="457200" lvl="1" indent="0">
+              <a:buNone/>
+            </a:pPr>
+            <a:endParaRPr lang="en-US" sz="1200" b="1" dirty="0"/>
+          </a:p>
+          <a:p>
+            <a:pPr marL="457200" lvl="1" indent="0">
+              <a:buNone/>
+            </a:pPr>
+            <a:endParaRPr lang="en-US" sz="1200" b="1" dirty="0" smtClean="0"/>
+          </a:p>
+          <a:p>
+            <a:pPr marL="457200" lvl="1" indent="0">
+              <a:buNone/>
+            </a:pPr>
+            <a:endParaRPr lang="en-US" sz="1200" b="1" dirty="0" smtClean="0"/>
+          </a:p>
+          <a:p>
+            <a:pPr lvl="1">
+              <a:buFont typeface="Arial" panose="020B0604020202020204" pitchFamily="34" charset="0"/>
+              <a:buChar char="•"/>
+            </a:pPr>
+            <a:r>
+              <a:rPr lang="en-SG" sz="1200" b="1" dirty="0" smtClean="0"/>
+              <a:t>Findings:</a:t>
+            </a:r>
+            <a:endParaRPr lang="en-SG" sz="1200" b="1" dirty="0"/>
+          </a:p>
+          <a:p>
+            <a:pPr lvl="2">
+              <a:buFont typeface="Wingdings" panose="05000000000000000000" pitchFamily="2" charset="2"/>
+              <a:buChar char="Ø"/>
+            </a:pPr>
+            <a:r>
+              <a:rPr lang="en-US" sz="1200" dirty="0" smtClean="0"/>
+              <a:t>We can find that the majority of distribution is around lower price range and can infer that the customer prefer buying low costs cars.</a:t>
+            </a:r>
+          </a:p>
+          <a:p>
+            <a:pPr marL="457200" lvl="1" indent="0">
+              <a:buNone/>
+            </a:pPr>
+            <a:endParaRPr lang="en-SG" sz="1200" b="1" dirty="0"/>
+          </a:p>
+        </p:txBody>
+      </p:sp>
+      <p:pic>
+        <p:nvPicPr>
+          <p:cNvPr id="3075" name="Picture 3"/>
+          <p:cNvPicPr>
+            <a:picLocks noChangeAspect="1" noChangeArrowheads="1"/>
+          </p:cNvPicPr>
+          <p:nvPr/>
+        </p:nvPicPr>
+        <p:blipFill>
+          <a:blip r:embed="rId2" cstate="print">
+            <a:extLst>
+              <a:ext uri="{28A0092B-C50C-407E-A947-70E740481C1C}">
+                <a14:useLocalDpi xmlns="" xmlns:a14="http://schemas.microsoft.com/office/drawing/2010/main" val="0"/>
+              </a:ext>
+            </a:extLst>
+          </a:blip>
+          <a:srcRect/>
+          <a:stretch>
+            <a:fillRect/>
+          </a:stretch>
+        </p:blipFill>
+        <p:spPr bwMode="auto">
+          <a:xfrm>
+            <a:off x="1558355" y="2564904"/>
+            <a:ext cx="3788570" cy="2673870"/>
+          </a:xfrm>
+          <a:prstGeom prst="rect">
+            <a:avLst/>
+          </a:prstGeom>
+          <a:noFill/>
+          <a:ln w="9525">
+            <a:noFill/>
+            <a:miter lim="800000"/>
+            <a:headEnd/>
+            <a:tailEnd/>
+          </a:ln>
+          <a:extLst>
+            <a:ext uri="{909E8E84-426E-40DD-AFC4-6F175D3DCCD1}">
+              <a14:hiddenFill xmlns="" xmlns:a14="http://schemas.microsoft.com/office/drawing/2010/main">
+                <a:solidFill>
+                  <a:schemeClr val="accent1"/>
+                </a:solidFill>
+              </a14:hiddenFill>
+            </a:ext>
+          </a:extLst>
+        </p:spPr>
+      </p:pic>
+      <p:pic>
+        <p:nvPicPr>
+          <p:cNvPr id="4" name="Picture 3"/>
+          <p:cNvPicPr>
+            <a:picLocks noChangeAspect="1"/>
+          </p:cNvPicPr>
+          <p:nvPr/>
+        </p:nvPicPr>
+        <p:blipFill>
+          <a:blip r:embed="rId3" cstate="print">
+            <a:extLst>
+              <a:ext uri="{28A0092B-C50C-407E-A947-70E740481C1C}">
+                <a14:useLocalDpi xmlns="" xmlns:a14="http://schemas.microsoft.com/office/drawing/2010/main" val="0"/>
+              </a:ext>
+            </a:extLst>
+          </a:blip>
+          <a:stretch>
+            <a:fillRect/>
+          </a:stretch>
+        </p:blipFill>
+        <p:spPr>
+          <a:xfrm>
+            <a:off x="1523210" y="836712"/>
+            <a:ext cx="1135966" cy="720080"/>
+          </a:xfrm>
+          <a:prstGeom prst="rect">
+            <a:avLst/>
+          </a:prstGeom>
+        </p:spPr>
+      </p:pic>
+    </p:spTree>
+    <p:extLst>
+      <p:ext uri="{BB962C8B-B14F-4D97-AF65-F5344CB8AC3E}">
+        <p14:creationId xmlns="" xmlns:p14="http://schemas.microsoft.com/office/powerpoint/2010/main" val="3032825664"/>
       </p:ext>
     </p:extLst>
   </p:cSld>
@@ -10706,16 +10508,15 @@
             </a:br>
             <a:r>
               <a:rPr lang="en-SG" sz="3200" dirty="0" smtClean="0"/>
-              <a:t>Q1: Preference </a:t>
+              <a:t>Q2: Is </a:t>
             </a:r>
             <a:r>
               <a:rPr lang="en-SG" sz="3200" dirty="0"/>
-              <a:t>in buying  – low cost or more cost </a:t>
-            </a:r>
-            <a:r>
-              <a:rPr lang="en-SG" sz="3200" dirty="0" smtClean="0"/>
-              <a:t>cars</a:t>
-            </a:r>
+              <a:t>risk rating impacting the buying ?</a:t>
+            </a:r>
+            <a:br>
+              <a:rPr lang="en-SG" sz="3200" dirty="0"/>
+            </a:br>
             <a:r>
               <a:rPr lang="en-SG" sz="3200" dirty="0"/>
               <a:t/>
@@ -10768,15 +10569,15 @@
             </a:r>
             <a:r>
               <a:rPr lang="en-US" sz="1200" dirty="0" smtClean="0"/>
-              <a:t> for price </a:t>
-            </a:r>
-            <a:r>
-              <a:rPr lang="en-US" sz="1200" dirty="0"/>
-              <a:t>w</a:t>
+              <a:t> that gives the </a:t>
+            </a:r>
+            <a:r>
+              <a:rPr lang="en-US" sz="1200" b="1" i="1" dirty="0" smtClean="0"/>
+              <a:t>“cumulative”</a:t>
             </a:r>
             <a:r>
               <a:rPr lang="en-US" sz="1200" dirty="0" smtClean="0"/>
-              <a:t>hich gives the distribution of prices. </a:t>
+              <a:t> risk rating of vehicles </a:t>
             </a:r>
           </a:p>
           <a:p>
@@ -10892,7 +10693,17 @@
             </a:pPr>
             <a:r>
               <a:rPr lang="en-US" sz="1200" dirty="0" smtClean="0"/>
-              <a:t>We can find that the majority of distribution is around lower price range and can infer that the customer prefer buying low costs cars.</a:t>
+              <a:t>We can find that the  count of vehicles that are risky are far more than safe.</a:t>
+            </a:r>
+          </a:p>
+          <a:p>
+            <a:pPr lvl="2">
+              <a:buFont typeface="Wingdings" panose="05000000000000000000" pitchFamily="2" charset="2"/>
+              <a:buChar char="Ø"/>
+            </a:pPr>
+            <a:r>
+              <a:rPr lang="en-US" sz="1200" dirty="0" smtClean="0"/>
+              <a:t>We can infer that risk is not a key factor impacting the customer buying.</a:t>
             </a:r>
           </a:p>
           <a:p>
@@ -10905,7 +10716,7 @@
       </p:sp>
       <p:pic>
         <p:nvPicPr>
-          <p:cNvPr id="3075" name="Picture 3"/>
+          <p:cNvPr id="4098" name="Picture 2"/>
           <p:cNvPicPr>
             <a:picLocks noChangeAspect="1" noChangeArrowheads="1"/>
           </p:cNvPicPr>
@@ -10915,7 +10726,7 @@
           <a:blip r:embed="rId2" cstate="print">
             <a:extLst>
               <a:ext uri="{28A0092B-C50C-407E-A947-70E740481C1C}">
-                <a14:useLocalDpi xmlns:a14="http://schemas.microsoft.com/office/drawing/2010/main" xmlns="" val="0"/>
+                <a14:useLocalDpi xmlns="" xmlns:a14="http://schemas.microsoft.com/office/drawing/2010/main" val="0"/>
               </a:ext>
             </a:extLst>
           </a:blip>
@@ -10926,33 +10737,40 @@
         </p:blipFill>
         <p:spPr bwMode="auto">
           <a:xfrm>
-            <a:off x="1558355" y="2564904"/>
-            <a:ext cx="3788570" cy="2673870"/>
+            <a:off x="1527126" y="2564904"/>
+            <a:ext cx="3359646" cy="2737727"/>
           </a:xfrm>
           <a:prstGeom prst="rect">
             <a:avLst/>
           </a:prstGeom>
           <a:noFill/>
-          <a:ln w="9525">
+          <a:ln>
             <a:noFill/>
-            <a:miter lim="800000"/>
-            <a:headEnd/>
-            <a:tailEnd/>
           </a:ln>
           <a:extLst>
             <a:ext uri="{909E8E84-426E-40DD-AFC4-6F175D3DCCD1}">
-              <a14:hiddenFill xmlns:a14="http://schemas.microsoft.com/office/drawing/2010/main" xmlns="">
+              <a14:hiddenFill xmlns="" xmlns:a14="http://schemas.microsoft.com/office/drawing/2010/main">
                 <a:solidFill>
                   <a:schemeClr val="accent1"/>
                 </a:solidFill>
               </a14:hiddenFill>
+            </a:ext>
+            <a:ext uri="{91240B29-F687-4F45-9708-019B960494DF}">
+              <a14:hiddenLine xmlns="" xmlns:a14="http://schemas.microsoft.com/office/drawing/2010/main" w="9525">
+                <a:solidFill>
+                  <a:schemeClr val="tx1"/>
+                </a:solidFill>
+                <a:miter lim="800000"/>
+                <a:headEnd/>
+                <a:tailEnd/>
+              </a14:hiddenLine>
             </a:ext>
           </a:extLst>
         </p:spPr>
       </p:pic>
       <p:pic>
         <p:nvPicPr>
-          <p:cNvPr id="4" name="Picture 3"/>
+          <p:cNvPr id="5" name="Picture 4"/>
           <p:cNvPicPr>
             <a:picLocks noChangeAspect="1"/>
           </p:cNvPicPr>
@@ -10962,7 +10780,7 @@
           <a:blip r:embed="rId3" cstate="print">
             <a:extLst>
               <a:ext uri="{28A0092B-C50C-407E-A947-70E740481C1C}">
-                <a14:useLocalDpi xmlns:a14="http://schemas.microsoft.com/office/drawing/2010/main" xmlns="" val="0"/>
+                <a14:useLocalDpi xmlns="" xmlns:a14="http://schemas.microsoft.com/office/drawing/2010/main" val="0"/>
               </a:ext>
             </a:extLst>
           </a:blip>
@@ -10972,8 +10790,8 @@
         </p:blipFill>
         <p:spPr>
           <a:xfrm>
-            <a:off x="1523210" y="836712"/>
-            <a:ext cx="1135966" cy="720080"/>
+            <a:off x="7020272" y="908720"/>
+            <a:ext cx="931945" cy="1292871"/>
           </a:xfrm>
           <a:prstGeom prst="rect">
             <a:avLst/>
@@ -10983,7 +10801,7 @@
     </p:spTree>
     <p:extLst>
       <p:ext uri="{BB962C8B-B14F-4D97-AF65-F5344CB8AC3E}">
-        <p14:creationId xmlns:p14="http://schemas.microsoft.com/office/powerpoint/2010/main" xmlns="" val="3032825664"/>
+        <p14:creationId xmlns="" xmlns:p14="http://schemas.microsoft.com/office/powerpoint/2010/main" val="1249637507"/>
       </p:ext>
     </p:extLst>
   </p:cSld>
